--- a/docgen/sequence-diagram.pptx
+++ b/docgen/sequence-diagram.pptx
@@ -197,7 +197,7 @@
           <a:p>
             <a:fld id="{9D12DC2B-A868-EB48-BC74-89BE29D1DE6E}" type="datetimeFigureOut">
               <a:rPr lang="en-US" smtClean="0"/>
-              <a:t>9/4/24</a:t>
+              <a:t>9/5/24</a:t>
             </a:fld>
             <a:endParaRPr lang="en-US" dirty="0"/>
           </a:p>
@@ -1791,8 +1791,8 @@
           </p:nvSpPr>
           <p:spPr>
             <a:xfrm>
-              <a:off x="1916682" y="5388532"/>
-              <a:ext cx="677589" cy="356807"/>
+              <a:off x="1916681" y="5388532"/>
+              <a:ext cx="678971" cy="346745"/>
             </a:xfrm>
             <a:prstGeom prst="rect">
               <a:avLst/>
@@ -1810,7 +1810,7 @@
                   <a:latin typeface="Arial" panose="020B0604020202020204" pitchFamily="34" charset="0"/>
                   <a:cs typeface="Arial" panose="020B0604020202020204" pitchFamily="34" charset="0"/>
                 </a:rPr>
-                <a:t>€100</a:t>
+                <a:t>€600</a:t>
               </a:r>
             </a:p>
           </p:txBody>
@@ -3533,10 +3533,10 @@
         </p:nvGrpSpPr>
         <p:grpSpPr>
           <a:xfrm>
-            <a:off x="5390764" y="2465707"/>
-            <a:ext cx="1383161" cy="810396"/>
+            <a:off x="5390764" y="2465705"/>
+            <a:ext cx="1383161" cy="814119"/>
             <a:chOff x="5668803" y="2309053"/>
-            <a:chExt cx="1838831" cy="1160329"/>
+            <a:chExt cx="1838831" cy="1165660"/>
           </a:xfrm>
           <a:effectLst>
             <a:outerShdw blurRad="50800" dist="50800" dir="2700000" sx="98239" sy="98239" algn="tl" rotWithShape="0">
@@ -3627,7 +3627,7 @@
             </a:custGeom>
             <a:solidFill>
               <a:schemeClr val="bg1">
-                <a:lumMod val="65000"/>
+                <a:lumMod val="50000"/>
               </a:schemeClr>
             </a:solidFill>
             <a:ln w="12994" cap="flat">
@@ -3724,7 +3724,9 @@
               </a:pathLst>
             </a:custGeom>
             <a:solidFill>
-              <a:srgbClr val="EEEEEC"/>
+              <a:schemeClr val="bg1">
+                <a:lumMod val="95000"/>
+              </a:schemeClr>
             </a:solidFill>
             <a:ln w="12994" cap="flat">
               <a:noFill/>
@@ -3821,7 +3823,7 @@
             </a:custGeom>
             <a:solidFill>
               <a:schemeClr val="bg1">
-                <a:lumMod val="65000"/>
+                <a:lumMod val="50000"/>
               </a:schemeClr>
             </a:solidFill>
             <a:ln w="12994" cap="flat">
@@ -3918,7 +3920,9 @@
               </a:pathLst>
             </a:custGeom>
             <a:solidFill>
-              <a:srgbClr val="EEEEEC"/>
+              <a:schemeClr val="bg1">
+                <a:lumMod val="95000"/>
+              </a:schemeClr>
             </a:solidFill>
             <a:ln w="12994" cap="flat">
               <a:noFill/>
@@ -4015,7 +4019,7 @@
             </a:custGeom>
             <a:solidFill>
               <a:schemeClr val="bg1">
-                <a:lumMod val="65000"/>
+                <a:lumMod val="50000"/>
               </a:schemeClr>
             </a:solidFill>
             <a:ln w="12994" cap="flat">
@@ -4113,7 +4117,7 @@
             </a:custGeom>
             <a:solidFill>
               <a:schemeClr val="bg1">
-                <a:lumMod val="65000"/>
+                <a:lumMod val="50000"/>
               </a:schemeClr>
             </a:solidFill>
             <a:ln w="12994" cap="flat">
@@ -4307,7 +4311,7 @@
             </a:custGeom>
             <a:solidFill>
               <a:schemeClr val="bg1">
-                <a:lumMod val="65000"/>
+                <a:lumMod val="50000"/>
               </a:schemeClr>
             </a:solidFill>
             <a:ln w="12994" cap="flat">
@@ -4404,7 +4408,9 @@
               </a:pathLst>
             </a:custGeom>
             <a:solidFill>
-              <a:srgbClr val="EEEEEC"/>
+              <a:schemeClr val="bg1">
+                <a:lumMod val="95000"/>
+              </a:schemeClr>
             </a:solidFill>
             <a:ln w="12994" cap="flat">
               <a:noFill/>
@@ -4501,7 +4507,7 @@
             </a:custGeom>
             <a:solidFill>
               <a:schemeClr val="bg1">
-                <a:lumMod val="65000"/>
+                <a:lumMod val="50000"/>
               </a:schemeClr>
             </a:solidFill>
             <a:ln w="12994" cap="flat">
@@ -4599,7 +4605,7 @@
             </a:custGeom>
             <a:solidFill>
               <a:schemeClr val="bg1">
-                <a:lumMod val="65000"/>
+                <a:lumMod val="50000"/>
               </a:schemeClr>
             </a:solidFill>
             <a:ln w="12994" cap="flat">
@@ -4697,7 +4703,7 @@
             </a:custGeom>
             <a:solidFill>
               <a:schemeClr val="bg1">
-                <a:lumMod val="65000"/>
+                <a:lumMod val="50000"/>
               </a:schemeClr>
             </a:solidFill>
             <a:ln w="12994" cap="flat">
@@ -4795,7 +4801,7 @@
             </a:custGeom>
             <a:solidFill>
               <a:schemeClr val="bg1">
-                <a:lumMod val="65000"/>
+                <a:lumMod val="50000"/>
               </a:schemeClr>
             </a:solidFill>
             <a:ln w="12994" cap="flat">
@@ -4892,7 +4898,9 @@
               </a:pathLst>
             </a:custGeom>
             <a:solidFill>
-              <a:srgbClr val="EEEEEC"/>
+              <a:schemeClr val="bg1">
+                <a:lumMod val="95000"/>
+              </a:schemeClr>
             </a:solidFill>
             <a:ln w="12994" cap="flat">
               <a:noFill/>
@@ -4988,7 +4996,9 @@
               </a:pathLst>
             </a:custGeom>
             <a:solidFill>
-              <a:srgbClr val="EEEEEC"/>
+              <a:schemeClr val="bg1">
+                <a:lumMod val="95000"/>
+              </a:schemeClr>
             </a:solidFill>
             <a:ln w="12994" cap="flat">
               <a:noFill/>
@@ -5084,7 +5094,9 @@
               </a:pathLst>
             </a:custGeom>
             <a:solidFill>
-              <a:srgbClr val="EEEEEC"/>
+              <a:schemeClr val="bg1">
+                <a:lumMod val="95000"/>
+              </a:schemeClr>
             </a:solidFill>
             <a:ln w="12994" cap="flat">
               <a:noFill/>
@@ -5180,7 +5192,9 @@
               </a:pathLst>
             </a:custGeom>
             <a:solidFill>
-              <a:srgbClr val="EEEEEC"/>
+              <a:schemeClr val="bg1">
+                <a:lumMod val="95000"/>
+              </a:schemeClr>
             </a:solidFill>
             <a:ln w="12994" cap="flat">
               <a:noFill/>
@@ -5276,7 +5290,9 @@
               </a:pathLst>
             </a:custGeom>
             <a:solidFill>
-              <a:srgbClr val="EEEEEC"/>
+              <a:schemeClr val="bg1">
+                <a:lumMod val="95000"/>
+              </a:schemeClr>
             </a:solidFill>
             <a:ln w="12994" cap="flat">
               <a:noFill/>
@@ -5372,7 +5388,9 @@
               </a:pathLst>
             </a:custGeom>
             <a:solidFill>
-              <a:srgbClr val="EEEEEC"/>
+              <a:schemeClr val="bg1">
+                <a:lumMod val="95000"/>
+              </a:schemeClr>
             </a:solidFill>
             <a:ln w="12994" cap="flat">
               <a:noFill/>
@@ -5402,7 +5420,7 @@
           </p:nvSpPr>
           <p:spPr>
             <a:xfrm rot="478580">
-              <a:off x="6154254" y="2669768"/>
+              <a:off x="6086718" y="2656130"/>
               <a:ext cx="299385" cy="485703"/>
             </a:xfrm>
             <a:custGeom>
@@ -5468,7 +5486,9 @@
               </a:pathLst>
             </a:custGeom>
             <a:solidFill>
-              <a:srgbClr val="EEEEEC"/>
+              <a:schemeClr val="bg1">
+                <a:lumMod val="95000"/>
+              </a:schemeClr>
             </a:solidFill>
             <a:ln w="12994" cap="flat">
               <a:noFill/>
@@ -5498,7 +5518,7 @@
           </p:nvSpPr>
           <p:spPr>
             <a:xfrm>
-              <a:off x="6157285" y="2552912"/>
+              <a:off x="6180711" y="2558243"/>
               <a:ext cx="891590" cy="916470"/>
             </a:xfrm>
             <a:prstGeom prst="rect">

--- a/docgen/sequence-diagram.pptx
+++ b/docgen/sequence-diagram.pptx
@@ -197,7 +197,7 @@
           <a:p>
             <a:fld id="{9D12DC2B-A868-EB48-BC74-89BE29D1DE6E}" type="datetimeFigureOut">
               <a:rPr lang="en-US" smtClean="0"/>
-              <a:t>9/5/24</a:t>
+              <a:t>9/9/24</a:t>
             </a:fld>
             <a:endParaRPr lang="en-US" dirty="0"/>
           </a:p>
@@ -1356,9 +1356,9 @@
           <a:prstGeom prst="straightConnector1">
             <a:avLst/>
           </a:prstGeom>
-          <a:ln w="25400">
+          <a:ln w="26670">
             <a:solidFill>
-              <a:schemeClr val="accent2">
+              <a:schemeClr val="accent6">
                 <a:lumMod val="60000"/>
                 <a:lumOff val="40000"/>
               </a:schemeClr>
@@ -2144,7 +2144,7 @@
           <a:prstGeom prst="straightConnector1">
             <a:avLst/>
           </a:prstGeom>
-          <a:ln w="25400">
+          <a:ln w="26670">
             <a:solidFill>
               <a:schemeClr val="bg1">
                 <a:lumMod val="65000"/>

--- a/docgen/sequence-diagram.pptx
+++ b/docgen/sequence-diagram.pptx
@@ -197,7 +197,7 @@
           <a:p>
             <a:fld id="{9D12DC2B-A868-EB48-BC74-89BE29D1DE6E}" type="datetimeFigureOut">
               <a:rPr lang="en-US" smtClean="0"/>
-              <a:t>9/9/24</a:t>
+              <a:t>9/15/24</a:t>
             </a:fld>
             <a:endParaRPr lang="en-US" dirty="0"/>
           </a:p>
@@ -1400,7 +1400,7 @@
         <p:spPr>
           <a:xfrm>
             <a:off x="4649715" y="822960"/>
-            <a:ext cx="0" cy="3017520"/>
+            <a:ext cx="0" cy="3383280"/>
           </a:xfrm>
           <a:prstGeom prst="line">
             <a:avLst/>
@@ -3120,7 +3120,7 @@
         </p:nvSpPr>
         <p:spPr>
           <a:xfrm>
-            <a:off x="1762305" y="4130166"/>
+            <a:off x="2015346" y="4154136"/>
             <a:ext cx="201168" cy="201168"/>
           </a:xfrm>
           <a:prstGeom prst="roundRect">
@@ -3175,7 +3175,7 @@
         </p:nvSpPr>
         <p:spPr>
           <a:xfrm>
-            <a:off x="1949587" y="4112611"/>
+            <a:off x="2202628" y="4136581"/>
             <a:ext cx="2287742" cy="249299"/>
           </a:xfrm>
           <a:prstGeom prst="rect">
@@ -3215,7 +3215,7 @@
         </p:nvCxnSpPr>
         <p:spPr>
           <a:xfrm flipH="1">
-            <a:off x="5412766" y="4012029"/>
+            <a:off x="535885" y="4033512"/>
             <a:ext cx="274320" cy="0"/>
           </a:xfrm>
           <a:prstGeom prst="straightConnector1">
@@ -3264,7 +3264,7 @@
         </p:nvCxnSpPr>
         <p:spPr>
           <a:xfrm>
-            <a:off x="5400407" y="4233736"/>
+            <a:off x="523526" y="4255219"/>
             <a:ext cx="274320" cy="0"/>
           </a:xfrm>
           <a:prstGeom prst="straightConnector1">
@@ -3308,7 +3308,7 @@
         </p:nvSpPr>
         <p:spPr>
           <a:xfrm>
-            <a:off x="5661811" y="3885984"/>
+            <a:off x="784930" y="3907467"/>
             <a:ext cx="876650" cy="249299"/>
           </a:xfrm>
           <a:prstGeom prst="rect">
@@ -3346,7 +3346,7 @@
         </p:nvSpPr>
         <p:spPr>
           <a:xfrm>
-            <a:off x="5661811" y="4112183"/>
+            <a:off x="784930" y="4133666"/>
             <a:ext cx="1147494" cy="249299"/>
           </a:xfrm>
           <a:prstGeom prst="rect">
@@ -3386,7 +3386,7 @@
         </p:nvCxnSpPr>
         <p:spPr>
           <a:xfrm flipH="1">
-            <a:off x="5413364" y="3791237"/>
+            <a:off x="536483" y="3812720"/>
             <a:ext cx="274320" cy="0"/>
           </a:xfrm>
           <a:prstGeom prst="straightConnector1">
@@ -3433,7 +3433,7 @@
         </p:nvSpPr>
         <p:spPr>
           <a:xfrm>
-            <a:off x="5662409" y="3665192"/>
+            <a:off x="785528" y="3686675"/>
             <a:ext cx="797526" cy="249299"/>
           </a:xfrm>
           <a:prstGeom prst="rect">
@@ -5644,7 +5644,7 @@
         </p:blipFill>
         <p:spPr>
           <a:xfrm>
-            <a:off x="1192508" y="3039046"/>
+            <a:off x="1314032" y="2867087"/>
             <a:ext cx="864096" cy="297309"/>
           </a:xfrm>
           <a:prstGeom prst="rect">
@@ -5652,6 +5652,170 @@
           </a:prstGeom>
         </p:spPr>
       </p:pic>
+      <p:sp>
+        <p:nvSpPr>
+          <p:cNvPr id="13" name="Left-Up Arrow 12">
+            <a:extLst>
+              <a:ext uri="{FF2B5EF4-FFF2-40B4-BE49-F238E27FC236}">
+                <a16:creationId xmlns:a16="http://schemas.microsoft.com/office/drawing/2014/main" id="{E87F2305-149C-E411-DBB8-86A10B395456}"/>
+              </a:ext>
+            </a:extLst>
+          </p:cNvPr>
+          <p:cNvSpPr/>
+          <p:nvPr/>
+        </p:nvSpPr>
+        <p:spPr>
+          <a:xfrm>
+            <a:off x="4672114" y="3277811"/>
+            <a:ext cx="1341260" cy="706321"/>
+          </a:xfrm>
+          <a:prstGeom prst="leftUpArrow">
+            <a:avLst>
+              <a:gd name="adj1" fmla="val 8332"/>
+              <a:gd name="adj2" fmla="val 8923"/>
+              <a:gd name="adj3" fmla="val 13435"/>
+            </a:avLst>
+          </a:prstGeom>
+          <a:solidFill>
+            <a:schemeClr val="accent2">
+              <a:lumMod val="60000"/>
+              <a:lumOff val="40000"/>
+            </a:schemeClr>
+          </a:solidFill>
+          <a:ln w="9525">
+            <a:solidFill>
+              <a:schemeClr val="bg1">
+                <a:lumMod val="50000"/>
+              </a:schemeClr>
+            </a:solidFill>
+          </a:ln>
+        </p:spPr>
+        <p:style>
+          <a:lnRef idx="2">
+            <a:schemeClr val="accent1">
+              <a:shade val="15000"/>
+            </a:schemeClr>
+          </a:lnRef>
+          <a:fillRef idx="1">
+            <a:schemeClr val="accent1"/>
+          </a:fillRef>
+          <a:effectRef idx="0">
+            <a:schemeClr val="accent1"/>
+          </a:effectRef>
+          <a:fontRef idx="minor">
+            <a:schemeClr val="lt1"/>
+          </a:fontRef>
+        </p:style>
+        <p:txBody>
+          <a:bodyPr rtlCol="0" anchor="ctr"/>
+          <a:lstStyle/>
+          <a:p>
+            <a:pPr algn="ctr"/>
+            <a:endParaRPr lang="en-US"/>
+          </a:p>
+        </p:txBody>
+      </p:sp>
+      <p:sp>
+        <p:nvSpPr>
+          <p:cNvPr id="14" name="Left-Up Arrow 13">
+            <a:extLst>
+              <a:ext uri="{FF2B5EF4-FFF2-40B4-BE49-F238E27FC236}">
+                <a16:creationId xmlns:a16="http://schemas.microsoft.com/office/drawing/2014/main" id="{49BD4246-CE54-9B59-BFA4-985CA198E4A6}"/>
+              </a:ext>
+            </a:extLst>
+          </p:cNvPr>
+          <p:cNvSpPr/>
+          <p:nvPr/>
+        </p:nvSpPr>
+        <p:spPr>
+          <a:xfrm>
+            <a:off x="4704103" y="3310654"/>
+            <a:ext cx="1274421" cy="644596"/>
+          </a:xfrm>
+          <a:prstGeom prst="leftUpArrow">
+            <a:avLst>
+              <a:gd name="adj1" fmla="val 4342"/>
+              <a:gd name="adj2" fmla="val 4832"/>
+              <a:gd name="adj3" fmla="val 7178"/>
+            </a:avLst>
+          </a:prstGeom>
+          <a:solidFill>
+            <a:schemeClr val="accent4">
+              <a:lumMod val="40000"/>
+              <a:lumOff val="60000"/>
+            </a:schemeClr>
+          </a:solidFill>
+          <a:ln w="9525">
+            <a:noFill/>
+          </a:ln>
+        </p:spPr>
+        <p:style>
+          <a:lnRef idx="2">
+            <a:schemeClr val="accent1">
+              <a:shade val="15000"/>
+            </a:schemeClr>
+          </a:lnRef>
+          <a:fillRef idx="1">
+            <a:schemeClr val="accent1"/>
+          </a:fillRef>
+          <a:effectRef idx="0">
+            <a:schemeClr val="accent1"/>
+          </a:effectRef>
+          <a:fontRef idx="minor">
+            <a:schemeClr val="lt1"/>
+          </a:fontRef>
+        </p:style>
+        <p:txBody>
+          <a:bodyPr rtlCol="0" anchor="ctr"/>
+          <a:lstStyle/>
+          <a:p>
+            <a:pPr algn="ctr"/>
+            <a:endParaRPr lang="en-US"/>
+          </a:p>
+        </p:txBody>
+      </p:sp>
+      <p:sp>
+        <p:nvSpPr>
+          <p:cNvPr id="19" name="TextBox 18">
+            <a:extLst>
+              <a:ext uri="{FF2B5EF4-FFF2-40B4-BE49-F238E27FC236}">
+                <a16:creationId xmlns:a16="http://schemas.microsoft.com/office/drawing/2014/main" id="{310B90B9-0488-8BA5-D8EC-5E56AF1252F3}"/>
+              </a:ext>
+            </a:extLst>
+          </p:cNvPr>
+          <p:cNvSpPr txBox="1"/>
+          <p:nvPr/>
+        </p:nvSpPr>
+        <p:spPr>
+          <a:xfrm>
+            <a:off x="4734262" y="3963161"/>
+            <a:ext cx="2867580" cy="249299"/>
+          </a:xfrm>
+          <a:prstGeom prst="rect">
+            <a:avLst/>
+          </a:prstGeom>
+          <a:noFill/>
+          <a:ln>
+            <a:noFill/>
+          </a:ln>
+        </p:spPr>
+        <p:txBody>
+          <a:bodyPr wrap="none" tIns="18288" bIns="45720" rtlCol="0">
+            <a:spAutoFit/>
+          </a:bodyPr>
+          <a:lstStyle/>
+          <a:p>
+            <a:r>
+              <a:rPr lang="en-US" sz="1200" i="1" dirty="0"/>
+              <a:t>Optional</a:t>
+            </a:r>
+            <a:r>
+              <a:rPr lang="en-US" sz="1200" dirty="0"/>
+              <a:t>: Non-direct Payment Operation(s)</a:t>
+            </a:r>
+          </a:p>
+        </p:txBody>
+      </p:sp>
     </p:spTree>
     <p:extLst>
       <p:ext uri="{BB962C8B-B14F-4D97-AF65-F5344CB8AC3E}">

--- a/docgen/sequence-diagram.pptx
+++ b/docgen/sequence-diagram.pptx
@@ -1334,6 +1334,2044 @@
           <a:chExt cx="0" cy="0"/>
         </a:xfrm>
       </p:grpSpPr>
+      <p:grpSp>
+        <p:nvGrpSpPr>
+          <p:cNvPr id="10" name="Group 9">
+            <a:extLst>
+              <a:ext uri="{FF2B5EF4-FFF2-40B4-BE49-F238E27FC236}">
+                <a16:creationId xmlns:a16="http://schemas.microsoft.com/office/drawing/2014/main" id="{755CA59A-A775-42C8-364E-6AB9548AE4E3}"/>
+              </a:ext>
+            </a:extLst>
+          </p:cNvPr>
+          <p:cNvGrpSpPr/>
+          <p:nvPr/>
+        </p:nvGrpSpPr>
+        <p:grpSpPr>
+          <a:xfrm>
+            <a:off x="5390764" y="2465705"/>
+            <a:ext cx="1383161" cy="814119"/>
+            <a:chOff x="5668803" y="2309053"/>
+            <a:chExt cx="1838831" cy="1165660"/>
+          </a:xfrm>
+          <a:effectLst>
+            <a:outerShdw blurRad="50800" dist="50800" dir="2700000" sx="98239" sy="98239" algn="tl" rotWithShape="0">
+              <a:prstClr val="black">
+                <a:alpha val="40000"/>
+              </a:prstClr>
+            </a:outerShdw>
+          </a:effectLst>
+        </p:grpSpPr>
+        <p:sp>
+          <p:nvSpPr>
+            <p:cNvPr id="64" name="Freeform 63">
+              <a:extLst>
+                <a:ext uri="{FF2B5EF4-FFF2-40B4-BE49-F238E27FC236}">
+                  <a16:creationId xmlns:a16="http://schemas.microsoft.com/office/drawing/2014/main" id="{4867A189-1C94-1008-892F-E2E91C67CF28}"/>
+                </a:ext>
+              </a:extLst>
+            </p:cNvPr>
+            <p:cNvSpPr/>
+            <p:nvPr/>
+          </p:nvSpPr>
+          <p:spPr>
+            <a:xfrm rot="478580">
+              <a:off x="5940843" y="2443509"/>
+              <a:ext cx="605178" cy="592544"/>
+            </a:xfrm>
+            <a:custGeom>
+              <a:avLst/>
+              <a:gdLst>
+                <a:gd name="connsiteX0" fmla="*/ 651958 w 651958"/>
+                <a:gd name="connsiteY0" fmla="*/ 237765 h 477427"/>
+                <a:gd name="connsiteX1" fmla="*/ 325979 w 651958"/>
+                <a:gd name="connsiteY1" fmla="*/ 476474 h 477427"/>
+                <a:gd name="connsiteX2" fmla="*/ 0 w 651958"/>
+                <a:gd name="connsiteY2" fmla="*/ 237765 h 477427"/>
+                <a:gd name="connsiteX3" fmla="*/ 325979 w 651958"/>
+                <a:gd name="connsiteY3" fmla="*/ -954 h 477427"/>
+                <a:gd name="connsiteX4" fmla="*/ 651958 w 651958"/>
+                <a:gd name="connsiteY4" fmla="*/ 237765 h 477427"/>
+              </a:gdLst>
+              <a:ahLst/>
+              <a:cxnLst>
+                <a:cxn ang="0">
+                  <a:pos x="connsiteX0" y="connsiteY0"/>
+                </a:cxn>
+                <a:cxn ang="0">
+                  <a:pos x="connsiteX1" y="connsiteY1"/>
+                </a:cxn>
+                <a:cxn ang="0">
+                  <a:pos x="connsiteX2" y="connsiteY2"/>
+                </a:cxn>
+                <a:cxn ang="0">
+                  <a:pos x="connsiteX3" y="connsiteY3"/>
+                </a:cxn>
+                <a:cxn ang="0">
+                  <a:pos x="connsiteX4" y="connsiteY4"/>
+                </a:cxn>
+              </a:cxnLst>
+              <a:rect l="l" t="t" r="r" b="b"/>
+              <a:pathLst>
+                <a:path w="651958" h="477427">
+                  <a:moveTo>
+                    <a:pt x="651958" y="237765"/>
+                  </a:moveTo>
+                  <a:cubicBezTo>
+                    <a:pt x="651958" y="369595"/>
+                    <a:pt x="506012" y="476474"/>
+                    <a:pt x="325979" y="476474"/>
+                  </a:cubicBezTo>
+                  <a:cubicBezTo>
+                    <a:pt x="145946" y="476474"/>
+                    <a:pt x="0" y="369595"/>
+                    <a:pt x="0" y="237765"/>
+                  </a:cubicBezTo>
+                  <a:cubicBezTo>
+                    <a:pt x="0" y="105923"/>
+                    <a:pt x="145946" y="-954"/>
+                    <a:pt x="325979" y="-954"/>
+                  </a:cubicBezTo>
+                  <a:cubicBezTo>
+                    <a:pt x="506012" y="-954"/>
+                    <a:pt x="651958" y="105923"/>
+                    <a:pt x="651958" y="237765"/>
+                  </a:cubicBezTo>
+                  <a:close/>
+                </a:path>
+              </a:pathLst>
+            </a:custGeom>
+            <a:solidFill>
+              <a:schemeClr val="bg1">
+                <a:lumMod val="50000"/>
+              </a:schemeClr>
+            </a:solidFill>
+            <a:ln w="12994" cap="flat">
+              <a:noFill/>
+              <a:prstDash val="solid"/>
+              <a:miter/>
+            </a:ln>
+          </p:spPr>
+          <p:txBody>
+            <a:bodyPr rtlCol="0" anchor="ctr"/>
+            <a:lstStyle/>
+            <a:p>
+              <a:endParaRPr lang="en-US"/>
+            </a:p>
+          </p:txBody>
+        </p:sp>
+        <p:sp>
+          <p:nvSpPr>
+            <p:cNvPr id="65" name="Freeform 64">
+              <a:extLst>
+                <a:ext uri="{FF2B5EF4-FFF2-40B4-BE49-F238E27FC236}">
+                  <a16:creationId xmlns:a16="http://schemas.microsoft.com/office/drawing/2014/main" id="{853A5D8B-A08E-2185-70A2-90A72AC976A9}"/>
+                </a:ext>
+              </a:extLst>
+            </p:cNvPr>
+            <p:cNvSpPr/>
+            <p:nvPr/>
+          </p:nvSpPr>
+          <p:spPr>
+            <a:xfrm rot="478580">
+              <a:off x="5952833" y="2459420"/>
+              <a:ext cx="590586" cy="592504"/>
+            </a:xfrm>
+            <a:custGeom>
+              <a:avLst/>
+              <a:gdLst>
+                <a:gd name="connsiteX0" fmla="*/ 668257 w 668256"/>
+                <a:gd name="connsiteY0" fmla="*/ 237765 h 477395"/>
+                <a:gd name="connsiteX1" fmla="*/ 334128 w 668256"/>
+                <a:gd name="connsiteY1" fmla="*/ 476441 h 477395"/>
+                <a:gd name="connsiteX2" fmla="*/ 0 w 668256"/>
+                <a:gd name="connsiteY2" fmla="*/ 237765 h 477395"/>
+                <a:gd name="connsiteX3" fmla="*/ 334128 w 668256"/>
+                <a:gd name="connsiteY3" fmla="*/ -954 h 477395"/>
+                <a:gd name="connsiteX4" fmla="*/ 668257 w 668256"/>
+                <a:gd name="connsiteY4" fmla="*/ 237765 h 477395"/>
+              </a:gdLst>
+              <a:ahLst/>
+              <a:cxnLst>
+                <a:cxn ang="0">
+                  <a:pos x="connsiteX0" y="connsiteY0"/>
+                </a:cxn>
+                <a:cxn ang="0">
+                  <a:pos x="connsiteX1" y="connsiteY1"/>
+                </a:cxn>
+                <a:cxn ang="0">
+                  <a:pos x="connsiteX2" y="connsiteY2"/>
+                </a:cxn>
+                <a:cxn ang="0">
+                  <a:pos x="connsiteX3" y="connsiteY3"/>
+                </a:cxn>
+                <a:cxn ang="0">
+                  <a:pos x="connsiteX4" y="connsiteY4"/>
+                </a:cxn>
+              </a:cxnLst>
+              <a:rect l="l" t="t" r="r" b="b"/>
+              <a:pathLst>
+                <a:path w="668256" h="477395">
+                  <a:moveTo>
+                    <a:pt x="668257" y="237765"/>
+                  </a:moveTo>
+                  <a:cubicBezTo>
+                    <a:pt x="668257" y="369563"/>
+                    <a:pt x="518662" y="476441"/>
+                    <a:pt x="334128" y="476441"/>
+                  </a:cubicBezTo>
+                  <a:cubicBezTo>
+                    <a:pt x="149595" y="476441"/>
+                    <a:pt x="0" y="369563"/>
+                    <a:pt x="0" y="237765"/>
+                  </a:cubicBezTo>
+                  <a:cubicBezTo>
+                    <a:pt x="0" y="105923"/>
+                    <a:pt x="149595" y="-954"/>
+                    <a:pt x="334128" y="-954"/>
+                  </a:cubicBezTo>
+                  <a:cubicBezTo>
+                    <a:pt x="518662" y="-954"/>
+                    <a:pt x="668257" y="105923"/>
+                    <a:pt x="668257" y="237765"/>
+                  </a:cubicBezTo>
+                  <a:close/>
+                </a:path>
+              </a:pathLst>
+            </a:custGeom>
+            <a:solidFill>
+              <a:schemeClr val="bg1">
+                <a:lumMod val="95000"/>
+              </a:schemeClr>
+            </a:solidFill>
+            <a:ln w="12994" cap="flat">
+              <a:noFill/>
+              <a:prstDash val="solid"/>
+              <a:miter/>
+            </a:ln>
+          </p:spPr>
+          <p:txBody>
+            <a:bodyPr rtlCol="0" anchor="ctr"/>
+            <a:lstStyle/>
+            <a:p>
+              <a:endParaRPr lang="en-US"/>
+            </a:p>
+          </p:txBody>
+        </p:sp>
+        <p:sp>
+          <p:nvSpPr>
+            <p:cNvPr id="63" name="Freeform 62">
+              <a:extLst>
+                <a:ext uri="{FF2B5EF4-FFF2-40B4-BE49-F238E27FC236}">
+                  <a16:creationId xmlns:a16="http://schemas.microsoft.com/office/drawing/2014/main" id="{D6C1B34F-7A12-F0A0-80A7-256810289E81}"/>
+                </a:ext>
+              </a:extLst>
+            </p:cNvPr>
+            <p:cNvSpPr/>
+            <p:nvPr/>
+          </p:nvSpPr>
+          <p:spPr>
+            <a:xfrm rot="478580">
+              <a:off x="6480451" y="2433744"/>
+              <a:ext cx="745241" cy="592559"/>
+            </a:xfrm>
+            <a:custGeom>
+              <a:avLst/>
+              <a:gdLst>
+                <a:gd name="connsiteX0" fmla="*/ 651957 w 651957"/>
+                <a:gd name="connsiteY0" fmla="*/ 237765 h 477439"/>
+                <a:gd name="connsiteX1" fmla="*/ 325982 w 651957"/>
+                <a:gd name="connsiteY1" fmla="*/ 476485 h 477439"/>
+                <a:gd name="connsiteX2" fmla="*/ 0 w 651957"/>
+                <a:gd name="connsiteY2" fmla="*/ 237765 h 477439"/>
+                <a:gd name="connsiteX3" fmla="*/ 325982 w 651957"/>
+                <a:gd name="connsiteY3" fmla="*/ -954 h 477439"/>
+                <a:gd name="connsiteX4" fmla="*/ 651957 w 651957"/>
+                <a:gd name="connsiteY4" fmla="*/ 237765 h 477439"/>
+              </a:gdLst>
+              <a:ahLst/>
+              <a:cxnLst>
+                <a:cxn ang="0">
+                  <a:pos x="connsiteX0" y="connsiteY0"/>
+                </a:cxn>
+                <a:cxn ang="0">
+                  <a:pos x="connsiteX1" y="connsiteY1"/>
+                </a:cxn>
+                <a:cxn ang="0">
+                  <a:pos x="connsiteX2" y="connsiteY2"/>
+                </a:cxn>
+                <a:cxn ang="0">
+                  <a:pos x="connsiteX3" y="connsiteY3"/>
+                </a:cxn>
+                <a:cxn ang="0">
+                  <a:pos x="connsiteX4" y="connsiteY4"/>
+                </a:cxn>
+              </a:cxnLst>
+              <a:rect l="l" t="t" r="r" b="b"/>
+              <a:pathLst>
+                <a:path w="651957" h="477439">
+                  <a:moveTo>
+                    <a:pt x="651957" y="237765"/>
+                  </a:moveTo>
+                  <a:cubicBezTo>
+                    <a:pt x="651957" y="369607"/>
+                    <a:pt x="506017" y="476485"/>
+                    <a:pt x="325982" y="476485"/>
+                  </a:cubicBezTo>
+                  <a:cubicBezTo>
+                    <a:pt x="145946" y="476485"/>
+                    <a:pt x="0" y="369607"/>
+                    <a:pt x="0" y="237765"/>
+                  </a:cubicBezTo>
+                  <a:cubicBezTo>
+                    <a:pt x="0" y="105924"/>
+                    <a:pt x="145946" y="-954"/>
+                    <a:pt x="325982" y="-954"/>
+                  </a:cubicBezTo>
+                  <a:cubicBezTo>
+                    <a:pt x="506017" y="-954"/>
+                    <a:pt x="651957" y="105924"/>
+                    <a:pt x="651957" y="237765"/>
+                  </a:cubicBezTo>
+                  <a:close/>
+                </a:path>
+              </a:pathLst>
+            </a:custGeom>
+            <a:solidFill>
+              <a:schemeClr val="bg1">
+                <a:lumMod val="50000"/>
+              </a:schemeClr>
+            </a:solidFill>
+            <a:ln w="12994" cap="flat">
+              <a:noFill/>
+              <a:prstDash val="solid"/>
+              <a:miter/>
+            </a:ln>
+          </p:spPr>
+          <p:txBody>
+            <a:bodyPr rtlCol="0" anchor="ctr"/>
+            <a:lstStyle/>
+            <a:p>
+              <a:endParaRPr lang="en-US"/>
+            </a:p>
+          </p:txBody>
+        </p:sp>
+        <p:sp>
+          <p:nvSpPr>
+            <p:cNvPr id="69" name="Freeform 68">
+              <a:extLst>
+                <a:ext uri="{FF2B5EF4-FFF2-40B4-BE49-F238E27FC236}">
+                  <a16:creationId xmlns:a16="http://schemas.microsoft.com/office/drawing/2014/main" id="{CAF8AC0F-4E14-1172-58B5-6E13E63A9701}"/>
+                </a:ext>
+              </a:extLst>
+            </p:cNvPr>
+            <p:cNvSpPr/>
+            <p:nvPr/>
+          </p:nvSpPr>
+          <p:spPr>
+            <a:xfrm rot="478580">
+              <a:off x="6472717" y="2451955"/>
+              <a:ext cx="750468" cy="621061"/>
+            </a:xfrm>
+            <a:custGeom>
+              <a:avLst/>
+              <a:gdLst>
+                <a:gd name="connsiteX0" fmla="*/ 663597 w 663596"/>
+                <a:gd name="connsiteY0" fmla="*/ 249259 h 500404"/>
+                <a:gd name="connsiteX1" fmla="*/ 331793 w 663596"/>
+                <a:gd name="connsiteY1" fmla="*/ 499450 h 500404"/>
+                <a:gd name="connsiteX2" fmla="*/ 0 w 663596"/>
+                <a:gd name="connsiteY2" fmla="*/ 249259 h 500404"/>
+                <a:gd name="connsiteX3" fmla="*/ 331793 w 663596"/>
+                <a:gd name="connsiteY3" fmla="*/ -954 h 500404"/>
+                <a:gd name="connsiteX4" fmla="*/ 663597 w 663596"/>
+                <a:gd name="connsiteY4" fmla="*/ 249259 h 500404"/>
+              </a:gdLst>
+              <a:ahLst/>
+              <a:cxnLst>
+                <a:cxn ang="0">
+                  <a:pos x="connsiteX0" y="connsiteY0"/>
+                </a:cxn>
+                <a:cxn ang="0">
+                  <a:pos x="connsiteX1" y="connsiteY1"/>
+                </a:cxn>
+                <a:cxn ang="0">
+                  <a:pos x="connsiteX2" y="connsiteY2"/>
+                </a:cxn>
+                <a:cxn ang="0">
+                  <a:pos x="connsiteX3" y="connsiteY3"/>
+                </a:cxn>
+                <a:cxn ang="0">
+                  <a:pos x="connsiteX4" y="connsiteY4"/>
+                </a:cxn>
+              </a:cxnLst>
+              <a:rect l="l" t="t" r="r" b="b"/>
+              <a:pathLst>
+                <a:path w="663596" h="500404">
+                  <a:moveTo>
+                    <a:pt x="663597" y="249259"/>
+                  </a:moveTo>
+                  <a:cubicBezTo>
+                    <a:pt x="663597" y="387416"/>
+                    <a:pt x="515049" y="499450"/>
+                    <a:pt x="331793" y="499450"/>
+                  </a:cubicBezTo>
+                  <a:cubicBezTo>
+                    <a:pt x="148551" y="499450"/>
+                    <a:pt x="0" y="387416"/>
+                    <a:pt x="0" y="249259"/>
+                  </a:cubicBezTo>
+                  <a:cubicBezTo>
+                    <a:pt x="0" y="111069"/>
+                    <a:pt x="148551" y="-954"/>
+                    <a:pt x="331793" y="-954"/>
+                  </a:cubicBezTo>
+                  <a:cubicBezTo>
+                    <a:pt x="515049" y="-954"/>
+                    <a:pt x="663597" y="111069"/>
+                    <a:pt x="663597" y="249259"/>
+                  </a:cubicBezTo>
+                  <a:close/>
+                </a:path>
+              </a:pathLst>
+            </a:custGeom>
+            <a:solidFill>
+              <a:schemeClr val="bg1">
+                <a:lumMod val="95000"/>
+              </a:schemeClr>
+            </a:solidFill>
+            <a:ln w="12994" cap="flat">
+              <a:noFill/>
+              <a:prstDash val="solid"/>
+              <a:miter/>
+            </a:ln>
+          </p:spPr>
+          <p:txBody>
+            <a:bodyPr rtlCol="0" anchor="ctr"/>
+            <a:lstStyle/>
+            <a:p>
+              <a:endParaRPr lang="en-US"/>
+            </a:p>
+          </p:txBody>
+        </p:sp>
+        <p:sp>
+          <p:nvSpPr>
+            <p:cNvPr id="6" name="Freeform 5">
+              <a:extLst>
+                <a:ext uri="{FF2B5EF4-FFF2-40B4-BE49-F238E27FC236}">
+                  <a16:creationId xmlns:a16="http://schemas.microsoft.com/office/drawing/2014/main" id="{7E5E4400-E567-EFCA-83A3-95D4F516454E}"/>
+                </a:ext>
+              </a:extLst>
+            </p:cNvPr>
+            <p:cNvSpPr/>
+            <p:nvPr/>
+          </p:nvSpPr>
+          <p:spPr>
+            <a:xfrm rot="478580">
+              <a:off x="6221470" y="2309053"/>
+              <a:ext cx="529561" cy="361026"/>
+            </a:xfrm>
+            <a:custGeom>
+              <a:avLst/>
+              <a:gdLst>
+                <a:gd name="connsiteX0" fmla="*/ 651957 w 651957"/>
+                <a:gd name="connsiteY0" fmla="*/ 237765 h 477439"/>
+                <a:gd name="connsiteX1" fmla="*/ 325982 w 651957"/>
+                <a:gd name="connsiteY1" fmla="*/ 476485 h 477439"/>
+                <a:gd name="connsiteX2" fmla="*/ 0 w 651957"/>
+                <a:gd name="connsiteY2" fmla="*/ 237765 h 477439"/>
+                <a:gd name="connsiteX3" fmla="*/ 325982 w 651957"/>
+                <a:gd name="connsiteY3" fmla="*/ -954 h 477439"/>
+                <a:gd name="connsiteX4" fmla="*/ 651957 w 651957"/>
+                <a:gd name="connsiteY4" fmla="*/ 237765 h 477439"/>
+              </a:gdLst>
+              <a:ahLst/>
+              <a:cxnLst>
+                <a:cxn ang="0">
+                  <a:pos x="connsiteX0" y="connsiteY0"/>
+                </a:cxn>
+                <a:cxn ang="0">
+                  <a:pos x="connsiteX1" y="connsiteY1"/>
+                </a:cxn>
+                <a:cxn ang="0">
+                  <a:pos x="connsiteX2" y="connsiteY2"/>
+                </a:cxn>
+                <a:cxn ang="0">
+                  <a:pos x="connsiteX3" y="connsiteY3"/>
+                </a:cxn>
+                <a:cxn ang="0">
+                  <a:pos x="connsiteX4" y="connsiteY4"/>
+                </a:cxn>
+              </a:cxnLst>
+              <a:rect l="l" t="t" r="r" b="b"/>
+              <a:pathLst>
+                <a:path w="651957" h="477439">
+                  <a:moveTo>
+                    <a:pt x="651957" y="237765"/>
+                  </a:moveTo>
+                  <a:cubicBezTo>
+                    <a:pt x="651957" y="369607"/>
+                    <a:pt x="506017" y="476485"/>
+                    <a:pt x="325982" y="476485"/>
+                  </a:cubicBezTo>
+                  <a:cubicBezTo>
+                    <a:pt x="145946" y="476485"/>
+                    <a:pt x="0" y="369607"/>
+                    <a:pt x="0" y="237765"/>
+                  </a:cubicBezTo>
+                  <a:cubicBezTo>
+                    <a:pt x="0" y="105924"/>
+                    <a:pt x="145946" y="-954"/>
+                    <a:pt x="325982" y="-954"/>
+                  </a:cubicBezTo>
+                  <a:cubicBezTo>
+                    <a:pt x="506017" y="-954"/>
+                    <a:pt x="651957" y="105924"/>
+                    <a:pt x="651957" y="237765"/>
+                  </a:cubicBezTo>
+                  <a:close/>
+                </a:path>
+              </a:pathLst>
+            </a:custGeom>
+            <a:solidFill>
+              <a:schemeClr val="bg1">
+                <a:lumMod val="50000"/>
+              </a:schemeClr>
+            </a:solidFill>
+            <a:ln w="12994" cap="flat">
+              <a:noFill/>
+              <a:prstDash val="solid"/>
+              <a:miter/>
+            </a:ln>
+          </p:spPr>
+          <p:txBody>
+            <a:bodyPr rtlCol="0" anchor="ctr"/>
+            <a:lstStyle/>
+            <a:p>
+              <a:endParaRPr lang="en-US"/>
+            </a:p>
+          </p:txBody>
+        </p:sp>
+        <p:sp>
+          <p:nvSpPr>
+            <p:cNvPr id="82" name="Freeform 81">
+              <a:extLst>
+                <a:ext uri="{FF2B5EF4-FFF2-40B4-BE49-F238E27FC236}">
+                  <a16:creationId xmlns:a16="http://schemas.microsoft.com/office/drawing/2014/main" id="{B1C50217-D500-A052-D594-6F87332F73EE}"/>
+                </a:ext>
+              </a:extLst>
+            </p:cNvPr>
+            <p:cNvSpPr/>
+            <p:nvPr/>
+          </p:nvSpPr>
+          <p:spPr>
+            <a:xfrm rot="478580">
+              <a:off x="5861641" y="3003333"/>
+              <a:ext cx="281193" cy="316490"/>
+            </a:xfrm>
+            <a:custGeom>
+              <a:avLst/>
+              <a:gdLst>
+                <a:gd name="connsiteX0" fmla="*/ 302930 w 302929"/>
+                <a:gd name="connsiteY0" fmla="*/ 126548 h 255004"/>
+                <a:gd name="connsiteX1" fmla="*/ 151466 w 302929"/>
+                <a:gd name="connsiteY1" fmla="*/ 254050 h 255004"/>
+                <a:gd name="connsiteX2" fmla="*/ 0 w 302929"/>
+                <a:gd name="connsiteY2" fmla="*/ 126548 h 255004"/>
+                <a:gd name="connsiteX3" fmla="*/ 151466 w 302929"/>
+                <a:gd name="connsiteY3" fmla="*/ -954 h 255004"/>
+                <a:gd name="connsiteX4" fmla="*/ 302930 w 302929"/>
+                <a:gd name="connsiteY4" fmla="*/ 126548 h 255004"/>
+              </a:gdLst>
+              <a:ahLst/>
+              <a:cxnLst>
+                <a:cxn ang="0">
+                  <a:pos x="connsiteX0" y="connsiteY0"/>
+                </a:cxn>
+                <a:cxn ang="0">
+                  <a:pos x="connsiteX1" y="connsiteY1"/>
+                </a:cxn>
+                <a:cxn ang="0">
+                  <a:pos x="connsiteX2" y="connsiteY2"/>
+                </a:cxn>
+                <a:cxn ang="0">
+                  <a:pos x="connsiteX3" y="connsiteY3"/>
+                </a:cxn>
+                <a:cxn ang="0">
+                  <a:pos x="connsiteX4" y="connsiteY4"/>
+                </a:cxn>
+              </a:cxnLst>
+              <a:rect l="l" t="t" r="r" b="b"/>
+              <a:pathLst>
+                <a:path w="302929" h="255004">
+                  <a:moveTo>
+                    <a:pt x="302930" y="126548"/>
+                  </a:moveTo>
+                  <a:cubicBezTo>
+                    <a:pt x="302930" y="196904"/>
+                    <a:pt x="235117" y="254050"/>
+                    <a:pt x="151466" y="254050"/>
+                  </a:cubicBezTo>
+                  <a:cubicBezTo>
+                    <a:pt x="67813" y="254050"/>
+                    <a:pt x="0" y="196904"/>
+                    <a:pt x="0" y="126548"/>
+                  </a:cubicBezTo>
+                  <a:cubicBezTo>
+                    <a:pt x="0" y="56083"/>
+                    <a:pt x="67813" y="-954"/>
+                    <a:pt x="151466" y="-954"/>
+                  </a:cubicBezTo>
+                  <a:cubicBezTo>
+                    <a:pt x="235117" y="-954"/>
+                    <a:pt x="302930" y="56083"/>
+                    <a:pt x="302930" y="126548"/>
+                  </a:cubicBezTo>
+                  <a:close/>
+                </a:path>
+              </a:pathLst>
+            </a:custGeom>
+            <a:solidFill>
+              <a:schemeClr val="bg1">
+                <a:lumMod val="50000"/>
+              </a:schemeClr>
+            </a:solidFill>
+            <a:ln w="12994" cap="flat">
+              <a:noFill/>
+              <a:prstDash val="solid"/>
+              <a:miter/>
+            </a:ln>
+          </p:spPr>
+          <p:txBody>
+            <a:bodyPr rtlCol="0" anchor="ctr"/>
+            <a:lstStyle/>
+            <a:p>
+              <a:endParaRPr lang="en-US"/>
+            </a:p>
+          </p:txBody>
+        </p:sp>
+        <p:sp>
+          <p:nvSpPr>
+            <p:cNvPr id="83" name="Freeform 82">
+              <a:extLst>
+                <a:ext uri="{FF2B5EF4-FFF2-40B4-BE49-F238E27FC236}">
+                  <a16:creationId xmlns:a16="http://schemas.microsoft.com/office/drawing/2014/main" id="{DA2D22B3-D90B-E4D9-7A9D-4EF8547995F4}"/>
+                </a:ext>
+              </a:extLst>
+            </p:cNvPr>
+            <p:cNvSpPr/>
+            <p:nvPr/>
+          </p:nvSpPr>
+          <p:spPr>
+            <a:xfrm rot="478580">
+              <a:off x="5871580" y="2996726"/>
+              <a:ext cx="276870" cy="311690"/>
+            </a:xfrm>
+            <a:custGeom>
+              <a:avLst/>
+              <a:gdLst>
+                <a:gd name="connsiteX0" fmla="*/ 298272 w 298272"/>
+                <a:gd name="connsiteY0" fmla="*/ 124615 h 251136"/>
+                <a:gd name="connsiteX1" fmla="*/ 149137 w 298272"/>
+                <a:gd name="connsiteY1" fmla="*/ 250182 h 251136"/>
+                <a:gd name="connsiteX2" fmla="*/ 0 w 298272"/>
+                <a:gd name="connsiteY2" fmla="*/ 124615 h 251136"/>
+                <a:gd name="connsiteX3" fmla="*/ 149137 w 298272"/>
+                <a:gd name="connsiteY3" fmla="*/ -954 h 251136"/>
+                <a:gd name="connsiteX4" fmla="*/ 298272 w 298272"/>
+                <a:gd name="connsiteY4" fmla="*/ 124615 h 251136"/>
+              </a:gdLst>
+              <a:ahLst/>
+              <a:cxnLst>
+                <a:cxn ang="0">
+                  <a:pos x="connsiteX0" y="connsiteY0"/>
+                </a:cxn>
+                <a:cxn ang="0">
+                  <a:pos x="connsiteX1" y="connsiteY1"/>
+                </a:cxn>
+                <a:cxn ang="0">
+                  <a:pos x="connsiteX2" y="connsiteY2"/>
+                </a:cxn>
+                <a:cxn ang="0">
+                  <a:pos x="connsiteX3" y="connsiteY3"/>
+                </a:cxn>
+                <a:cxn ang="0">
+                  <a:pos x="connsiteX4" y="connsiteY4"/>
+                </a:cxn>
+              </a:cxnLst>
+              <a:rect l="l" t="t" r="r" b="b"/>
+              <a:pathLst>
+                <a:path w="298272" h="251136">
+                  <a:moveTo>
+                    <a:pt x="298272" y="124615"/>
+                  </a:moveTo>
+                  <a:cubicBezTo>
+                    <a:pt x="298272" y="194005"/>
+                    <a:pt x="231502" y="250182"/>
+                    <a:pt x="149137" y="250182"/>
+                  </a:cubicBezTo>
+                  <a:cubicBezTo>
+                    <a:pt x="66770" y="250182"/>
+                    <a:pt x="0" y="194005"/>
+                    <a:pt x="0" y="124615"/>
+                  </a:cubicBezTo>
+                  <a:cubicBezTo>
+                    <a:pt x="0" y="55331"/>
+                    <a:pt x="66770" y="-954"/>
+                    <a:pt x="149137" y="-954"/>
+                  </a:cubicBezTo>
+                  <a:cubicBezTo>
+                    <a:pt x="231502" y="-954"/>
+                    <a:pt x="298272" y="55331"/>
+                    <a:pt x="298272" y="124615"/>
+                  </a:cubicBezTo>
+                  <a:close/>
+                </a:path>
+              </a:pathLst>
+            </a:custGeom>
+            <a:solidFill>
+              <a:srgbClr val="EEEEEC"/>
+            </a:solidFill>
+            <a:ln w="12994" cap="flat">
+              <a:noFill/>
+              <a:prstDash val="solid"/>
+              <a:miter/>
+            </a:ln>
+          </p:spPr>
+          <p:txBody>
+            <a:bodyPr rtlCol="0" anchor="ctr"/>
+            <a:lstStyle/>
+            <a:p>
+              <a:endParaRPr lang="en-US"/>
+            </a:p>
+          </p:txBody>
+        </p:sp>
+        <p:sp>
+          <p:nvSpPr>
+            <p:cNvPr id="88" name="Freeform 87">
+              <a:extLst>
+                <a:ext uri="{FF2B5EF4-FFF2-40B4-BE49-F238E27FC236}">
+                  <a16:creationId xmlns:a16="http://schemas.microsoft.com/office/drawing/2014/main" id="{D3BFCF4A-25B5-2F51-6180-AA89A36CD0A9}"/>
+                </a:ext>
+              </a:extLst>
+            </p:cNvPr>
+            <p:cNvSpPr/>
+            <p:nvPr/>
+          </p:nvSpPr>
+          <p:spPr>
+            <a:xfrm rot="478580">
+              <a:off x="6522760" y="3078651"/>
+              <a:ext cx="354183" cy="374144"/>
+            </a:xfrm>
+            <a:custGeom>
+              <a:avLst/>
+              <a:gdLst>
+                <a:gd name="connsiteX0" fmla="*/ 221893 w 381561"/>
+                <a:gd name="connsiteY0" fmla="*/ 298276 h 301457"/>
+                <a:gd name="connsiteX1" fmla="*/ 2584 w 381561"/>
+                <a:gd name="connsiteY1" fmla="*/ 175393 h 301457"/>
+                <a:gd name="connsiteX2" fmla="*/ 159666 w 381561"/>
+                <a:gd name="connsiteY2" fmla="*/ 1273 h 301457"/>
+                <a:gd name="connsiteX3" fmla="*/ 378977 w 381561"/>
+                <a:gd name="connsiteY3" fmla="*/ 124156 h 301457"/>
+                <a:gd name="connsiteX4" fmla="*/ 221893 w 381561"/>
+                <a:gd name="connsiteY4" fmla="*/ 298276 h 301457"/>
+              </a:gdLst>
+              <a:ahLst/>
+              <a:cxnLst>
+                <a:cxn ang="0">
+                  <a:pos x="connsiteX0" y="connsiteY0"/>
+                </a:cxn>
+                <a:cxn ang="0">
+                  <a:pos x="connsiteX1" y="connsiteY1"/>
+                </a:cxn>
+                <a:cxn ang="0">
+                  <a:pos x="connsiteX2" y="connsiteY2"/>
+                </a:cxn>
+                <a:cxn ang="0">
+                  <a:pos x="connsiteX3" y="connsiteY3"/>
+                </a:cxn>
+                <a:cxn ang="0">
+                  <a:pos x="connsiteX4" y="connsiteY4"/>
+                </a:cxn>
+              </a:cxnLst>
+              <a:rect l="l" t="t" r="r" b="b"/>
+              <a:pathLst>
+                <a:path w="381561" h="301457">
+                  <a:moveTo>
+                    <a:pt x="221893" y="298276"/>
+                  </a:moveTo>
+                  <a:cubicBezTo>
+                    <a:pt x="117956" y="312455"/>
+                    <a:pt x="19768" y="257459"/>
+                    <a:pt x="2584" y="175393"/>
+                  </a:cubicBezTo>
+                  <a:cubicBezTo>
+                    <a:pt x="-14600" y="93328"/>
+                    <a:pt x="55728" y="15344"/>
+                    <a:pt x="159666" y="1273"/>
+                  </a:cubicBezTo>
+                  <a:cubicBezTo>
+                    <a:pt x="263603" y="-12906"/>
+                    <a:pt x="361792" y="42091"/>
+                    <a:pt x="378977" y="124156"/>
+                  </a:cubicBezTo>
+                  <a:cubicBezTo>
+                    <a:pt x="396162" y="206221"/>
+                    <a:pt x="325831" y="284205"/>
+                    <a:pt x="221893" y="298276"/>
+                  </a:cubicBezTo>
+                  <a:close/>
+                </a:path>
+              </a:pathLst>
+            </a:custGeom>
+            <a:solidFill>
+              <a:schemeClr val="bg1">
+                <a:lumMod val="50000"/>
+              </a:schemeClr>
+            </a:solidFill>
+            <a:ln w="12994" cap="flat">
+              <a:noFill/>
+              <a:prstDash val="solid"/>
+              <a:miter/>
+            </a:ln>
+          </p:spPr>
+          <p:txBody>
+            <a:bodyPr rtlCol="0" anchor="ctr"/>
+            <a:lstStyle/>
+            <a:p>
+              <a:endParaRPr lang="en-US"/>
+            </a:p>
+          </p:txBody>
+        </p:sp>
+        <p:sp>
+          <p:nvSpPr>
+            <p:cNvPr id="89" name="Freeform 88">
+              <a:extLst>
+                <a:ext uri="{FF2B5EF4-FFF2-40B4-BE49-F238E27FC236}">
+                  <a16:creationId xmlns:a16="http://schemas.microsoft.com/office/drawing/2014/main" id="{132113F0-45CD-C491-CDFD-B165885DD8EE}"/>
+                </a:ext>
+              </a:extLst>
+            </p:cNvPr>
+            <p:cNvSpPr/>
+            <p:nvPr/>
+          </p:nvSpPr>
+          <p:spPr>
+            <a:xfrm rot="478580">
+              <a:off x="6532510" y="3060754"/>
+              <a:ext cx="348240" cy="374273"/>
+            </a:xfrm>
+            <a:custGeom>
+              <a:avLst/>
+              <a:gdLst>
+                <a:gd name="connsiteX0" fmla="*/ 218170 w 375159"/>
+                <a:gd name="connsiteY0" fmla="*/ 298383 h 301561"/>
+                <a:gd name="connsiteX1" fmla="*/ 2541 w 375159"/>
+                <a:gd name="connsiteY1" fmla="*/ 175501 h 301561"/>
+                <a:gd name="connsiteX2" fmla="*/ 156987 w 375159"/>
+                <a:gd name="connsiteY2" fmla="*/ 1273 h 301561"/>
+                <a:gd name="connsiteX3" fmla="*/ 372619 w 375159"/>
+                <a:gd name="connsiteY3" fmla="*/ 124156 h 301561"/>
+                <a:gd name="connsiteX4" fmla="*/ 218170 w 375159"/>
+                <a:gd name="connsiteY4" fmla="*/ 298383 h 301561"/>
+              </a:gdLst>
+              <a:ahLst/>
+              <a:cxnLst>
+                <a:cxn ang="0">
+                  <a:pos x="connsiteX0" y="connsiteY0"/>
+                </a:cxn>
+                <a:cxn ang="0">
+                  <a:pos x="connsiteX1" y="connsiteY1"/>
+                </a:cxn>
+                <a:cxn ang="0">
+                  <a:pos x="connsiteX2" y="connsiteY2"/>
+                </a:cxn>
+                <a:cxn ang="0">
+                  <a:pos x="connsiteX3" y="connsiteY3"/>
+                </a:cxn>
+                <a:cxn ang="0">
+                  <a:pos x="connsiteX4" y="connsiteY4"/>
+                </a:cxn>
+              </a:cxnLst>
+              <a:rect l="l" t="t" r="r" b="b"/>
+              <a:pathLst>
+                <a:path w="375159" h="301561">
+                  <a:moveTo>
+                    <a:pt x="218170" y="298383"/>
+                  </a:moveTo>
+                  <a:cubicBezTo>
+                    <a:pt x="115977" y="312563"/>
+                    <a:pt x="19436" y="257459"/>
+                    <a:pt x="2541" y="175501"/>
+                  </a:cubicBezTo>
+                  <a:cubicBezTo>
+                    <a:pt x="-14355" y="93435"/>
+                    <a:pt x="54794" y="15452"/>
+                    <a:pt x="156987" y="1273"/>
+                  </a:cubicBezTo>
+                  <a:cubicBezTo>
+                    <a:pt x="259180" y="-12906"/>
+                    <a:pt x="355721" y="42091"/>
+                    <a:pt x="372619" y="124156"/>
+                  </a:cubicBezTo>
+                  <a:cubicBezTo>
+                    <a:pt x="389517" y="206221"/>
+                    <a:pt x="320363" y="284205"/>
+                    <a:pt x="218170" y="298383"/>
+                  </a:cubicBezTo>
+                  <a:close/>
+                </a:path>
+              </a:pathLst>
+            </a:custGeom>
+            <a:solidFill>
+              <a:schemeClr val="bg1">
+                <a:lumMod val="95000"/>
+              </a:schemeClr>
+            </a:solidFill>
+            <a:ln w="12994" cap="flat">
+              <a:noFill/>
+              <a:prstDash val="solid"/>
+              <a:miter/>
+            </a:ln>
+          </p:spPr>
+          <p:txBody>
+            <a:bodyPr rtlCol="0" anchor="ctr"/>
+            <a:lstStyle/>
+            <a:p>
+              <a:endParaRPr lang="en-US"/>
+            </a:p>
+          </p:txBody>
+        </p:sp>
+        <p:sp>
+          <p:nvSpPr>
+            <p:cNvPr id="66" name="Freeform 65">
+              <a:extLst>
+                <a:ext uri="{FF2B5EF4-FFF2-40B4-BE49-F238E27FC236}">
+                  <a16:creationId xmlns:a16="http://schemas.microsoft.com/office/drawing/2014/main" id="{FB966113-5C03-B817-4F07-F211EC031160}"/>
+                </a:ext>
+              </a:extLst>
+            </p:cNvPr>
+            <p:cNvSpPr/>
+            <p:nvPr/>
+          </p:nvSpPr>
+          <p:spPr>
+            <a:xfrm rot="478580">
+              <a:off x="5668803" y="2715848"/>
+              <a:ext cx="482920" cy="486227"/>
+            </a:xfrm>
+            <a:custGeom>
+              <a:avLst/>
+              <a:gdLst>
+                <a:gd name="connsiteX0" fmla="*/ 520249 w 520249"/>
+                <a:gd name="connsiteY0" fmla="*/ 191641 h 385190"/>
+                <a:gd name="connsiteX1" fmla="*/ 260125 w 520249"/>
+                <a:gd name="connsiteY1" fmla="*/ 384236 h 385190"/>
+                <a:gd name="connsiteX2" fmla="*/ 0 w 520249"/>
+                <a:gd name="connsiteY2" fmla="*/ 191641 h 385190"/>
+                <a:gd name="connsiteX3" fmla="*/ 260125 w 520249"/>
+                <a:gd name="connsiteY3" fmla="*/ -954 h 385190"/>
+                <a:gd name="connsiteX4" fmla="*/ 520249 w 520249"/>
+                <a:gd name="connsiteY4" fmla="*/ 191641 h 385190"/>
+              </a:gdLst>
+              <a:ahLst/>
+              <a:cxnLst>
+                <a:cxn ang="0">
+                  <a:pos x="connsiteX0" y="connsiteY0"/>
+                </a:cxn>
+                <a:cxn ang="0">
+                  <a:pos x="connsiteX1" y="connsiteY1"/>
+                </a:cxn>
+                <a:cxn ang="0">
+                  <a:pos x="connsiteX2" y="connsiteY2"/>
+                </a:cxn>
+                <a:cxn ang="0">
+                  <a:pos x="connsiteX3" y="connsiteY3"/>
+                </a:cxn>
+                <a:cxn ang="0">
+                  <a:pos x="connsiteX4" y="connsiteY4"/>
+                </a:cxn>
+              </a:cxnLst>
+              <a:rect l="l" t="t" r="r" b="b"/>
+              <a:pathLst>
+                <a:path w="520249" h="385190">
+                  <a:moveTo>
+                    <a:pt x="520249" y="191641"/>
+                  </a:moveTo>
+                  <a:cubicBezTo>
+                    <a:pt x="520249" y="297982"/>
+                    <a:pt x="403787" y="384236"/>
+                    <a:pt x="260125" y="384236"/>
+                  </a:cubicBezTo>
+                  <a:cubicBezTo>
+                    <a:pt x="116462" y="384236"/>
+                    <a:pt x="0" y="297982"/>
+                    <a:pt x="0" y="191641"/>
+                  </a:cubicBezTo>
+                  <a:cubicBezTo>
+                    <a:pt x="0" y="85300"/>
+                    <a:pt x="116462" y="-954"/>
+                    <a:pt x="260125" y="-954"/>
+                  </a:cubicBezTo>
+                  <a:cubicBezTo>
+                    <a:pt x="403787" y="-954"/>
+                    <a:pt x="520249" y="85300"/>
+                    <a:pt x="520249" y="191641"/>
+                  </a:cubicBezTo>
+                  <a:close/>
+                </a:path>
+              </a:pathLst>
+            </a:custGeom>
+            <a:solidFill>
+              <a:schemeClr val="bg1">
+                <a:lumMod val="50000"/>
+              </a:schemeClr>
+            </a:solidFill>
+            <a:ln w="12994" cap="flat">
+              <a:noFill/>
+              <a:prstDash val="solid"/>
+              <a:miter/>
+            </a:ln>
+          </p:spPr>
+          <p:txBody>
+            <a:bodyPr rtlCol="0" anchor="ctr"/>
+            <a:lstStyle/>
+            <a:p>
+              <a:endParaRPr lang="en-US"/>
+            </a:p>
+          </p:txBody>
+        </p:sp>
+        <p:sp>
+          <p:nvSpPr>
+            <p:cNvPr id="70" name="Freeform 69">
+              <a:extLst>
+                <a:ext uri="{FF2B5EF4-FFF2-40B4-BE49-F238E27FC236}">
+                  <a16:creationId xmlns:a16="http://schemas.microsoft.com/office/drawing/2014/main" id="{96D96651-F1B5-7A19-F8D0-33267D5F5045}"/>
+                </a:ext>
+              </a:extLst>
+            </p:cNvPr>
+            <p:cNvSpPr/>
+            <p:nvPr/>
+          </p:nvSpPr>
+          <p:spPr>
+            <a:xfrm rot="478580">
+              <a:off x="6902451" y="2585048"/>
+              <a:ext cx="605183" cy="592612"/>
+            </a:xfrm>
+            <a:custGeom>
+              <a:avLst/>
+              <a:gdLst>
+                <a:gd name="connsiteX0" fmla="*/ 651964 w 651963"/>
+                <a:gd name="connsiteY0" fmla="*/ 237744 h 477482"/>
+                <a:gd name="connsiteX1" fmla="*/ 325988 w 651963"/>
+                <a:gd name="connsiteY1" fmla="*/ 476528 h 477482"/>
+                <a:gd name="connsiteX2" fmla="*/ 0 w 651963"/>
+                <a:gd name="connsiteY2" fmla="*/ 237744 h 477482"/>
+                <a:gd name="connsiteX3" fmla="*/ 325988 w 651963"/>
+                <a:gd name="connsiteY3" fmla="*/ -954 h 477482"/>
+                <a:gd name="connsiteX4" fmla="*/ 651964 w 651963"/>
+                <a:gd name="connsiteY4" fmla="*/ 237744 h 477482"/>
+              </a:gdLst>
+              <a:ahLst/>
+              <a:cxnLst>
+                <a:cxn ang="0">
+                  <a:pos x="connsiteX0" y="connsiteY0"/>
+                </a:cxn>
+                <a:cxn ang="0">
+                  <a:pos x="connsiteX1" y="connsiteY1"/>
+                </a:cxn>
+                <a:cxn ang="0">
+                  <a:pos x="connsiteX2" y="connsiteY2"/>
+                </a:cxn>
+                <a:cxn ang="0">
+                  <a:pos x="connsiteX3" y="connsiteY3"/>
+                </a:cxn>
+                <a:cxn ang="0">
+                  <a:pos x="connsiteX4" y="connsiteY4"/>
+                </a:cxn>
+              </a:cxnLst>
+              <a:rect l="l" t="t" r="r" b="b"/>
+              <a:pathLst>
+                <a:path w="651963" h="477482">
+                  <a:moveTo>
+                    <a:pt x="651964" y="237744"/>
+                  </a:moveTo>
+                  <a:cubicBezTo>
+                    <a:pt x="651964" y="369650"/>
+                    <a:pt x="506011" y="476528"/>
+                    <a:pt x="325988" y="476528"/>
+                  </a:cubicBezTo>
+                  <a:cubicBezTo>
+                    <a:pt x="145953" y="476528"/>
+                    <a:pt x="0" y="369650"/>
+                    <a:pt x="0" y="237744"/>
+                  </a:cubicBezTo>
+                  <a:cubicBezTo>
+                    <a:pt x="0" y="105924"/>
+                    <a:pt x="145953" y="-954"/>
+                    <a:pt x="325988" y="-954"/>
+                  </a:cubicBezTo>
+                  <a:cubicBezTo>
+                    <a:pt x="506011" y="-954"/>
+                    <a:pt x="651964" y="105924"/>
+                    <a:pt x="651964" y="237744"/>
+                  </a:cubicBezTo>
+                  <a:close/>
+                </a:path>
+              </a:pathLst>
+            </a:custGeom>
+            <a:solidFill>
+              <a:schemeClr val="bg1">
+                <a:lumMod val="50000"/>
+              </a:schemeClr>
+            </a:solidFill>
+            <a:ln w="12994" cap="flat">
+              <a:noFill/>
+              <a:prstDash val="solid"/>
+              <a:miter/>
+            </a:ln>
+          </p:spPr>
+          <p:txBody>
+            <a:bodyPr rtlCol="0" anchor="ctr"/>
+            <a:lstStyle/>
+            <a:p>
+              <a:endParaRPr lang="en-US"/>
+            </a:p>
+          </p:txBody>
+        </p:sp>
+        <p:sp>
+          <p:nvSpPr>
+            <p:cNvPr id="84" name="Freeform 83">
+              <a:extLst>
+                <a:ext uri="{FF2B5EF4-FFF2-40B4-BE49-F238E27FC236}">
+                  <a16:creationId xmlns:a16="http://schemas.microsoft.com/office/drawing/2014/main" id="{03A99CE3-75D1-CAF8-A6B9-6F2B48731896}"/>
+                </a:ext>
+              </a:extLst>
+            </p:cNvPr>
+            <p:cNvSpPr/>
+            <p:nvPr/>
+          </p:nvSpPr>
+          <p:spPr>
+            <a:xfrm rot="478580">
+              <a:off x="6054290" y="2867390"/>
+              <a:ext cx="605177" cy="592452"/>
+            </a:xfrm>
+            <a:custGeom>
+              <a:avLst/>
+              <a:gdLst>
+                <a:gd name="connsiteX0" fmla="*/ 651957 w 651957"/>
+                <a:gd name="connsiteY0" fmla="*/ 237723 h 477353"/>
+                <a:gd name="connsiteX1" fmla="*/ 325979 w 651957"/>
+                <a:gd name="connsiteY1" fmla="*/ 476399 h 477353"/>
+                <a:gd name="connsiteX2" fmla="*/ 0 w 651957"/>
+                <a:gd name="connsiteY2" fmla="*/ 237723 h 477353"/>
+                <a:gd name="connsiteX3" fmla="*/ 325979 w 651957"/>
+                <a:gd name="connsiteY3" fmla="*/ -954 h 477353"/>
+                <a:gd name="connsiteX4" fmla="*/ 651957 w 651957"/>
+                <a:gd name="connsiteY4" fmla="*/ 237723 h 477353"/>
+              </a:gdLst>
+              <a:ahLst/>
+              <a:cxnLst>
+                <a:cxn ang="0">
+                  <a:pos x="connsiteX0" y="connsiteY0"/>
+                </a:cxn>
+                <a:cxn ang="0">
+                  <a:pos x="connsiteX1" y="connsiteY1"/>
+                </a:cxn>
+                <a:cxn ang="0">
+                  <a:pos x="connsiteX2" y="connsiteY2"/>
+                </a:cxn>
+                <a:cxn ang="0">
+                  <a:pos x="connsiteX3" y="connsiteY3"/>
+                </a:cxn>
+                <a:cxn ang="0">
+                  <a:pos x="connsiteX4" y="connsiteY4"/>
+                </a:cxn>
+              </a:cxnLst>
+              <a:rect l="l" t="t" r="r" b="b"/>
+              <a:pathLst>
+                <a:path w="651957" h="477353">
+                  <a:moveTo>
+                    <a:pt x="651957" y="237723"/>
+                  </a:moveTo>
+                  <a:cubicBezTo>
+                    <a:pt x="651957" y="369521"/>
+                    <a:pt x="506012" y="476399"/>
+                    <a:pt x="325979" y="476399"/>
+                  </a:cubicBezTo>
+                  <a:cubicBezTo>
+                    <a:pt x="145945" y="476399"/>
+                    <a:pt x="0" y="369521"/>
+                    <a:pt x="0" y="237723"/>
+                  </a:cubicBezTo>
+                  <a:cubicBezTo>
+                    <a:pt x="0" y="105924"/>
+                    <a:pt x="145945" y="-954"/>
+                    <a:pt x="325979" y="-954"/>
+                  </a:cubicBezTo>
+                  <a:cubicBezTo>
+                    <a:pt x="506012" y="-954"/>
+                    <a:pt x="651957" y="105924"/>
+                    <a:pt x="651957" y="237723"/>
+                  </a:cubicBezTo>
+                  <a:close/>
+                </a:path>
+              </a:pathLst>
+            </a:custGeom>
+            <a:solidFill>
+              <a:schemeClr val="bg1">
+                <a:lumMod val="50000"/>
+              </a:schemeClr>
+            </a:solidFill>
+            <a:ln w="12994" cap="flat">
+              <a:noFill/>
+              <a:prstDash val="solid"/>
+              <a:miter/>
+            </a:ln>
+          </p:spPr>
+          <p:txBody>
+            <a:bodyPr rtlCol="0" anchor="ctr"/>
+            <a:lstStyle/>
+            <a:p>
+              <a:endParaRPr lang="en-US"/>
+            </a:p>
+          </p:txBody>
+        </p:sp>
+        <p:sp>
+          <p:nvSpPr>
+            <p:cNvPr id="86" name="Freeform 85">
+              <a:extLst>
+                <a:ext uri="{FF2B5EF4-FFF2-40B4-BE49-F238E27FC236}">
+                  <a16:creationId xmlns:a16="http://schemas.microsoft.com/office/drawing/2014/main" id="{800F564D-E603-5BE5-1E72-EEBB2BD16555}"/>
+                </a:ext>
+              </a:extLst>
+            </p:cNvPr>
+            <p:cNvSpPr/>
+            <p:nvPr/>
+          </p:nvSpPr>
+          <p:spPr>
+            <a:xfrm rot="478580">
+              <a:off x="6732839" y="2826451"/>
+              <a:ext cx="605175" cy="592504"/>
+            </a:xfrm>
+            <a:custGeom>
+              <a:avLst/>
+              <a:gdLst>
+                <a:gd name="connsiteX0" fmla="*/ 651956 w 651955"/>
+                <a:gd name="connsiteY0" fmla="*/ 237765 h 477395"/>
+                <a:gd name="connsiteX1" fmla="*/ 325980 w 651955"/>
+                <a:gd name="connsiteY1" fmla="*/ 476441 h 477395"/>
+                <a:gd name="connsiteX2" fmla="*/ 0 w 651955"/>
+                <a:gd name="connsiteY2" fmla="*/ 237765 h 477395"/>
+                <a:gd name="connsiteX3" fmla="*/ 325980 w 651955"/>
+                <a:gd name="connsiteY3" fmla="*/ -954 h 477395"/>
+                <a:gd name="connsiteX4" fmla="*/ 651956 w 651955"/>
+                <a:gd name="connsiteY4" fmla="*/ 237765 h 477395"/>
+              </a:gdLst>
+              <a:ahLst/>
+              <a:cxnLst>
+                <a:cxn ang="0">
+                  <a:pos x="connsiteX0" y="connsiteY0"/>
+                </a:cxn>
+                <a:cxn ang="0">
+                  <a:pos x="connsiteX1" y="connsiteY1"/>
+                </a:cxn>
+                <a:cxn ang="0">
+                  <a:pos x="connsiteX2" y="connsiteY2"/>
+                </a:cxn>
+                <a:cxn ang="0">
+                  <a:pos x="connsiteX3" y="connsiteY3"/>
+                </a:cxn>
+                <a:cxn ang="0">
+                  <a:pos x="connsiteX4" y="connsiteY4"/>
+                </a:cxn>
+              </a:cxnLst>
+              <a:rect l="l" t="t" r="r" b="b"/>
+              <a:pathLst>
+                <a:path w="651955" h="477395">
+                  <a:moveTo>
+                    <a:pt x="651956" y="237765"/>
+                  </a:moveTo>
+                  <a:cubicBezTo>
+                    <a:pt x="651956" y="369564"/>
+                    <a:pt x="506016" y="476441"/>
+                    <a:pt x="325980" y="476441"/>
+                  </a:cubicBezTo>
+                  <a:cubicBezTo>
+                    <a:pt x="145945" y="476441"/>
+                    <a:pt x="0" y="369564"/>
+                    <a:pt x="0" y="237765"/>
+                  </a:cubicBezTo>
+                  <a:cubicBezTo>
+                    <a:pt x="0" y="105967"/>
+                    <a:pt x="145945" y="-954"/>
+                    <a:pt x="325980" y="-954"/>
+                  </a:cubicBezTo>
+                  <a:cubicBezTo>
+                    <a:pt x="506016" y="-954"/>
+                    <a:pt x="651956" y="105967"/>
+                    <a:pt x="651956" y="237765"/>
+                  </a:cubicBezTo>
+                  <a:close/>
+                </a:path>
+              </a:pathLst>
+            </a:custGeom>
+            <a:solidFill>
+              <a:schemeClr val="bg1">
+                <a:lumMod val="50000"/>
+              </a:schemeClr>
+            </a:solidFill>
+            <a:ln w="12994" cap="flat">
+              <a:noFill/>
+              <a:prstDash val="solid"/>
+              <a:miter/>
+            </a:ln>
+          </p:spPr>
+          <p:txBody>
+            <a:bodyPr rtlCol="0" anchor="ctr"/>
+            <a:lstStyle/>
+            <a:p>
+              <a:endParaRPr lang="en-US"/>
+            </a:p>
+          </p:txBody>
+        </p:sp>
+        <p:sp>
+          <p:nvSpPr>
+            <p:cNvPr id="67" name="Freeform 66">
+              <a:extLst>
+                <a:ext uri="{FF2B5EF4-FFF2-40B4-BE49-F238E27FC236}">
+                  <a16:creationId xmlns:a16="http://schemas.microsoft.com/office/drawing/2014/main" id="{E2D8FE69-9133-D8E8-EE4C-CF1C2583407A}"/>
+                </a:ext>
+              </a:extLst>
+            </p:cNvPr>
+            <p:cNvSpPr/>
+            <p:nvPr/>
+          </p:nvSpPr>
+          <p:spPr>
+            <a:xfrm rot="478580">
+              <a:off x="5683896" y="2737504"/>
+              <a:ext cx="474275" cy="449273"/>
+            </a:xfrm>
+            <a:custGeom>
+              <a:avLst/>
+              <a:gdLst>
+                <a:gd name="connsiteX0" fmla="*/ 510937 w 510936"/>
+                <a:gd name="connsiteY0" fmla="*/ 180041 h 361990"/>
+                <a:gd name="connsiteX1" fmla="*/ 255468 w 510936"/>
+                <a:gd name="connsiteY1" fmla="*/ 361036 h 361990"/>
+                <a:gd name="connsiteX2" fmla="*/ 0 w 510936"/>
+                <a:gd name="connsiteY2" fmla="*/ 180041 h 361990"/>
+                <a:gd name="connsiteX3" fmla="*/ 255468 w 510936"/>
+                <a:gd name="connsiteY3" fmla="*/ -954 h 361990"/>
+                <a:gd name="connsiteX4" fmla="*/ 510937 w 510936"/>
+                <a:gd name="connsiteY4" fmla="*/ 180041 h 361990"/>
+              </a:gdLst>
+              <a:ahLst/>
+              <a:cxnLst>
+                <a:cxn ang="0">
+                  <a:pos x="connsiteX0" y="connsiteY0"/>
+                </a:cxn>
+                <a:cxn ang="0">
+                  <a:pos x="connsiteX1" y="connsiteY1"/>
+                </a:cxn>
+                <a:cxn ang="0">
+                  <a:pos x="connsiteX2" y="connsiteY2"/>
+                </a:cxn>
+                <a:cxn ang="0">
+                  <a:pos x="connsiteX3" y="connsiteY3"/>
+                </a:cxn>
+                <a:cxn ang="0">
+                  <a:pos x="connsiteX4" y="connsiteY4"/>
+                </a:cxn>
+              </a:cxnLst>
+              <a:rect l="l" t="t" r="r" b="b"/>
+              <a:pathLst>
+                <a:path w="510936" h="361990">
+                  <a:moveTo>
+                    <a:pt x="510937" y="180041"/>
+                  </a:moveTo>
+                  <a:cubicBezTo>
+                    <a:pt x="510937" y="279937"/>
+                    <a:pt x="396559" y="361036"/>
+                    <a:pt x="255468" y="361036"/>
+                  </a:cubicBezTo>
+                  <a:cubicBezTo>
+                    <a:pt x="114377" y="361036"/>
+                    <a:pt x="0" y="279937"/>
+                    <a:pt x="0" y="180041"/>
+                  </a:cubicBezTo>
+                  <a:cubicBezTo>
+                    <a:pt x="0" y="80037"/>
+                    <a:pt x="114377" y="-954"/>
+                    <a:pt x="255468" y="-954"/>
+                  </a:cubicBezTo>
+                  <a:cubicBezTo>
+                    <a:pt x="396559" y="-954"/>
+                    <a:pt x="510937" y="80037"/>
+                    <a:pt x="510937" y="180041"/>
+                  </a:cubicBezTo>
+                  <a:close/>
+                </a:path>
+              </a:pathLst>
+            </a:custGeom>
+            <a:solidFill>
+              <a:schemeClr val="bg1">
+                <a:lumMod val="95000"/>
+              </a:schemeClr>
+            </a:solidFill>
+            <a:ln w="12994" cap="flat">
+              <a:noFill/>
+              <a:prstDash val="solid"/>
+              <a:miter/>
+            </a:ln>
+          </p:spPr>
+          <p:txBody>
+            <a:bodyPr rtlCol="0" anchor="ctr"/>
+            <a:lstStyle/>
+            <a:p>
+              <a:endParaRPr lang="en-US"/>
+            </a:p>
+          </p:txBody>
+        </p:sp>
+        <p:sp>
+          <p:nvSpPr>
+            <p:cNvPr id="81" name="Freeform 80">
+              <a:extLst>
+                <a:ext uri="{FF2B5EF4-FFF2-40B4-BE49-F238E27FC236}">
+                  <a16:creationId xmlns:a16="http://schemas.microsoft.com/office/drawing/2014/main" id="{9F4C15A1-BACB-21A4-986F-0C2D827DDF1A}"/>
+                </a:ext>
+              </a:extLst>
+            </p:cNvPr>
+            <p:cNvSpPr/>
+            <p:nvPr/>
+          </p:nvSpPr>
+          <p:spPr>
+            <a:xfrm rot="478580">
+              <a:off x="6885644" y="2599053"/>
+              <a:ext cx="609505" cy="559230"/>
+            </a:xfrm>
+            <a:custGeom>
+              <a:avLst/>
+              <a:gdLst>
+                <a:gd name="connsiteX0" fmla="*/ 656620 w 656619"/>
+                <a:gd name="connsiteY0" fmla="*/ 224382 h 450585"/>
+                <a:gd name="connsiteX1" fmla="*/ 328310 w 656619"/>
+                <a:gd name="connsiteY1" fmla="*/ 449631 h 450585"/>
+                <a:gd name="connsiteX2" fmla="*/ 0 w 656619"/>
+                <a:gd name="connsiteY2" fmla="*/ 224382 h 450585"/>
+                <a:gd name="connsiteX3" fmla="*/ 328310 w 656619"/>
+                <a:gd name="connsiteY3" fmla="*/ -954 h 450585"/>
+                <a:gd name="connsiteX4" fmla="*/ 656620 w 656619"/>
+                <a:gd name="connsiteY4" fmla="*/ 224382 h 450585"/>
+              </a:gdLst>
+              <a:ahLst/>
+              <a:cxnLst>
+                <a:cxn ang="0">
+                  <a:pos x="connsiteX0" y="connsiteY0"/>
+                </a:cxn>
+                <a:cxn ang="0">
+                  <a:pos x="connsiteX1" y="connsiteY1"/>
+                </a:cxn>
+                <a:cxn ang="0">
+                  <a:pos x="connsiteX2" y="connsiteY2"/>
+                </a:cxn>
+                <a:cxn ang="0">
+                  <a:pos x="connsiteX3" y="connsiteY3"/>
+                </a:cxn>
+                <a:cxn ang="0">
+                  <a:pos x="connsiteX4" y="connsiteY4"/>
+                </a:cxn>
+              </a:cxnLst>
+              <a:rect l="l" t="t" r="r" b="b"/>
+              <a:pathLst>
+                <a:path w="656619" h="450585">
+                  <a:moveTo>
+                    <a:pt x="656620" y="224382"/>
+                  </a:moveTo>
+                  <a:cubicBezTo>
+                    <a:pt x="656620" y="348769"/>
+                    <a:pt x="509624" y="449631"/>
+                    <a:pt x="328310" y="449631"/>
+                  </a:cubicBezTo>
+                  <a:cubicBezTo>
+                    <a:pt x="146984" y="449631"/>
+                    <a:pt x="0" y="348769"/>
+                    <a:pt x="0" y="224382"/>
+                  </a:cubicBezTo>
+                  <a:cubicBezTo>
+                    <a:pt x="0" y="99909"/>
+                    <a:pt x="146984" y="-954"/>
+                    <a:pt x="328310" y="-954"/>
+                  </a:cubicBezTo>
+                  <a:cubicBezTo>
+                    <a:pt x="509624" y="-954"/>
+                    <a:pt x="656620" y="99909"/>
+                    <a:pt x="656620" y="224382"/>
+                  </a:cubicBezTo>
+                  <a:close/>
+                </a:path>
+              </a:pathLst>
+            </a:custGeom>
+            <a:solidFill>
+              <a:schemeClr val="bg1">
+                <a:lumMod val="95000"/>
+              </a:schemeClr>
+            </a:solidFill>
+            <a:ln w="12994" cap="flat">
+              <a:noFill/>
+              <a:prstDash val="solid"/>
+              <a:miter/>
+            </a:ln>
+          </p:spPr>
+          <p:txBody>
+            <a:bodyPr rtlCol="0" anchor="ctr"/>
+            <a:lstStyle/>
+            <a:p>
+              <a:endParaRPr lang="en-US"/>
+            </a:p>
+          </p:txBody>
+        </p:sp>
+        <p:sp>
+          <p:nvSpPr>
+            <p:cNvPr id="85" name="Freeform 84">
+              <a:extLst>
+                <a:ext uri="{FF2B5EF4-FFF2-40B4-BE49-F238E27FC236}">
+                  <a16:creationId xmlns:a16="http://schemas.microsoft.com/office/drawing/2014/main" id="{D1AAC9C9-662C-2F8E-BD74-DFBDD4538746}"/>
+                </a:ext>
+              </a:extLst>
+            </p:cNvPr>
+            <p:cNvSpPr/>
+            <p:nvPr/>
+          </p:nvSpPr>
+          <p:spPr>
+            <a:xfrm rot="478580">
+              <a:off x="6071155" y="2867215"/>
+              <a:ext cx="590943" cy="580054"/>
+            </a:xfrm>
+            <a:custGeom>
+              <a:avLst/>
+              <a:gdLst>
+                <a:gd name="connsiteX0" fmla="*/ 636624 w 636623"/>
+                <a:gd name="connsiteY0" fmla="*/ 232674 h 467364"/>
+                <a:gd name="connsiteX1" fmla="*/ 318313 w 636623"/>
+                <a:gd name="connsiteY1" fmla="*/ 466410 h 467364"/>
+                <a:gd name="connsiteX2" fmla="*/ 0 w 636623"/>
+                <a:gd name="connsiteY2" fmla="*/ 232674 h 467364"/>
+                <a:gd name="connsiteX3" fmla="*/ 318313 w 636623"/>
+                <a:gd name="connsiteY3" fmla="*/ -954 h 467364"/>
+                <a:gd name="connsiteX4" fmla="*/ 636624 w 636623"/>
+                <a:gd name="connsiteY4" fmla="*/ 232674 h 467364"/>
+              </a:gdLst>
+              <a:ahLst/>
+              <a:cxnLst>
+                <a:cxn ang="0">
+                  <a:pos x="connsiteX0" y="connsiteY0"/>
+                </a:cxn>
+                <a:cxn ang="0">
+                  <a:pos x="connsiteX1" y="connsiteY1"/>
+                </a:cxn>
+                <a:cxn ang="0">
+                  <a:pos x="connsiteX2" y="connsiteY2"/>
+                </a:cxn>
+                <a:cxn ang="0">
+                  <a:pos x="connsiteX3" y="connsiteY3"/>
+                </a:cxn>
+                <a:cxn ang="0">
+                  <a:pos x="connsiteX4" y="connsiteY4"/>
+                </a:cxn>
+              </a:cxnLst>
+              <a:rect l="l" t="t" r="r" b="b"/>
+              <a:pathLst>
+                <a:path w="636623" h="467364">
+                  <a:moveTo>
+                    <a:pt x="636624" y="232674"/>
+                  </a:moveTo>
+                  <a:cubicBezTo>
+                    <a:pt x="636624" y="361786"/>
+                    <a:pt x="494111" y="466410"/>
+                    <a:pt x="318313" y="466410"/>
+                  </a:cubicBezTo>
+                  <a:cubicBezTo>
+                    <a:pt x="142513" y="466410"/>
+                    <a:pt x="0" y="361786"/>
+                    <a:pt x="0" y="232674"/>
+                  </a:cubicBezTo>
+                  <a:cubicBezTo>
+                    <a:pt x="0" y="103668"/>
+                    <a:pt x="142513" y="-954"/>
+                    <a:pt x="318313" y="-954"/>
+                  </a:cubicBezTo>
+                  <a:cubicBezTo>
+                    <a:pt x="494111" y="-954"/>
+                    <a:pt x="636624" y="103668"/>
+                    <a:pt x="636624" y="232674"/>
+                  </a:cubicBezTo>
+                  <a:close/>
+                </a:path>
+              </a:pathLst>
+            </a:custGeom>
+            <a:solidFill>
+              <a:schemeClr val="bg1">
+                <a:lumMod val="95000"/>
+              </a:schemeClr>
+            </a:solidFill>
+            <a:ln w="12994" cap="flat">
+              <a:noFill/>
+              <a:prstDash val="solid"/>
+              <a:miter/>
+            </a:ln>
+          </p:spPr>
+          <p:txBody>
+            <a:bodyPr rtlCol="0" anchor="ctr"/>
+            <a:lstStyle/>
+            <a:p>
+              <a:endParaRPr lang="en-US"/>
+            </a:p>
+          </p:txBody>
+        </p:sp>
+        <p:sp>
+          <p:nvSpPr>
+            <p:cNvPr id="87" name="Freeform 86">
+              <a:extLst>
+                <a:ext uri="{FF2B5EF4-FFF2-40B4-BE49-F238E27FC236}">
+                  <a16:creationId xmlns:a16="http://schemas.microsoft.com/office/drawing/2014/main" id="{7EC25281-B872-0D15-890F-C1947CBC9008}"/>
+                </a:ext>
+              </a:extLst>
+            </p:cNvPr>
+            <p:cNvSpPr/>
+            <p:nvPr/>
+          </p:nvSpPr>
+          <p:spPr>
+            <a:xfrm rot="478580">
+              <a:off x="6716329" y="2831817"/>
+              <a:ext cx="606255" cy="569934"/>
+            </a:xfrm>
+            <a:custGeom>
+              <a:avLst/>
+              <a:gdLst>
+                <a:gd name="connsiteX0" fmla="*/ 653119 w 653118"/>
+                <a:gd name="connsiteY0" fmla="*/ 228602 h 459210"/>
+                <a:gd name="connsiteX1" fmla="*/ 326557 w 653118"/>
+                <a:gd name="connsiteY1" fmla="*/ 458256 h 459210"/>
+                <a:gd name="connsiteX2" fmla="*/ 0 w 653118"/>
+                <a:gd name="connsiteY2" fmla="*/ 228602 h 459210"/>
+                <a:gd name="connsiteX3" fmla="*/ 326557 w 653118"/>
+                <a:gd name="connsiteY3" fmla="*/ -954 h 459210"/>
+                <a:gd name="connsiteX4" fmla="*/ 653119 w 653118"/>
+                <a:gd name="connsiteY4" fmla="*/ 228602 h 459210"/>
+              </a:gdLst>
+              <a:ahLst/>
+              <a:cxnLst>
+                <a:cxn ang="0">
+                  <a:pos x="connsiteX0" y="connsiteY0"/>
+                </a:cxn>
+                <a:cxn ang="0">
+                  <a:pos x="connsiteX1" y="connsiteY1"/>
+                </a:cxn>
+                <a:cxn ang="0">
+                  <a:pos x="connsiteX2" y="connsiteY2"/>
+                </a:cxn>
+                <a:cxn ang="0">
+                  <a:pos x="connsiteX3" y="connsiteY3"/>
+                </a:cxn>
+                <a:cxn ang="0">
+                  <a:pos x="connsiteX4" y="connsiteY4"/>
+                </a:cxn>
+              </a:cxnLst>
+              <a:rect l="l" t="t" r="r" b="b"/>
+              <a:pathLst>
+                <a:path w="653118" h="459210">
+                  <a:moveTo>
+                    <a:pt x="653119" y="228602"/>
+                  </a:moveTo>
+                  <a:cubicBezTo>
+                    <a:pt x="653119" y="355460"/>
+                    <a:pt x="506918" y="458256"/>
+                    <a:pt x="326557" y="458256"/>
+                  </a:cubicBezTo>
+                  <a:cubicBezTo>
+                    <a:pt x="146206" y="458256"/>
+                    <a:pt x="0" y="355460"/>
+                    <a:pt x="0" y="228602"/>
+                  </a:cubicBezTo>
+                  <a:cubicBezTo>
+                    <a:pt x="0" y="101853"/>
+                    <a:pt x="146206" y="-954"/>
+                    <a:pt x="326557" y="-954"/>
+                  </a:cubicBezTo>
+                  <a:cubicBezTo>
+                    <a:pt x="506918" y="-954"/>
+                    <a:pt x="653119" y="101853"/>
+                    <a:pt x="653119" y="228602"/>
+                  </a:cubicBezTo>
+                  <a:close/>
+                </a:path>
+              </a:pathLst>
+            </a:custGeom>
+            <a:solidFill>
+              <a:schemeClr val="bg1">
+                <a:lumMod val="95000"/>
+              </a:schemeClr>
+            </a:solidFill>
+            <a:ln w="12994" cap="flat">
+              <a:noFill/>
+              <a:prstDash val="solid"/>
+              <a:miter/>
+            </a:ln>
+          </p:spPr>
+          <p:txBody>
+            <a:bodyPr rtlCol="0" anchor="ctr"/>
+            <a:lstStyle/>
+            <a:p>
+              <a:endParaRPr lang="en-US"/>
+            </a:p>
+          </p:txBody>
+        </p:sp>
+        <p:sp>
+          <p:nvSpPr>
+            <p:cNvPr id="62" name="Freeform 61">
+              <a:extLst>
+                <a:ext uri="{FF2B5EF4-FFF2-40B4-BE49-F238E27FC236}">
+                  <a16:creationId xmlns:a16="http://schemas.microsoft.com/office/drawing/2014/main" id="{C06B179E-917F-7415-01BC-F76B6ABEE669}"/>
+                </a:ext>
+              </a:extLst>
+            </p:cNvPr>
+            <p:cNvSpPr/>
+            <p:nvPr/>
+          </p:nvSpPr>
+          <p:spPr>
+            <a:xfrm rot="478580">
+              <a:off x="6351976" y="2637107"/>
+              <a:ext cx="605175" cy="592518"/>
+            </a:xfrm>
+            <a:custGeom>
+              <a:avLst/>
+              <a:gdLst>
+                <a:gd name="connsiteX0" fmla="*/ 651956 w 651955"/>
+                <a:gd name="connsiteY0" fmla="*/ 237776 h 477406"/>
+                <a:gd name="connsiteX1" fmla="*/ 325978 w 651955"/>
+                <a:gd name="connsiteY1" fmla="*/ 476453 h 477406"/>
+                <a:gd name="connsiteX2" fmla="*/ 0 w 651955"/>
+                <a:gd name="connsiteY2" fmla="*/ 237776 h 477406"/>
+                <a:gd name="connsiteX3" fmla="*/ 325978 w 651955"/>
+                <a:gd name="connsiteY3" fmla="*/ -954 h 477406"/>
+                <a:gd name="connsiteX4" fmla="*/ 651956 w 651955"/>
+                <a:gd name="connsiteY4" fmla="*/ 237776 h 477406"/>
+              </a:gdLst>
+              <a:ahLst/>
+              <a:cxnLst>
+                <a:cxn ang="0">
+                  <a:pos x="connsiteX0" y="connsiteY0"/>
+                </a:cxn>
+                <a:cxn ang="0">
+                  <a:pos x="connsiteX1" y="connsiteY1"/>
+                </a:cxn>
+                <a:cxn ang="0">
+                  <a:pos x="connsiteX2" y="connsiteY2"/>
+                </a:cxn>
+                <a:cxn ang="0">
+                  <a:pos x="connsiteX3" y="connsiteY3"/>
+                </a:cxn>
+                <a:cxn ang="0">
+                  <a:pos x="connsiteX4" y="connsiteY4"/>
+                </a:cxn>
+              </a:cxnLst>
+              <a:rect l="l" t="t" r="r" b="b"/>
+              <a:pathLst>
+                <a:path w="651955" h="477406">
+                  <a:moveTo>
+                    <a:pt x="651956" y="237776"/>
+                  </a:moveTo>
+                  <a:cubicBezTo>
+                    <a:pt x="651956" y="369574"/>
+                    <a:pt x="506012" y="476453"/>
+                    <a:pt x="325978" y="476453"/>
+                  </a:cubicBezTo>
+                  <a:cubicBezTo>
+                    <a:pt x="145945" y="476453"/>
+                    <a:pt x="0" y="369574"/>
+                    <a:pt x="0" y="237776"/>
+                  </a:cubicBezTo>
+                  <a:cubicBezTo>
+                    <a:pt x="0" y="105924"/>
+                    <a:pt x="145945" y="-954"/>
+                    <a:pt x="325978" y="-954"/>
+                  </a:cubicBezTo>
+                  <a:cubicBezTo>
+                    <a:pt x="506012" y="-954"/>
+                    <a:pt x="651956" y="105924"/>
+                    <a:pt x="651956" y="237776"/>
+                  </a:cubicBezTo>
+                  <a:close/>
+                </a:path>
+              </a:pathLst>
+            </a:custGeom>
+            <a:solidFill>
+              <a:schemeClr val="bg1">
+                <a:lumMod val="95000"/>
+              </a:schemeClr>
+            </a:solidFill>
+            <a:ln w="12994" cap="flat">
+              <a:noFill/>
+              <a:prstDash val="solid"/>
+              <a:miter/>
+            </a:ln>
+          </p:spPr>
+          <p:txBody>
+            <a:bodyPr rtlCol="0" anchor="ctr"/>
+            <a:lstStyle/>
+            <a:p>
+              <a:endParaRPr lang="en-US"/>
+            </a:p>
+          </p:txBody>
+        </p:sp>
+        <p:sp>
+          <p:nvSpPr>
+            <p:cNvPr id="4" name="Freeform 3">
+              <a:extLst>
+                <a:ext uri="{FF2B5EF4-FFF2-40B4-BE49-F238E27FC236}">
+                  <a16:creationId xmlns:a16="http://schemas.microsoft.com/office/drawing/2014/main" id="{E2F35D0A-54DB-41DD-3C3C-CBFCAA875FAC}"/>
+                </a:ext>
+              </a:extLst>
+            </p:cNvPr>
+            <p:cNvSpPr/>
+            <p:nvPr/>
+          </p:nvSpPr>
+          <p:spPr>
+            <a:xfrm rot="478580">
+              <a:off x="6236087" y="2326796"/>
+              <a:ext cx="500325" cy="362241"/>
+            </a:xfrm>
+            <a:custGeom>
+              <a:avLst/>
+              <a:gdLst>
+                <a:gd name="connsiteX0" fmla="*/ 663597 w 663596"/>
+                <a:gd name="connsiteY0" fmla="*/ 249259 h 500404"/>
+                <a:gd name="connsiteX1" fmla="*/ 331793 w 663596"/>
+                <a:gd name="connsiteY1" fmla="*/ 499450 h 500404"/>
+                <a:gd name="connsiteX2" fmla="*/ 0 w 663596"/>
+                <a:gd name="connsiteY2" fmla="*/ 249259 h 500404"/>
+                <a:gd name="connsiteX3" fmla="*/ 331793 w 663596"/>
+                <a:gd name="connsiteY3" fmla="*/ -954 h 500404"/>
+                <a:gd name="connsiteX4" fmla="*/ 663597 w 663596"/>
+                <a:gd name="connsiteY4" fmla="*/ 249259 h 500404"/>
+              </a:gdLst>
+              <a:ahLst/>
+              <a:cxnLst>
+                <a:cxn ang="0">
+                  <a:pos x="connsiteX0" y="connsiteY0"/>
+                </a:cxn>
+                <a:cxn ang="0">
+                  <a:pos x="connsiteX1" y="connsiteY1"/>
+                </a:cxn>
+                <a:cxn ang="0">
+                  <a:pos x="connsiteX2" y="connsiteY2"/>
+                </a:cxn>
+                <a:cxn ang="0">
+                  <a:pos x="connsiteX3" y="connsiteY3"/>
+                </a:cxn>
+                <a:cxn ang="0">
+                  <a:pos x="connsiteX4" y="connsiteY4"/>
+                </a:cxn>
+              </a:cxnLst>
+              <a:rect l="l" t="t" r="r" b="b"/>
+              <a:pathLst>
+                <a:path w="663596" h="500404">
+                  <a:moveTo>
+                    <a:pt x="663597" y="249259"/>
+                  </a:moveTo>
+                  <a:cubicBezTo>
+                    <a:pt x="663597" y="387416"/>
+                    <a:pt x="515049" y="499450"/>
+                    <a:pt x="331793" y="499450"/>
+                  </a:cubicBezTo>
+                  <a:cubicBezTo>
+                    <a:pt x="148551" y="499450"/>
+                    <a:pt x="0" y="387416"/>
+                    <a:pt x="0" y="249259"/>
+                  </a:cubicBezTo>
+                  <a:cubicBezTo>
+                    <a:pt x="0" y="111069"/>
+                    <a:pt x="148551" y="-954"/>
+                    <a:pt x="331793" y="-954"/>
+                  </a:cubicBezTo>
+                  <a:cubicBezTo>
+                    <a:pt x="515049" y="-954"/>
+                    <a:pt x="663597" y="111069"/>
+                    <a:pt x="663597" y="249259"/>
+                  </a:cubicBezTo>
+                  <a:close/>
+                </a:path>
+              </a:pathLst>
+            </a:custGeom>
+            <a:solidFill>
+              <a:schemeClr val="bg1">
+                <a:lumMod val="95000"/>
+              </a:schemeClr>
+            </a:solidFill>
+            <a:ln w="12994" cap="flat">
+              <a:noFill/>
+              <a:prstDash val="solid"/>
+              <a:miter/>
+            </a:ln>
+          </p:spPr>
+          <p:txBody>
+            <a:bodyPr rtlCol="0" anchor="ctr"/>
+            <a:lstStyle/>
+            <a:p>
+              <a:endParaRPr lang="en-US"/>
+            </a:p>
+          </p:txBody>
+        </p:sp>
+        <p:sp>
+          <p:nvSpPr>
+            <p:cNvPr id="12" name="Freeform 11">
+              <a:extLst>
+                <a:ext uri="{FF2B5EF4-FFF2-40B4-BE49-F238E27FC236}">
+                  <a16:creationId xmlns:a16="http://schemas.microsoft.com/office/drawing/2014/main" id="{480A6464-237D-1797-0F7D-ACF1EAA51E17}"/>
+                </a:ext>
+              </a:extLst>
+            </p:cNvPr>
+            <p:cNvSpPr/>
+            <p:nvPr/>
+          </p:nvSpPr>
+          <p:spPr>
+            <a:xfrm rot="478580">
+              <a:off x="6086718" y="2656130"/>
+              <a:ext cx="299385" cy="485703"/>
+            </a:xfrm>
+            <a:custGeom>
+              <a:avLst/>
+              <a:gdLst>
+                <a:gd name="connsiteX0" fmla="*/ 656620 w 656619"/>
+                <a:gd name="connsiteY0" fmla="*/ 224382 h 450585"/>
+                <a:gd name="connsiteX1" fmla="*/ 328310 w 656619"/>
+                <a:gd name="connsiteY1" fmla="*/ 449631 h 450585"/>
+                <a:gd name="connsiteX2" fmla="*/ 0 w 656619"/>
+                <a:gd name="connsiteY2" fmla="*/ 224382 h 450585"/>
+                <a:gd name="connsiteX3" fmla="*/ 328310 w 656619"/>
+                <a:gd name="connsiteY3" fmla="*/ -954 h 450585"/>
+                <a:gd name="connsiteX4" fmla="*/ 656620 w 656619"/>
+                <a:gd name="connsiteY4" fmla="*/ 224382 h 450585"/>
+              </a:gdLst>
+              <a:ahLst/>
+              <a:cxnLst>
+                <a:cxn ang="0">
+                  <a:pos x="connsiteX0" y="connsiteY0"/>
+                </a:cxn>
+                <a:cxn ang="0">
+                  <a:pos x="connsiteX1" y="connsiteY1"/>
+                </a:cxn>
+                <a:cxn ang="0">
+                  <a:pos x="connsiteX2" y="connsiteY2"/>
+                </a:cxn>
+                <a:cxn ang="0">
+                  <a:pos x="connsiteX3" y="connsiteY3"/>
+                </a:cxn>
+                <a:cxn ang="0">
+                  <a:pos x="connsiteX4" y="connsiteY4"/>
+                </a:cxn>
+              </a:cxnLst>
+              <a:rect l="l" t="t" r="r" b="b"/>
+              <a:pathLst>
+                <a:path w="656619" h="450585">
+                  <a:moveTo>
+                    <a:pt x="656620" y="224382"/>
+                  </a:moveTo>
+                  <a:cubicBezTo>
+                    <a:pt x="656620" y="348769"/>
+                    <a:pt x="509624" y="449631"/>
+                    <a:pt x="328310" y="449631"/>
+                  </a:cubicBezTo>
+                  <a:cubicBezTo>
+                    <a:pt x="146984" y="449631"/>
+                    <a:pt x="0" y="348769"/>
+                    <a:pt x="0" y="224382"/>
+                  </a:cubicBezTo>
+                  <a:cubicBezTo>
+                    <a:pt x="0" y="99909"/>
+                    <a:pt x="146984" y="-954"/>
+                    <a:pt x="328310" y="-954"/>
+                  </a:cubicBezTo>
+                  <a:cubicBezTo>
+                    <a:pt x="509624" y="-954"/>
+                    <a:pt x="656620" y="99909"/>
+                    <a:pt x="656620" y="224382"/>
+                  </a:cubicBezTo>
+                  <a:close/>
+                </a:path>
+              </a:pathLst>
+            </a:custGeom>
+            <a:solidFill>
+              <a:schemeClr val="bg1">
+                <a:lumMod val="95000"/>
+              </a:schemeClr>
+            </a:solidFill>
+            <a:ln w="12994" cap="flat">
+              <a:noFill/>
+              <a:prstDash val="solid"/>
+              <a:miter/>
+            </a:ln>
+          </p:spPr>
+          <p:txBody>
+            <a:bodyPr rtlCol="0" anchor="ctr"/>
+            <a:lstStyle/>
+            <a:p>
+              <a:endParaRPr lang="en-US"/>
+            </a:p>
+          </p:txBody>
+        </p:sp>
+        <p:sp>
+          <p:nvSpPr>
+            <p:cNvPr id="90" name="TextBox 89">
+              <a:extLst>
+                <a:ext uri="{FF2B5EF4-FFF2-40B4-BE49-F238E27FC236}">
+                  <a16:creationId xmlns:a16="http://schemas.microsoft.com/office/drawing/2014/main" id="{8751E41E-0B75-2A95-98A0-31BC040AA970}"/>
+                </a:ext>
+              </a:extLst>
+            </p:cNvPr>
+            <p:cNvSpPr txBox="1"/>
+            <p:nvPr/>
+          </p:nvSpPr>
+          <p:spPr>
+            <a:xfrm>
+              <a:off x="6180711" y="2558243"/>
+              <a:ext cx="891590" cy="916470"/>
+            </a:xfrm>
+            <a:prstGeom prst="rect">
+              <a:avLst/>
+            </a:prstGeom>
+            <a:noFill/>
+          </p:spPr>
+          <p:txBody>
+            <a:bodyPr wrap="none" rtlCol="0">
+              <a:spAutoFit/>
+            </a:bodyPr>
+            <a:lstStyle/>
+            <a:p>
+              <a:pPr algn="ctr"/>
+              <a:r>
+                <a:rPr lang="en-US" sz="1400" dirty="0">
+                  <a:latin typeface="Arial" panose="020B0604020202020204" pitchFamily="34" charset="0"/>
+                  <a:cs typeface="Arial" panose="020B0604020202020204" pitchFamily="34" charset="0"/>
+                </a:rPr>
+                <a:t>Payment</a:t>
+              </a:r>
+              <a:br>
+                <a:rPr lang="en-US" sz="1400" dirty="0">
+                  <a:latin typeface="Arial" panose="020B0604020202020204" pitchFamily="34" charset="0"/>
+                  <a:cs typeface="Arial" panose="020B0604020202020204" pitchFamily="34" charset="0"/>
+                </a:rPr>
+              </a:br>
+              <a:r>
+                <a:rPr lang="en-US" sz="1400" dirty="0">
+                  <a:latin typeface="Arial" panose="020B0604020202020204" pitchFamily="34" charset="0"/>
+                  <a:cs typeface="Arial" panose="020B0604020202020204" pitchFamily="34" charset="0"/>
+                </a:rPr>
+                <a:t>Network</a:t>
+              </a:r>
+            </a:p>
+          </p:txBody>
+        </p:sp>
+      </p:grpSp>
       <p:cxnSp>
         <p:nvCxnSpPr>
           <p:cNvPr id="92" name="Straight Arrow Connector 91">
@@ -1400,7 +3438,7 @@
         <p:spPr>
           <a:xfrm>
             <a:off x="4649715" y="822960"/>
-            <a:ext cx="0" cy="3383280"/>
+            <a:ext cx="0" cy="3337560"/>
           </a:xfrm>
           <a:prstGeom prst="line">
             <a:avLst/>
@@ -3120,7 +5158,7 @@
         </p:nvSpPr>
         <p:spPr>
           <a:xfrm>
-            <a:off x="2015346" y="4154136"/>
+            <a:off x="2015346" y="4141779"/>
             <a:ext cx="201168" cy="201168"/>
           </a:xfrm>
           <a:prstGeom prst="roundRect">
@@ -3175,7 +5213,7 @@
         </p:nvSpPr>
         <p:spPr>
           <a:xfrm>
-            <a:off x="2202628" y="4136581"/>
+            <a:off x="2202628" y="4124224"/>
             <a:ext cx="2287742" cy="249299"/>
           </a:xfrm>
           <a:prstGeom prst="rect">
@@ -3215,7 +5253,7 @@
         </p:nvCxnSpPr>
         <p:spPr>
           <a:xfrm flipH="1">
-            <a:off x="535885" y="4033512"/>
+            <a:off x="535885" y="4021155"/>
             <a:ext cx="274320" cy="0"/>
           </a:xfrm>
           <a:prstGeom prst="straightConnector1">
@@ -3264,7 +5302,7 @@
         </p:nvCxnSpPr>
         <p:spPr>
           <a:xfrm>
-            <a:off x="523526" y="4255219"/>
+            <a:off x="523526" y="4242862"/>
             <a:ext cx="274320" cy="0"/>
           </a:xfrm>
           <a:prstGeom prst="straightConnector1">
@@ -3308,7 +5346,7 @@
         </p:nvSpPr>
         <p:spPr>
           <a:xfrm>
-            <a:off x="784930" y="3907467"/>
+            <a:off x="784930" y="3895110"/>
             <a:ext cx="876650" cy="249299"/>
           </a:xfrm>
           <a:prstGeom prst="rect">
@@ -3346,7 +5384,7 @@
         </p:nvSpPr>
         <p:spPr>
           <a:xfrm>
-            <a:off x="784930" y="4133666"/>
+            <a:off x="784930" y="4121309"/>
             <a:ext cx="1147494" cy="249299"/>
           </a:xfrm>
           <a:prstGeom prst="rect">
@@ -3386,7 +5424,7 @@
         </p:nvCxnSpPr>
         <p:spPr>
           <a:xfrm flipH="1">
-            <a:off x="536483" y="3812720"/>
+            <a:off x="536483" y="3800363"/>
             <a:ext cx="274320" cy="0"/>
           </a:xfrm>
           <a:prstGeom prst="straightConnector1">
@@ -3433,7 +5471,7 @@
         </p:nvSpPr>
         <p:spPr>
           <a:xfrm>
-            <a:off x="785528" y="3686675"/>
+            <a:off x="785528" y="3674318"/>
             <a:ext cx="797526" cy="249299"/>
           </a:xfrm>
           <a:prstGeom prst="rect">
@@ -3519,2044 +5557,6 @@
           </a:p>
         </p:txBody>
       </p:sp>
-      <p:grpSp>
-        <p:nvGrpSpPr>
-          <p:cNvPr id="10" name="Group 9">
-            <a:extLst>
-              <a:ext uri="{FF2B5EF4-FFF2-40B4-BE49-F238E27FC236}">
-                <a16:creationId xmlns:a16="http://schemas.microsoft.com/office/drawing/2014/main" id="{755CA59A-A775-42C8-364E-6AB9548AE4E3}"/>
-              </a:ext>
-            </a:extLst>
-          </p:cNvPr>
-          <p:cNvGrpSpPr/>
-          <p:nvPr/>
-        </p:nvGrpSpPr>
-        <p:grpSpPr>
-          <a:xfrm>
-            <a:off x="5390764" y="2465705"/>
-            <a:ext cx="1383161" cy="814119"/>
-            <a:chOff x="5668803" y="2309053"/>
-            <a:chExt cx="1838831" cy="1165660"/>
-          </a:xfrm>
-          <a:effectLst>
-            <a:outerShdw blurRad="50800" dist="50800" dir="2700000" sx="98239" sy="98239" algn="tl" rotWithShape="0">
-              <a:prstClr val="black">
-                <a:alpha val="40000"/>
-              </a:prstClr>
-            </a:outerShdw>
-          </a:effectLst>
-        </p:grpSpPr>
-        <p:sp>
-          <p:nvSpPr>
-            <p:cNvPr id="64" name="Freeform 63">
-              <a:extLst>
-                <a:ext uri="{FF2B5EF4-FFF2-40B4-BE49-F238E27FC236}">
-                  <a16:creationId xmlns:a16="http://schemas.microsoft.com/office/drawing/2014/main" id="{4867A189-1C94-1008-892F-E2E91C67CF28}"/>
-                </a:ext>
-              </a:extLst>
-            </p:cNvPr>
-            <p:cNvSpPr/>
-            <p:nvPr/>
-          </p:nvSpPr>
-          <p:spPr>
-            <a:xfrm rot="478580">
-              <a:off x="5940843" y="2443509"/>
-              <a:ext cx="605178" cy="592544"/>
-            </a:xfrm>
-            <a:custGeom>
-              <a:avLst/>
-              <a:gdLst>
-                <a:gd name="connsiteX0" fmla="*/ 651958 w 651958"/>
-                <a:gd name="connsiteY0" fmla="*/ 237765 h 477427"/>
-                <a:gd name="connsiteX1" fmla="*/ 325979 w 651958"/>
-                <a:gd name="connsiteY1" fmla="*/ 476474 h 477427"/>
-                <a:gd name="connsiteX2" fmla="*/ 0 w 651958"/>
-                <a:gd name="connsiteY2" fmla="*/ 237765 h 477427"/>
-                <a:gd name="connsiteX3" fmla="*/ 325979 w 651958"/>
-                <a:gd name="connsiteY3" fmla="*/ -954 h 477427"/>
-                <a:gd name="connsiteX4" fmla="*/ 651958 w 651958"/>
-                <a:gd name="connsiteY4" fmla="*/ 237765 h 477427"/>
-              </a:gdLst>
-              <a:ahLst/>
-              <a:cxnLst>
-                <a:cxn ang="0">
-                  <a:pos x="connsiteX0" y="connsiteY0"/>
-                </a:cxn>
-                <a:cxn ang="0">
-                  <a:pos x="connsiteX1" y="connsiteY1"/>
-                </a:cxn>
-                <a:cxn ang="0">
-                  <a:pos x="connsiteX2" y="connsiteY2"/>
-                </a:cxn>
-                <a:cxn ang="0">
-                  <a:pos x="connsiteX3" y="connsiteY3"/>
-                </a:cxn>
-                <a:cxn ang="0">
-                  <a:pos x="connsiteX4" y="connsiteY4"/>
-                </a:cxn>
-              </a:cxnLst>
-              <a:rect l="l" t="t" r="r" b="b"/>
-              <a:pathLst>
-                <a:path w="651958" h="477427">
-                  <a:moveTo>
-                    <a:pt x="651958" y="237765"/>
-                  </a:moveTo>
-                  <a:cubicBezTo>
-                    <a:pt x="651958" y="369595"/>
-                    <a:pt x="506012" y="476474"/>
-                    <a:pt x="325979" y="476474"/>
-                  </a:cubicBezTo>
-                  <a:cubicBezTo>
-                    <a:pt x="145946" y="476474"/>
-                    <a:pt x="0" y="369595"/>
-                    <a:pt x="0" y="237765"/>
-                  </a:cubicBezTo>
-                  <a:cubicBezTo>
-                    <a:pt x="0" y="105923"/>
-                    <a:pt x="145946" y="-954"/>
-                    <a:pt x="325979" y="-954"/>
-                  </a:cubicBezTo>
-                  <a:cubicBezTo>
-                    <a:pt x="506012" y="-954"/>
-                    <a:pt x="651958" y="105923"/>
-                    <a:pt x="651958" y="237765"/>
-                  </a:cubicBezTo>
-                  <a:close/>
-                </a:path>
-              </a:pathLst>
-            </a:custGeom>
-            <a:solidFill>
-              <a:schemeClr val="bg1">
-                <a:lumMod val="50000"/>
-              </a:schemeClr>
-            </a:solidFill>
-            <a:ln w="12994" cap="flat">
-              <a:noFill/>
-              <a:prstDash val="solid"/>
-              <a:miter/>
-            </a:ln>
-          </p:spPr>
-          <p:txBody>
-            <a:bodyPr rtlCol="0" anchor="ctr"/>
-            <a:lstStyle/>
-            <a:p>
-              <a:endParaRPr lang="en-US"/>
-            </a:p>
-          </p:txBody>
-        </p:sp>
-        <p:sp>
-          <p:nvSpPr>
-            <p:cNvPr id="65" name="Freeform 64">
-              <a:extLst>
-                <a:ext uri="{FF2B5EF4-FFF2-40B4-BE49-F238E27FC236}">
-                  <a16:creationId xmlns:a16="http://schemas.microsoft.com/office/drawing/2014/main" id="{853A5D8B-A08E-2185-70A2-90A72AC976A9}"/>
-                </a:ext>
-              </a:extLst>
-            </p:cNvPr>
-            <p:cNvSpPr/>
-            <p:nvPr/>
-          </p:nvSpPr>
-          <p:spPr>
-            <a:xfrm rot="478580">
-              <a:off x="5952833" y="2459420"/>
-              <a:ext cx="590586" cy="592504"/>
-            </a:xfrm>
-            <a:custGeom>
-              <a:avLst/>
-              <a:gdLst>
-                <a:gd name="connsiteX0" fmla="*/ 668257 w 668256"/>
-                <a:gd name="connsiteY0" fmla="*/ 237765 h 477395"/>
-                <a:gd name="connsiteX1" fmla="*/ 334128 w 668256"/>
-                <a:gd name="connsiteY1" fmla="*/ 476441 h 477395"/>
-                <a:gd name="connsiteX2" fmla="*/ 0 w 668256"/>
-                <a:gd name="connsiteY2" fmla="*/ 237765 h 477395"/>
-                <a:gd name="connsiteX3" fmla="*/ 334128 w 668256"/>
-                <a:gd name="connsiteY3" fmla="*/ -954 h 477395"/>
-                <a:gd name="connsiteX4" fmla="*/ 668257 w 668256"/>
-                <a:gd name="connsiteY4" fmla="*/ 237765 h 477395"/>
-              </a:gdLst>
-              <a:ahLst/>
-              <a:cxnLst>
-                <a:cxn ang="0">
-                  <a:pos x="connsiteX0" y="connsiteY0"/>
-                </a:cxn>
-                <a:cxn ang="0">
-                  <a:pos x="connsiteX1" y="connsiteY1"/>
-                </a:cxn>
-                <a:cxn ang="0">
-                  <a:pos x="connsiteX2" y="connsiteY2"/>
-                </a:cxn>
-                <a:cxn ang="0">
-                  <a:pos x="connsiteX3" y="connsiteY3"/>
-                </a:cxn>
-                <a:cxn ang="0">
-                  <a:pos x="connsiteX4" y="connsiteY4"/>
-                </a:cxn>
-              </a:cxnLst>
-              <a:rect l="l" t="t" r="r" b="b"/>
-              <a:pathLst>
-                <a:path w="668256" h="477395">
-                  <a:moveTo>
-                    <a:pt x="668257" y="237765"/>
-                  </a:moveTo>
-                  <a:cubicBezTo>
-                    <a:pt x="668257" y="369563"/>
-                    <a:pt x="518662" y="476441"/>
-                    <a:pt x="334128" y="476441"/>
-                  </a:cubicBezTo>
-                  <a:cubicBezTo>
-                    <a:pt x="149595" y="476441"/>
-                    <a:pt x="0" y="369563"/>
-                    <a:pt x="0" y="237765"/>
-                  </a:cubicBezTo>
-                  <a:cubicBezTo>
-                    <a:pt x="0" y="105923"/>
-                    <a:pt x="149595" y="-954"/>
-                    <a:pt x="334128" y="-954"/>
-                  </a:cubicBezTo>
-                  <a:cubicBezTo>
-                    <a:pt x="518662" y="-954"/>
-                    <a:pt x="668257" y="105923"/>
-                    <a:pt x="668257" y="237765"/>
-                  </a:cubicBezTo>
-                  <a:close/>
-                </a:path>
-              </a:pathLst>
-            </a:custGeom>
-            <a:solidFill>
-              <a:schemeClr val="bg1">
-                <a:lumMod val="95000"/>
-              </a:schemeClr>
-            </a:solidFill>
-            <a:ln w="12994" cap="flat">
-              <a:noFill/>
-              <a:prstDash val="solid"/>
-              <a:miter/>
-            </a:ln>
-          </p:spPr>
-          <p:txBody>
-            <a:bodyPr rtlCol="0" anchor="ctr"/>
-            <a:lstStyle/>
-            <a:p>
-              <a:endParaRPr lang="en-US"/>
-            </a:p>
-          </p:txBody>
-        </p:sp>
-        <p:sp>
-          <p:nvSpPr>
-            <p:cNvPr id="63" name="Freeform 62">
-              <a:extLst>
-                <a:ext uri="{FF2B5EF4-FFF2-40B4-BE49-F238E27FC236}">
-                  <a16:creationId xmlns:a16="http://schemas.microsoft.com/office/drawing/2014/main" id="{D6C1B34F-7A12-F0A0-80A7-256810289E81}"/>
-                </a:ext>
-              </a:extLst>
-            </p:cNvPr>
-            <p:cNvSpPr/>
-            <p:nvPr/>
-          </p:nvSpPr>
-          <p:spPr>
-            <a:xfrm rot="478580">
-              <a:off x="6480451" y="2433744"/>
-              <a:ext cx="745241" cy="592559"/>
-            </a:xfrm>
-            <a:custGeom>
-              <a:avLst/>
-              <a:gdLst>
-                <a:gd name="connsiteX0" fmla="*/ 651957 w 651957"/>
-                <a:gd name="connsiteY0" fmla="*/ 237765 h 477439"/>
-                <a:gd name="connsiteX1" fmla="*/ 325982 w 651957"/>
-                <a:gd name="connsiteY1" fmla="*/ 476485 h 477439"/>
-                <a:gd name="connsiteX2" fmla="*/ 0 w 651957"/>
-                <a:gd name="connsiteY2" fmla="*/ 237765 h 477439"/>
-                <a:gd name="connsiteX3" fmla="*/ 325982 w 651957"/>
-                <a:gd name="connsiteY3" fmla="*/ -954 h 477439"/>
-                <a:gd name="connsiteX4" fmla="*/ 651957 w 651957"/>
-                <a:gd name="connsiteY4" fmla="*/ 237765 h 477439"/>
-              </a:gdLst>
-              <a:ahLst/>
-              <a:cxnLst>
-                <a:cxn ang="0">
-                  <a:pos x="connsiteX0" y="connsiteY0"/>
-                </a:cxn>
-                <a:cxn ang="0">
-                  <a:pos x="connsiteX1" y="connsiteY1"/>
-                </a:cxn>
-                <a:cxn ang="0">
-                  <a:pos x="connsiteX2" y="connsiteY2"/>
-                </a:cxn>
-                <a:cxn ang="0">
-                  <a:pos x="connsiteX3" y="connsiteY3"/>
-                </a:cxn>
-                <a:cxn ang="0">
-                  <a:pos x="connsiteX4" y="connsiteY4"/>
-                </a:cxn>
-              </a:cxnLst>
-              <a:rect l="l" t="t" r="r" b="b"/>
-              <a:pathLst>
-                <a:path w="651957" h="477439">
-                  <a:moveTo>
-                    <a:pt x="651957" y="237765"/>
-                  </a:moveTo>
-                  <a:cubicBezTo>
-                    <a:pt x="651957" y="369607"/>
-                    <a:pt x="506017" y="476485"/>
-                    <a:pt x="325982" y="476485"/>
-                  </a:cubicBezTo>
-                  <a:cubicBezTo>
-                    <a:pt x="145946" y="476485"/>
-                    <a:pt x="0" y="369607"/>
-                    <a:pt x="0" y="237765"/>
-                  </a:cubicBezTo>
-                  <a:cubicBezTo>
-                    <a:pt x="0" y="105924"/>
-                    <a:pt x="145946" y="-954"/>
-                    <a:pt x="325982" y="-954"/>
-                  </a:cubicBezTo>
-                  <a:cubicBezTo>
-                    <a:pt x="506017" y="-954"/>
-                    <a:pt x="651957" y="105924"/>
-                    <a:pt x="651957" y="237765"/>
-                  </a:cubicBezTo>
-                  <a:close/>
-                </a:path>
-              </a:pathLst>
-            </a:custGeom>
-            <a:solidFill>
-              <a:schemeClr val="bg1">
-                <a:lumMod val="50000"/>
-              </a:schemeClr>
-            </a:solidFill>
-            <a:ln w="12994" cap="flat">
-              <a:noFill/>
-              <a:prstDash val="solid"/>
-              <a:miter/>
-            </a:ln>
-          </p:spPr>
-          <p:txBody>
-            <a:bodyPr rtlCol="0" anchor="ctr"/>
-            <a:lstStyle/>
-            <a:p>
-              <a:endParaRPr lang="en-US"/>
-            </a:p>
-          </p:txBody>
-        </p:sp>
-        <p:sp>
-          <p:nvSpPr>
-            <p:cNvPr id="69" name="Freeform 68">
-              <a:extLst>
-                <a:ext uri="{FF2B5EF4-FFF2-40B4-BE49-F238E27FC236}">
-                  <a16:creationId xmlns:a16="http://schemas.microsoft.com/office/drawing/2014/main" id="{CAF8AC0F-4E14-1172-58B5-6E13E63A9701}"/>
-                </a:ext>
-              </a:extLst>
-            </p:cNvPr>
-            <p:cNvSpPr/>
-            <p:nvPr/>
-          </p:nvSpPr>
-          <p:spPr>
-            <a:xfrm rot="478580">
-              <a:off x="6472717" y="2451955"/>
-              <a:ext cx="750468" cy="621061"/>
-            </a:xfrm>
-            <a:custGeom>
-              <a:avLst/>
-              <a:gdLst>
-                <a:gd name="connsiteX0" fmla="*/ 663597 w 663596"/>
-                <a:gd name="connsiteY0" fmla="*/ 249259 h 500404"/>
-                <a:gd name="connsiteX1" fmla="*/ 331793 w 663596"/>
-                <a:gd name="connsiteY1" fmla="*/ 499450 h 500404"/>
-                <a:gd name="connsiteX2" fmla="*/ 0 w 663596"/>
-                <a:gd name="connsiteY2" fmla="*/ 249259 h 500404"/>
-                <a:gd name="connsiteX3" fmla="*/ 331793 w 663596"/>
-                <a:gd name="connsiteY3" fmla="*/ -954 h 500404"/>
-                <a:gd name="connsiteX4" fmla="*/ 663597 w 663596"/>
-                <a:gd name="connsiteY4" fmla="*/ 249259 h 500404"/>
-              </a:gdLst>
-              <a:ahLst/>
-              <a:cxnLst>
-                <a:cxn ang="0">
-                  <a:pos x="connsiteX0" y="connsiteY0"/>
-                </a:cxn>
-                <a:cxn ang="0">
-                  <a:pos x="connsiteX1" y="connsiteY1"/>
-                </a:cxn>
-                <a:cxn ang="0">
-                  <a:pos x="connsiteX2" y="connsiteY2"/>
-                </a:cxn>
-                <a:cxn ang="0">
-                  <a:pos x="connsiteX3" y="connsiteY3"/>
-                </a:cxn>
-                <a:cxn ang="0">
-                  <a:pos x="connsiteX4" y="connsiteY4"/>
-                </a:cxn>
-              </a:cxnLst>
-              <a:rect l="l" t="t" r="r" b="b"/>
-              <a:pathLst>
-                <a:path w="663596" h="500404">
-                  <a:moveTo>
-                    <a:pt x="663597" y="249259"/>
-                  </a:moveTo>
-                  <a:cubicBezTo>
-                    <a:pt x="663597" y="387416"/>
-                    <a:pt x="515049" y="499450"/>
-                    <a:pt x="331793" y="499450"/>
-                  </a:cubicBezTo>
-                  <a:cubicBezTo>
-                    <a:pt x="148551" y="499450"/>
-                    <a:pt x="0" y="387416"/>
-                    <a:pt x="0" y="249259"/>
-                  </a:cubicBezTo>
-                  <a:cubicBezTo>
-                    <a:pt x="0" y="111069"/>
-                    <a:pt x="148551" y="-954"/>
-                    <a:pt x="331793" y="-954"/>
-                  </a:cubicBezTo>
-                  <a:cubicBezTo>
-                    <a:pt x="515049" y="-954"/>
-                    <a:pt x="663597" y="111069"/>
-                    <a:pt x="663597" y="249259"/>
-                  </a:cubicBezTo>
-                  <a:close/>
-                </a:path>
-              </a:pathLst>
-            </a:custGeom>
-            <a:solidFill>
-              <a:schemeClr val="bg1">
-                <a:lumMod val="95000"/>
-              </a:schemeClr>
-            </a:solidFill>
-            <a:ln w="12994" cap="flat">
-              <a:noFill/>
-              <a:prstDash val="solid"/>
-              <a:miter/>
-            </a:ln>
-          </p:spPr>
-          <p:txBody>
-            <a:bodyPr rtlCol="0" anchor="ctr"/>
-            <a:lstStyle/>
-            <a:p>
-              <a:endParaRPr lang="en-US"/>
-            </a:p>
-          </p:txBody>
-        </p:sp>
-        <p:sp>
-          <p:nvSpPr>
-            <p:cNvPr id="6" name="Freeform 5">
-              <a:extLst>
-                <a:ext uri="{FF2B5EF4-FFF2-40B4-BE49-F238E27FC236}">
-                  <a16:creationId xmlns:a16="http://schemas.microsoft.com/office/drawing/2014/main" id="{7E5E4400-E567-EFCA-83A3-95D4F516454E}"/>
-                </a:ext>
-              </a:extLst>
-            </p:cNvPr>
-            <p:cNvSpPr/>
-            <p:nvPr/>
-          </p:nvSpPr>
-          <p:spPr>
-            <a:xfrm rot="478580">
-              <a:off x="6221470" y="2309053"/>
-              <a:ext cx="529561" cy="361026"/>
-            </a:xfrm>
-            <a:custGeom>
-              <a:avLst/>
-              <a:gdLst>
-                <a:gd name="connsiteX0" fmla="*/ 651957 w 651957"/>
-                <a:gd name="connsiteY0" fmla="*/ 237765 h 477439"/>
-                <a:gd name="connsiteX1" fmla="*/ 325982 w 651957"/>
-                <a:gd name="connsiteY1" fmla="*/ 476485 h 477439"/>
-                <a:gd name="connsiteX2" fmla="*/ 0 w 651957"/>
-                <a:gd name="connsiteY2" fmla="*/ 237765 h 477439"/>
-                <a:gd name="connsiteX3" fmla="*/ 325982 w 651957"/>
-                <a:gd name="connsiteY3" fmla="*/ -954 h 477439"/>
-                <a:gd name="connsiteX4" fmla="*/ 651957 w 651957"/>
-                <a:gd name="connsiteY4" fmla="*/ 237765 h 477439"/>
-              </a:gdLst>
-              <a:ahLst/>
-              <a:cxnLst>
-                <a:cxn ang="0">
-                  <a:pos x="connsiteX0" y="connsiteY0"/>
-                </a:cxn>
-                <a:cxn ang="0">
-                  <a:pos x="connsiteX1" y="connsiteY1"/>
-                </a:cxn>
-                <a:cxn ang="0">
-                  <a:pos x="connsiteX2" y="connsiteY2"/>
-                </a:cxn>
-                <a:cxn ang="0">
-                  <a:pos x="connsiteX3" y="connsiteY3"/>
-                </a:cxn>
-                <a:cxn ang="0">
-                  <a:pos x="connsiteX4" y="connsiteY4"/>
-                </a:cxn>
-              </a:cxnLst>
-              <a:rect l="l" t="t" r="r" b="b"/>
-              <a:pathLst>
-                <a:path w="651957" h="477439">
-                  <a:moveTo>
-                    <a:pt x="651957" y="237765"/>
-                  </a:moveTo>
-                  <a:cubicBezTo>
-                    <a:pt x="651957" y="369607"/>
-                    <a:pt x="506017" y="476485"/>
-                    <a:pt x="325982" y="476485"/>
-                  </a:cubicBezTo>
-                  <a:cubicBezTo>
-                    <a:pt x="145946" y="476485"/>
-                    <a:pt x="0" y="369607"/>
-                    <a:pt x="0" y="237765"/>
-                  </a:cubicBezTo>
-                  <a:cubicBezTo>
-                    <a:pt x="0" y="105924"/>
-                    <a:pt x="145946" y="-954"/>
-                    <a:pt x="325982" y="-954"/>
-                  </a:cubicBezTo>
-                  <a:cubicBezTo>
-                    <a:pt x="506017" y="-954"/>
-                    <a:pt x="651957" y="105924"/>
-                    <a:pt x="651957" y="237765"/>
-                  </a:cubicBezTo>
-                  <a:close/>
-                </a:path>
-              </a:pathLst>
-            </a:custGeom>
-            <a:solidFill>
-              <a:schemeClr val="bg1">
-                <a:lumMod val="50000"/>
-              </a:schemeClr>
-            </a:solidFill>
-            <a:ln w="12994" cap="flat">
-              <a:noFill/>
-              <a:prstDash val="solid"/>
-              <a:miter/>
-            </a:ln>
-          </p:spPr>
-          <p:txBody>
-            <a:bodyPr rtlCol="0" anchor="ctr"/>
-            <a:lstStyle/>
-            <a:p>
-              <a:endParaRPr lang="en-US"/>
-            </a:p>
-          </p:txBody>
-        </p:sp>
-        <p:sp>
-          <p:nvSpPr>
-            <p:cNvPr id="82" name="Freeform 81">
-              <a:extLst>
-                <a:ext uri="{FF2B5EF4-FFF2-40B4-BE49-F238E27FC236}">
-                  <a16:creationId xmlns:a16="http://schemas.microsoft.com/office/drawing/2014/main" id="{B1C50217-D500-A052-D594-6F87332F73EE}"/>
-                </a:ext>
-              </a:extLst>
-            </p:cNvPr>
-            <p:cNvSpPr/>
-            <p:nvPr/>
-          </p:nvSpPr>
-          <p:spPr>
-            <a:xfrm rot="478580">
-              <a:off x="5861641" y="3003333"/>
-              <a:ext cx="281193" cy="316490"/>
-            </a:xfrm>
-            <a:custGeom>
-              <a:avLst/>
-              <a:gdLst>
-                <a:gd name="connsiteX0" fmla="*/ 302930 w 302929"/>
-                <a:gd name="connsiteY0" fmla="*/ 126548 h 255004"/>
-                <a:gd name="connsiteX1" fmla="*/ 151466 w 302929"/>
-                <a:gd name="connsiteY1" fmla="*/ 254050 h 255004"/>
-                <a:gd name="connsiteX2" fmla="*/ 0 w 302929"/>
-                <a:gd name="connsiteY2" fmla="*/ 126548 h 255004"/>
-                <a:gd name="connsiteX3" fmla="*/ 151466 w 302929"/>
-                <a:gd name="connsiteY3" fmla="*/ -954 h 255004"/>
-                <a:gd name="connsiteX4" fmla="*/ 302930 w 302929"/>
-                <a:gd name="connsiteY4" fmla="*/ 126548 h 255004"/>
-              </a:gdLst>
-              <a:ahLst/>
-              <a:cxnLst>
-                <a:cxn ang="0">
-                  <a:pos x="connsiteX0" y="connsiteY0"/>
-                </a:cxn>
-                <a:cxn ang="0">
-                  <a:pos x="connsiteX1" y="connsiteY1"/>
-                </a:cxn>
-                <a:cxn ang="0">
-                  <a:pos x="connsiteX2" y="connsiteY2"/>
-                </a:cxn>
-                <a:cxn ang="0">
-                  <a:pos x="connsiteX3" y="connsiteY3"/>
-                </a:cxn>
-                <a:cxn ang="0">
-                  <a:pos x="connsiteX4" y="connsiteY4"/>
-                </a:cxn>
-              </a:cxnLst>
-              <a:rect l="l" t="t" r="r" b="b"/>
-              <a:pathLst>
-                <a:path w="302929" h="255004">
-                  <a:moveTo>
-                    <a:pt x="302930" y="126548"/>
-                  </a:moveTo>
-                  <a:cubicBezTo>
-                    <a:pt x="302930" y="196904"/>
-                    <a:pt x="235117" y="254050"/>
-                    <a:pt x="151466" y="254050"/>
-                  </a:cubicBezTo>
-                  <a:cubicBezTo>
-                    <a:pt x="67813" y="254050"/>
-                    <a:pt x="0" y="196904"/>
-                    <a:pt x="0" y="126548"/>
-                  </a:cubicBezTo>
-                  <a:cubicBezTo>
-                    <a:pt x="0" y="56083"/>
-                    <a:pt x="67813" y="-954"/>
-                    <a:pt x="151466" y="-954"/>
-                  </a:cubicBezTo>
-                  <a:cubicBezTo>
-                    <a:pt x="235117" y="-954"/>
-                    <a:pt x="302930" y="56083"/>
-                    <a:pt x="302930" y="126548"/>
-                  </a:cubicBezTo>
-                  <a:close/>
-                </a:path>
-              </a:pathLst>
-            </a:custGeom>
-            <a:solidFill>
-              <a:schemeClr val="bg1">
-                <a:lumMod val="50000"/>
-              </a:schemeClr>
-            </a:solidFill>
-            <a:ln w="12994" cap="flat">
-              <a:noFill/>
-              <a:prstDash val="solid"/>
-              <a:miter/>
-            </a:ln>
-          </p:spPr>
-          <p:txBody>
-            <a:bodyPr rtlCol="0" anchor="ctr"/>
-            <a:lstStyle/>
-            <a:p>
-              <a:endParaRPr lang="en-US"/>
-            </a:p>
-          </p:txBody>
-        </p:sp>
-        <p:sp>
-          <p:nvSpPr>
-            <p:cNvPr id="83" name="Freeform 82">
-              <a:extLst>
-                <a:ext uri="{FF2B5EF4-FFF2-40B4-BE49-F238E27FC236}">
-                  <a16:creationId xmlns:a16="http://schemas.microsoft.com/office/drawing/2014/main" id="{DA2D22B3-D90B-E4D9-7A9D-4EF8547995F4}"/>
-                </a:ext>
-              </a:extLst>
-            </p:cNvPr>
-            <p:cNvSpPr/>
-            <p:nvPr/>
-          </p:nvSpPr>
-          <p:spPr>
-            <a:xfrm rot="478580">
-              <a:off x="5871580" y="2996726"/>
-              <a:ext cx="276870" cy="311690"/>
-            </a:xfrm>
-            <a:custGeom>
-              <a:avLst/>
-              <a:gdLst>
-                <a:gd name="connsiteX0" fmla="*/ 298272 w 298272"/>
-                <a:gd name="connsiteY0" fmla="*/ 124615 h 251136"/>
-                <a:gd name="connsiteX1" fmla="*/ 149137 w 298272"/>
-                <a:gd name="connsiteY1" fmla="*/ 250182 h 251136"/>
-                <a:gd name="connsiteX2" fmla="*/ 0 w 298272"/>
-                <a:gd name="connsiteY2" fmla="*/ 124615 h 251136"/>
-                <a:gd name="connsiteX3" fmla="*/ 149137 w 298272"/>
-                <a:gd name="connsiteY3" fmla="*/ -954 h 251136"/>
-                <a:gd name="connsiteX4" fmla="*/ 298272 w 298272"/>
-                <a:gd name="connsiteY4" fmla="*/ 124615 h 251136"/>
-              </a:gdLst>
-              <a:ahLst/>
-              <a:cxnLst>
-                <a:cxn ang="0">
-                  <a:pos x="connsiteX0" y="connsiteY0"/>
-                </a:cxn>
-                <a:cxn ang="0">
-                  <a:pos x="connsiteX1" y="connsiteY1"/>
-                </a:cxn>
-                <a:cxn ang="0">
-                  <a:pos x="connsiteX2" y="connsiteY2"/>
-                </a:cxn>
-                <a:cxn ang="0">
-                  <a:pos x="connsiteX3" y="connsiteY3"/>
-                </a:cxn>
-                <a:cxn ang="0">
-                  <a:pos x="connsiteX4" y="connsiteY4"/>
-                </a:cxn>
-              </a:cxnLst>
-              <a:rect l="l" t="t" r="r" b="b"/>
-              <a:pathLst>
-                <a:path w="298272" h="251136">
-                  <a:moveTo>
-                    <a:pt x="298272" y="124615"/>
-                  </a:moveTo>
-                  <a:cubicBezTo>
-                    <a:pt x="298272" y="194005"/>
-                    <a:pt x="231502" y="250182"/>
-                    <a:pt x="149137" y="250182"/>
-                  </a:cubicBezTo>
-                  <a:cubicBezTo>
-                    <a:pt x="66770" y="250182"/>
-                    <a:pt x="0" y="194005"/>
-                    <a:pt x="0" y="124615"/>
-                  </a:cubicBezTo>
-                  <a:cubicBezTo>
-                    <a:pt x="0" y="55331"/>
-                    <a:pt x="66770" y="-954"/>
-                    <a:pt x="149137" y="-954"/>
-                  </a:cubicBezTo>
-                  <a:cubicBezTo>
-                    <a:pt x="231502" y="-954"/>
-                    <a:pt x="298272" y="55331"/>
-                    <a:pt x="298272" y="124615"/>
-                  </a:cubicBezTo>
-                  <a:close/>
-                </a:path>
-              </a:pathLst>
-            </a:custGeom>
-            <a:solidFill>
-              <a:srgbClr val="EEEEEC"/>
-            </a:solidFill>
-            <a:ln w="12994" cap="flat">
-              <a:noFill/>
-              <a:prstDash val="solid"/>
-              <a:miter/>
-            </a:ln>
-          </p:spPr>
-          <p:txBody>
-            <a:bodyPr rtlCol="0" anchor="ctr"/>
-            <a:lstStyle/>
-            <a:p>
-              <a:endParaRPr lang="en-US"/>
-            </a:p>
-          </p:txBody>
-        </p:sp>
-        <p:sp>
-          <p:nvSpPr>
-            <p:cNvPr id="88" name="Freeform 87">
-              <a:extLst>
-                <a:ext uri="{FF2B5EF4-FFF2-40B4-BE49-F238E27FC236}">
-                  <a16:creationId xmlns:a16="http://schemas.microsoft.com/office/drawing/2014/main" id="{D3BFCF4A-25B5-2F51-6180-AA89A36CD0A9}"/>
-                </a:ext>
-              </a:extLst>
-            </p:cNvPr>
-            <p:cNvSpPr/>
-            <p:nvPr/>
-          </p:nvSpPr>
-          <p:spPr>
-            <a:xfrm rot="478580">
-              <a:off x="6522760" y="3078651"/>
-              <a:ext cx="354183" cy="374144"/>
-            </a:xfrm>
-            <a:custGeom>
-              <a:avLst/>
-              <a:gdLst>
-                <a:gd name="connsiteX0" fmla="*/ 221893 w 381561"/>
-                <a:gd name="connsiteY0" fmla="*/ 298276 h 301457"/>
-                <a:gd name="connsiteX1" fmla="*/ 2584 w 381561"/>
-                <a:gd name="connsiteY1" fmla="*/ 175393 h 301457"/>
-                <a:gd name="connsiteX2" fmla="*/ 159666 w 381561"/>
-                <a:gd name="connsiteY2" fmla="*/ 1273 h 301457"/>
-                <a:gd name="connsiteX3" fmla="*/ 378977 w 381561"/>
-                <a:gd name="connsiteY3" fmla="*/ 124156 h 301457"/>
-                <a:gd name="connsiteX4" fmla="*/ 221893 w 381561"/>
-                <a:gd name="connsiteY4" fmla="*/ 298276 h 301457"/>
-              </a:gdLst>
-              <a:ahLst/>
-              <a:cxnLst>
-                <a:cxn ang="0">
-                  <a:pos x="connsiteX0" y="connsiteY0"/>
-                </a:cxn>
-                <a:cxn ang="0">
-                  <a:pos x="connsiteX1" y="connsiteY1"/>
-                </a:cxn>
-                <a:cxn ang="0">
-                  <a:pos x="connsiteX2" y="connsiteY2"/>
-                </a:cxn>
-                <a:cxn ang="0">
-                  <a:pos x="connsiteX3" y="connsiteY3"/>
-                </a:cxn>
-                <a:cxn ang="0">
-                  <a:pos x="connsiteX4" y="connsiteY4"/>
-                </a:cxn>
-              </a:cxnLst>
-              <a:rect l="l" t="t" r="r" b="b"/>
-              <a:pathLst>
-                <a:path w="381561" h="301457">
-                  <a:moveTo>
-                    <a:pt x="221893" y="298276"/>
-                  </a:moveTo>
-                  <a:cubicBezTo>
-                    <a:pt x="117956" y="312455"/>
-                    <a:pt x="19768" y="257459"/>
-                    <a:pt x="2584" y="175393"/>
-                  </a:cubicBezTo>
-                  <a:cubicBezTo>
-                    <a:pt x="-14600" y="93328"/>
-                    <a:pt x="55728" y="15344"/>
-                    <a:pt x="159666" y="1273"/>
-                  </a:cubicBezTo>
-                  <a:cubicBezTo>
-                    <a:pt x="263603" y="-12906"/>
-                    <a:pt x="361792" y="42091"/>
-                    <a:pt x="378977" y="124156"/>
-                  </a:cubicBezTo>
-                  <a:cubicBezTo>
-                    <a:pt x="396162" y="206221"/>
-                    <a:pt x="325831" y="284205"/>
-                    <a:pt x="221893" y="298276"/>
-                  </a:cubicBezTo>
-                  <a:close/>
-                </a:path>
-              </a:pathLst>
-            </a:custGeom>
-            <a:solidFill>
-              <a:schemeClr val="bg1">
-                <a:lumMod val="50000"/>
-              </a:schemeClr>
-            </a:solidFill>
-            <a:ln w="12994" cap="flat">
-              <a:noFill/>
-              <a:prstDash val="solid"/>
-              <a:miter/>
-            </a:ln>
-          </p:spPr>
-          <p:txBody>
-            <a:bodyPr rtlCol="0" anchor="ctr"/>
-            <a:lstStyle/>
-            <a:p>
-              <a:endParaRPr lang="en-US"/>
-            </a:p>
-          </p:txBody>
-        </p:sp>
-        <p:sp>
-          <p:nvSpPr>
-            <p:cNvPr id="89" name="Freeform 88">
-              <a:extLst>
-                <a:ext uri="{FF2B5EF4-FFF2-40B4-BE49-F238E27FC236}">
-                  <a16:creationId xmlns:a16="http://schemas.microsoft.com/office/drawing/2014/main" id="{132113F0-45CD-C491-CDFD-B165885DD8EE}"/>
-                </a:ext>
-              </a:extLst>
-            </p:cNvPr>
-            <p:cNvSpPr/>
-            <p:nvPr/>
-          </p:nvSpPr>
-          <p:spPr>
-            <a:xfrm rot="478580">
-              <a:off x="6532510" y="3060754"/>
-              <a:ext cx="348240" cy="374273"/>
-            </a:xfrm>
-            <a:custGeom>
-              <a:avLst/>
-              <a:gdLst>
-                <a:gd name="connsiteX0" fmla="*/ 218170 w 375159"/>
-                <a:gd name="connsiteY0" fmla="*/ 298383 h 301561"/>
-                <a:gd name="connsiteX1" fmla="*/ 2541 w 375159"/>
-                <a:gd name="connsiteY1" fmla="*/ 175501 h 301561"/>
-                <a:gd name="connsiteX2" fmla="*/ 156987 w 375159"/>
-                <a:gd name="connsiteY2" fmla="*/ 1273 h 301561"/>
-                <a:gd name="connsiteX3" fmla="*/ 372619 w 375159"/>
-                <a:gd name="connsiteY3" fmla="*/ 124156 h 301561"/>
-                <a:gd name="connsiteX4" fmla="*/ 218170 w 375159"/>
-                <a:gd name="connsiteY4" fmla="*/ 298383 h 301561"/>
-              </a:gdLst>
-              <a:ahLst/>
-              <a:cxnLst>
-                <a:cxn ang="0">
-                  <a:pos x="connsiteX0" y="connsiteY0"/>
-                </a:cxn>
-                <a:cxn ang="0">
-                  <a:pos x="connsiteX1" y="connsiteY1"/>
-                </a:cxn>
-                <a:cxn ang="0">
-                  <a:pos x="connsiteX2" y="connsiteY2"/>
-                </a:cxn>
-                <a:cxn ang="0">
-                  <a:pos x="connsiteX3" y="connsiteY3"/>
-                </a:cxn>
-                <a:cxn ang="0">
-                  <a:pos x="connsiteX4" y="connsiteY4"/>
-                </a:cxn>
-              </a:cxnLst>
-              <a:rect l="l" t="t" r="r" b="b"/>
-              <a:pathLst>
-                <a:path w="375159" h="301561">
-                  <a:moveTo>
-                    <a:pt x="218170" y="298383"/>
-                  </a:moveTo>
-                  <a:cubicBezTo>
-                    <a:pt x="115977" y="312563"/>
-                    <a:pt x="19436" y="257459"/>
-                    <a:pt x="2541" y="175501"/>
-                  </a:cubicBezTo>
-                  <a:cubicBezTo>
-                    <a:pt x="-14355" y="93435"/>
-                    <a:pt x="54794" y="15452"/>
-                    <a:pt x="156987" y="1273"/>
-                  </a:cubicBezTo>
-                  <a:cubicBezTo>
-                    <a:pt x="259180" y="-12906"/>
-                    <a:pt x="355721" y="42091"/>
-                    <a:pt x="372619" y="124156"/>
-                  </a:cubicBezTo>
-                  <a:cubicBezTo>
-                    <a:pt x="389517" y="206221"/>
-                    <a:pt x="320363" y="284205"/>
-                    <a:pt x="218170" y="298383"/>
-                  </a:cubicBezTo>
-                  <a:close/>
-                </a:path>
-              </a:pathLst>
-            </a:custGeom>
-            <a:solidFill>
-              <a:schemeClr val="bg1">
-                <a:lumMod val="95000"/>
-              </a:schemeClr>
-            </a:solidFill>
-            <a:ln w="12994" cap="flat">
-              <a:noFill/>
-              <a:prstDash val="solid"/>
-              <a:miter/>
-            </a:ln>
-          </p:spPr>
-          <p:txBody>
-            <a:bodyPr rtlCol="0" anchor="ctr"/>
-            <a:lstStyle/>
-            <a:p>
-              <a:endParaRPr lang="en-US"/>
-            </a:p>
-          </p:txBody>
-        </p:sp>
-        <p:sp>
-          <p:nvSpPr>
-            <p:cNvPr id="66" name="Freeform 65">
-              <a:extLst>
-                <a:ext uri="{FF2B5EF4-FFF2-40B4-BE49-F238E27FC236}">
-                  <a16:creationId xmlns:a16="http://schemas.microsoft.com/office/drawing/2014/main" id="{FB966113-5C03-B817-4F07-F211EC031160}"/>
-                </a:ext>
-              </a:extLst>
-            </p:cNvPr>
-            <p:cNvSpPr/>
-            <p:nvPr/>
-          </p:nvSpPr>
-          <p:spPr>
-            <a:xfrm rot="478580">
-              <a:off x="5668803" y="2715848"/>
-              <a:ext cx="482920" cy="486227"/>
-            </a:xfrm>
-            <a:custGeom>
-              <a:avLst/>
-              <a:gdLst>
-                <a:gd name="connsiteX0" fmla="*/ 520249 w 520249"/>
-                <a:gd name="connsiteY0" fmla="*/ 191641 h 385190"/>
-                <a:gd name="connsiteX1" fmla="*/ 260125 w 520249"/>
-                <a:gd name="connsiteY1" fmla="*/ 384236 h 385190"/>
-                <a:gd name="connsiteX2" fmla="*/ 0 w 520249"/>
-                <a:gd name="connsiteY2" fmla="*/ 191641 h 385190"/>
-                <a:gd name="connsiteX3" fmla="*/ 260125 w 520249"/>
-                <a:gd name="connsiteY3" fmla="*/ -954 h 385190"/>
-                <a:gd name="connsiteX4" fmla="*/ 520249 w 520249"/>
-                <a:gd name="connsiteY4" fmla="*/ 191641 h 385190"/>
-              </a:gdLst>
-              <a:ahLst/>
-              <a:cxnLst>
-                <a:cxn ang="0">
-                  <a:pos x="connsiteX0" y="connsiteY0"/>
-                </a:cxn>
-                <a:cxn ang="0">
-                  <a:pos x="connsiteX1" y="connsiteY1"/>
-                </a:cxn>
-                <a:cxn ang="0">
-                  <a:pos x="connsiteX2" y="connsiteY2"/>
-                </a:cxn>
-                <a:cxn ang="0">
-                  <a:pos x="connsiteX3" y="connsiteY3"/>
-                </a:cxn>
-                <a:cxn ang="0">
-                  <a:pos x="connsiteX4" y="connsiteY4"/>
-                </a:cxn>
-              </a:cxnLst>
-              <a:rect l="l" t="t" r="r" b="b"/>
-              <a:pathLst>
-                <a:path w="520249" h="385190">
-                  <a:moveTo>
-                    <a:pt x="520249" y="191641"/>
-                  </a:moveTo>
-                  <a:cubicBezTo>
-                    <a:pt x="520249" y="297982"/>
-                    <a:pt x="403787" y="384236"/>
-                    <a:pt x="260125" y="384236"/>
-                  </a:cubicBezTo>
-                  <a:cubicBezTo>
-                    <a:pt x="116462" y="384236"/>
-                    <a:pt x="0" y="297982"/>
-                    <a:pt x="0" y="191641"/>
-                  </a:cubicBezTo>
-                  <a:cubicBezTo>
-                    <a:pt x="0" y="85300"/>
-                    <a:pt x="116462" y="-954"/>
-                    <a:pt x="260125" y="-954"/>
-                  </a:cubicBezTo>
-                  <a:cubicBezTo>
-                    <a:pt x="403787" y="-954"/>
-                    <a:pt x="520249" y="85300"/>
-                    <a:pt x="520249" y="191641"/>
-                  </a:cubicBezTo>
-                  <a:close/>
-                </a:path>
-              </a:pathLst>
-            </a:custGeom>
-            <a:solidFill>
-              <a:schemeClr val="bg1">
-                <a:lumMod val="50000"/>
-              </a:schemeClr>
-            </a:solidFill>
-            <a:ln w="12994" cap="flat">
-              <a:noFill/>
-              <a:prstDash val="solid"/>
-              <a:miter/>
-            </a:ln>
-          </p:spPr>
-          <p:txBody>
-            <a:bodyPr rtlCol="0" anchor="ctr"/>
-            <a:lstStyle/>
-            <a:p>
-              <a:endParaRPr lang="en-US"/>
-            </a:p>
-          </p:txBody>
-        </p:sp>
-        <p:sp>
-          <p:nvSpPr>
-            <p:cNvPr id="70" name="Freeform 69">
-              <a:extLst>
-                <a:ext uri="{FF2B5EF4-FFF2-40B4-BE49-F238E27FC236}">
-                  <a16:creationId xmlns:a16="http://schemas.microsoft.com/office/drawing/2014/main" id="{96D96651-F1B5-7A19-F8D0-33267D5F5045}"/>
-                </a:ext>
-              </a:extLst>
-            </p:cNvPr>
-            <p:cNvSpPr/>
-            <p:nvPr/>
-          </p:nvSpPr>
-          <p:spPr>
-            <a:xfrm rot="478580">
-              <a:off x="6902451" y="2585048"/>
-              <a:ext cx="605183" cy="592612"/>
-            </a:xfrm>
-            <a:custGeom>
-              <a:avLst/>
-              <a:gdLst>
-                <a:gd name="connsiteX0" fmla="*/ 651964 w 651963"/>
-                <a:gd name="connsiteY0" fmla="*/ 237744 h 477482"/>
-                <a:gd name="connsiteX1" fmla="*/ 325988 w 651963"/>
-                <a:gd name="connsiteY1" fmla="*/ 476528 h 477482"/>
-                <a:gd name="connsiteX2" fmla="*/ 0 w 651963"/>
-                <a:gd name="connsiteY2" fmla="*/ 237744 h 477482"/>
-                <a:gd name="connsiteX3" fmla="*/ 325988 w 651963"/>
-                <a:gd name="connsiteY3" fmla="*/ -954 h 477482"/>
-                <a:gd name="connsiteX4" fmla="*/ 651964 w 651963"/>
-                <a:gd name="connsiteY4" fmla="*/ 237744 h 477482"/>
-              </a:gdLst>
-              <a:ahLst/>
-              <a:cxnLst>
-                <a:cxn ang="0">
-                  <a:pos x="connsiteX0" y="connsiteY0"/>
-                </a:cxn>
-                <a:cxn ang="0">
-                  <a:pos x="connsiteX1" y="connsiteY1"/>
-                </a:cxn>
-                <a:cxn ang="0">
-                  <a:pos x="connsiteX2" y="connsiteY2"/>
-                </a:cxn>
-                <a:cxn ang="0">
-                  <a:pos x="connsiteX3" y="connsiteY3"/>
-                </a:cxn>
-                <a:cxn ang="0">
-                  <a:pos x="connsiteX4" y="connsiteY4"/>
-                </a:cxn>
-              </a:cxnLst>
-              <a:rect l="l" t="t" r="r" b="b"/>
-              <a:pathLst>
-                <a:path w="651963" h="477482">
-                  <a:moveTo>
-                    <a:pt x="651964" y="237744"/>
-                  </a:moveTo>
-                  <a:cubicBezTo>
-                    <a:pt x="651964" y="369650"/>
-                    <a:pt x="506011" y="476528"/>
-                    <a:pt x="325988" y="476528"/>
-                  </a:cubicBezTo>
-                  <a:cubicBezTo>
-                    <a:pt x="145953" y="476528"/>
-                    <a:pt x="0" y="369650"/>
-                    <a:pt x="0" y="237744"/>
-                  </a:cubicBezTo>
-                  <a:cubicBezTo>
-                    <a:pt x="0" y="105924"/>
-                    <a:pt x="145953" y="-954"/>
-                    <a:pt x="325988" y="-954"/>
-                  </a:cubicBezTo>
-                  <a:cubicBezTo>
-                    <a:pt x="506011" y="-954"/>
-                    <a:pt x="651964" y="105924"/>
-                    <a:pt x="651964" y="237744"/>
-                  </a:cubicBezTo>
-                  <a:close/>
-                </a:path>
-              </a:pathLst>
-            </a:custGeom>
-            <a:solidFill>
-              <a:schemeClr val="bg1">
-                <a:lumMod val="50000"/>
-              </a:schemeClr>
-            </a:solidFill>
-            <a:ln w="12994" cap="flat">
-              <a:noFill/>
-              <a:prstDash val="solid"/>
-              <a:miter/>
-            </a:ln>
-          </p:spPr>
-          <p:txBody>
-            <a:bodyPr rtlCol="0" anchor="ctr"/>
-            <a:lstStyle/>
-            <a:p>
-              <a:endParaRPr lang="en-US"/>
-            </a:p>
-          </p:txBody>
-        </p:sp>
-        <p:sp>
-          <p:nvSpPr>
-            <p:cNvPr id="84" name="Freeform 83">
-              <a:extLst>
-                <a:ext uri="{FF2B5EF4-FFF2-40B4-BE49-F238E27FC236}">
-                  <a16:creationId xmlns:a16="http://schemas.microsoft.com/office/drawing/2014/main" id="{03A99CE3-75D1-CAF8-A6B9-6F2B48731896}"/>
-                </a:ext>
-              </a:extLst>
-            </p:cNvPr>
-            <p:cNvSpPr/>
-            <p:nvPr/>
-          </p:nvSpPr>
-          <p:spPr>
-            <a:xfrm rot="478580">
-              <a:off x="6054290" y="2867390"/>
-              <a:ext cx="605177" cy="592452"/>
-            </a:xfrm>
-            <a:custGeom>
-              <a:avLst/>
-              <a:gdLst>
-                <a:gd name="connsiteX0" fmla="*/ 651957 w 651957"/>
-                <a:gd name="connsiteY0" fmla="*/ 237723 h 477353"/>
-                <a:gd name="connsiteX1" fmla="*/ 325979 w 651957"/>
-                <a:gd name="connsiteY1" fmla="*/ 476399 h 477353"/>
-                <a:gd name="connsiteX2" fmla="*/ 0 w 651957"/>
-                <a:gd name="connsiteY2" fmla="*/ 237723 h 477353"/>
-                <a:gd name="connsiteX3" fmla="*/ 325979 w 651957"/>
-                <a:gd name="connsiteY3" fmla="*/ -954 h 477353"/>
-                <a:gd name="connsiteX4" fmla="*/ 651957 w 651957"/>
-                <a:gd name="connsiteY4" fmla="*/ 237723 h 477353"/>
-              </a:gdLst>
-              <a:ahLst/>
-              <a:cxnLst>
-                <a:cxn ang="0">
-                  <a:pos x="connsiteX0" y="connsiteY0"/>
-                </a:cxn>
-                <a:cxn ang="0">
-                  <a:pos x="connsiteX1" y="connsiteY1"/>
-                </a:cxn>
-                <a:cxn ang="0">
-                  <a:pos x="connsiteX2" y="connsiteY2"/>
-                </a:cxn>
-                <a:cxn ang="0">
-                  <a:pos x="connsiteX3" y="connsiteY3"/>
-                </a:cxn>
-                <a:cxn ang="0">
-                  <a:pos x="connsiteX4" y="connsiteY4"/>
-                </a:cxn>
-              </a:cxnLst>
-              <a:rect l="l" t="t" r="r" b="b"/>
-              <a:pathLst>
-                <a:path w="651957" h="477353">
-                  <a:moveTo>
-                    <a:pt x="651957" y="237723"/>
-                  </a:moveTo>
-                  <a:cubicBezTo>
-                    <a:pt x="651957" y="369521"/>
-                    <a:pt x="506012" y="476399"/>
-                    <a:pt x="325979" y="476399"/>
-                  </a:cubicBezTo>
-                  <a:cubicBezTo>
-                    <a:pt x="145945" y="476399"/>
-                    <a:pt x="0" y="369521"/>
-                    <a:pt x="0" y="237723"/>
-                  </a:cubicBezTo>
-                  <a:cubicBezTo>
-                    <a:pt x="0" y="105924"/>
-                    <a:pt x="145945" y="-954"/>
-                    <a:pt x="325979" y="-954"/>
-                  </a:cubicBezTo>
-                  <a:cubicBezTo>
-                    <a:pt x="506012" y="-954"/>
-                    <a:pt x="651957" y="105924"/>
-                    <a:pt x="651957" y="237723"/>
-                  </a:cubicBezTo>
-                  <a:close/>
-                </a:path>
-              </a:pathLst>
-            </a:custGeom>
-            <a:solidFill>
-              <a:schemeClr val="bg1">
-                <a:lumMod val="50000"/>
-              </a:schemeClr>
-            </a:solidFill>
-            <a:ln w="12994" cap="flat">
-              <a:noFill/>
-              <a:prstDash val="solid"/>
-              <a:miter/>
-            </a:ln>
-          </p:spPr>
-          <p:txBody>
-            <a:bodyPr rtlCol="0" anchor="ctr"/>
-            <a:lstStyle/>
-            <a:p>
-              <a:endParaRPr lang="en-US"/>
-            </a:p>
-          </p:txBody>
-        </p:sp>
-        <p:sp>
-          <p:nvSpPr>
-            <p:cNvPr id="86" name="Freeform 85">
-              <a:extLst>
-                <a:ext uri="{FF2B5EF4-FFF2-40B4-BE49-F238E27FC236}">
-                  <a16:creationId xmlns:a16="http://schemas.microsoft.com/office/drawing/2014/main" id="{800F564D-E603-5BE5-1E72-EEBB2BD16555}"/>
-                </a:ext>
-              </a:extLst>
-            </p:cNvPr>
-            <p:cNvSpPr/>
-            <p:nvPr/>
-          </p:nvSpPr>
-          <p:spPr>
-            <a:xfrm rot="478580">
-              <a:off x="6732839" y="2826451"/>
-              <a:ext cx="605175" cy="592504"/>
-            </a:xfrm>
-            <a:custGeom>
-              <a:avLst/>
-              <a:gdLst>
-                <a:gd name="connsiteX0" fmla="*/ 651956 w 651955"/>
-                <a:gd name="connsiteY0" fmla="*/ 237765 h 477395"/>
-                <a:gd name="connsiteX1" fmla="*/ 325980 w 651955"/>
-                <a:gd name="connsiteY1" fmla="*/ 476441 h 477395"/>
-                <a:gd name="connsiteX2" fmla="*/ 0 w 651955"/>
-                <a:gd name="connsiteY2" fmla="*/ 237765 h 477395"/>
-                <a:gd name="connsiteX3" fmla="*/ 325980 w 651955"/>
-                <a:gd name="connsiteY3" fmla="*/ -954 h 477395"/>
-                <a:gd name="connsiteX4" fmla="*/ 651956 w 651955"/>
-                <a:gd name="connsiteY4" fmla="*/ 237765 h 477395"/>
-              </a:gdLst>
-              <a:ahLst/>
-              <a:cxnLst>
-                <a:cxn ang="0">
-                  <a:pos x="connsiteX0" y="connsiteY0"/>
-                </a:cxn>
-                <a:cxn ang="0">
-                  <a:pos x="connsiteX1" y="connsiteY1"/>
-                </a:cxn>
-                <a:cxn ang="0">
-                  <a:pos x="connsiteX2" y="connsiteY2"/>
-                </a:cxn>
-                <a:cxn ang="0">
-                  <a:pos x="connsiteX3" y="connsiteY3"/>
-                </a:cxn>
-                <a:cxn ang="0">
-                  <a:pos x="connsiteX4" y="connsiteY4"/>
-                </a:cxn>
-              </a:cxnLst>
-              <a:rect l="l" t="t" r="r" b="b"/>
-              <a:pathLst>
-                <a:path w="651955" h="477395">
-                  <a:moveTo>
-                    <a:pt x="651956" y="237765"/>
-                  </a:moveTo>
-                  <a:cubicBezTo>
-                    <a:pt x="651956" y="369564"/>
-                    <a:pt x="506016" y="476441"/>
-                    <a:pt x="325980" y="476441"/>
-                  </a:cubicBezTo>
-                  <a:cubicBezTo>
-                    <a:pt x="145945" y="476441"/>
-                    <a:pt x="0" y="369564"/>
-                    <a:pt x="0" y="237765"/>
-                  </a:cubicBezTo>
-                  <a:cubicBezTo>
-                    <a:pt x="0" y="105967"/>
-                    <a:pt x="145945" y="-954"/>
-                    <a:pt x="325980" y="-954"/>
-                  </a:cubicBezTo>
-                  <a:cubicBezTo>
-                    <a:pt x="506016" y="-954"/>
-                    <a:pt x="651956" y="105967"/>
-                    <a:pt x="651956" y="237765"/>
-                  </a:cubicBezTo>
-                  <a:close/>
-                </a:path>
-              </a:pathLst>
-            </a:custGeom>
-            <a:solidFill>
-              <a:schemeClr val="bg1">
-                <a:lumMod val="50000"/>
-              </a:schemeClr>
-            </a:solidFill>
-            <a:ln w="12994" cap="flat">
-              <a:noFill/>
-              <a:prstDash val="solid"/>
-              <a:miter/>
-            </a:ln>
-          </p:spPr>
-          <p:txBody>
-            <a:bodyPr rtlCol="0" anchor="ctr"/>
-            <a:lstStyle/>
-            <a:p>
-              <a:endParaRPr lang="en-US"/>
-            </a:p>
-          </p:txBody>
-        </p:sp>
-        <p:sp>
-          <p:nvSpPr>
-            <p:cNvPr id="67" name="Freeform 66">
-              <a:extLst>
-                <a:ext uri="{FF2B5EF4-FFF2-40B4-BE49-F238E27FC236}">
-                  <a16:creationId xmlns:a16="http://schemas.microsoft.com/office/drawing/2014/main" id="{E2D8FE69-9133-D8E8-EE4C-CF1C2583407A}"/>
-                </a:ext>
-              </a:extLst>
-            </p:cNvPr>
-            <p:cNvSpPr/>
-            <p:nvPr/>
-          </p:nvSpPr>
-          <p:spPr>
-            <a:xfrm rot="478580">
-              <a:off x="5683896" y="2737504"/>
-              <a:ext cx="474275" cy="449273"/>
-            </a:xfrm>
-            <a:custGeom>
-              <a:avLst/>
-              <a:gdLst>
-                <a:gd name="connsiteX0" fmla="*/ 510937 w 510936"/>
-                <a:gd name="connsiteY0" fmla="*/ 180041 h 361990"/>
-                <a:gd name="connsiteX1" fmla="*/ 255468 w 510936"/>
-                <a:gd name="connsiteY1" fmla="*/ 361036 h 361990"/>
-                <a:gd name="connsiteX2" fmla="*/ 0 w 510936"/>
-                <a:gd name="connsiteY2" fmla="*/ 180041 h 361990"/>
-                <a:gd name="connsiteX3" fmla="*/ 255468 w 510936"/>
-                <a:gd name="connsiteY3" fmla="*/ -954 h 361990"/>
-                <a:gd name="connsiteX4" fmla="*/ 510937 w 510936"/>
-                <a:gd name="connsiteY4" fmla="*/ 180041 h 361990"/>
-              </a:gdLst>
-              <a:ahLst/>
-              <a:cxnLst>
-                <a:cxn ang="0">
-                  <a:pos x="connsiteX0" y="connsiteY0"/>
-                </a:cxn>
-                <a:cxn ang="0">
-                  <a:pos x="connsiteX1" y="connsiteY1"/>
-                </a:cxn>
-                <a:cxn ang="0">
-                  <a:pos x="connsiteX2" y="connsiteY2"/>
-                </a:cxn>
-                <a:cxn ang="0">
-                  <a:pos x="connsiteX3" y="connsiteY3"/>
-                </a:cxn>
-                <a:cxn ang="0">
-                  <a:pos x="connsiteX4" y="connsiteY4"/>
-                </a:cxn>
-              </a:cxnLst>
-              <a:rect l="l" t="t" r="r" b="b"/>
-              <a:pathLst>
-                <a:path w="510936" h="361990">
-                  <a:moveTo>
-                    <a:pt x="510937" y="180041"/>
-                  </a:moveTo>
-                  <a:cubicBezTo>
-                    <a:pt x="510937" y="279937"/>
-                    <a:pt x="396559" y="361036"/>
-                    <a:pt x="255468" y="361036"/>
-                  </a:cubicBezTo>
-                  <a:cubicBezTo>
-                    <a:pt x="114377" y="361036"/>
-                    <a:pt x="0" y="279937"/>
-                    <a:pt x="0" y="180041"/>
-                  </a:cubicBezTo>
-                  <a:cubicBezTo>
-                    <a:pt x="0" y="80037"/>
-                    <a:pt x="114377" y="-954"/>
-                    <a:pt x="255468" y="-954"/>
-                  </a:cubicBezTo>
-                  <a:cubicBezTo>
-                    <a:pt x="396559" y="-954"/>
-                    <a:pt x="510937" y="80037"/>
-                    <a:pt x="510937" y="180041"/>
-                  </a:cubicBezTo>
-                  <a:close/>
-                </a:path>
-              </a:pathLst>
-            </a:custGeom>
-            <a:solidFill>
-              <a:schemeClr val="bg1">
-                <a:lumMod val="95000"/>
-              </a:schemeClr>
-            </a:solidFill>
-            <a:ln w="12994" cap="flat">
-              <a:noFill/>
-              <a:prstDash val="solid"/>
-              <a:miter/>
-            </a:ln>
-          </p:spPr>
-          <p:txBody>
-            <a:bodyPr rtlCol="0" anchor="ctr"/>
-            <a:lstStyle/>
-            <a:p>
-              <a:endParaRPr lang="en-US"/>
-            </a:p>
-          </p:txBody>
-        </p:sp>
-        <p:sp>
-          <p:nvSpPr>
-            <p:cNvPr id="81" name="Freeform 80">
-              <a:extLst>
-                <a:ext uri="{FF2B5EF4-FFF2-40B4-BE49-F238E27FC236}">
-                  <a16:creationId xmlns:a16="http://schemas.microsoft.com/office/drawing/2014/main" id="{9F4C15A1-BACB-21A4-986F-0C2D827DDF1A}"/>
-                </a:ext>
-              </a:extLst>
-            </p:cNvPr>
-            <p:cNvSpPr/>
-            <p:nvPr/>
-          </p:nvSpPr>
-          <p:spPr>
-            <a:xfrm rot="478580">
-              <a:off x="6885644" y="2599053"/>
-              <a:ext cx="609505" cy="559230"/>
-            </a:xfrm>
-            <a:custGeom>
-              <a:avLst/>
-              <a:gdLst>
-                <a:gd name="connsiteX0" fmla="*/ 656620 w 656619"/>
-                <a:gd name="connsiteY0" fmla="*/ 224382 h 450585"/>
-                <a:gd name="connsiteX1" fmla="*/ 328310 w 656619"/>
-                <a:gd name="connsiteY1" fmla="*/ 449631 h 450585"/>
-                <a:gd name="connsiteX2" fmla="*/ 0 w 656619"/>
-                <a:gd name="connsiteY2" fmla="*/ 224382 h 450585"/>
-                <a:gd name="connsiteX3" fmla="*/ 328310 w 656619"/>
-                <a:gd name="connsiteY3" fmla="*/ -954 h 450585"/>
-                <a:gd name="connsiteX4" fmla="*/ 656620 w 656619"/>
-                <a:gd name="connsiteY4" fmla="*/ 224382 h 450585"/>
-              </a:gdLst>
-              <a:ahLst/>
-              <a:cxnLst>
-                <a:cxn ang="0">
-                  <a:pos x="connsiteX0" y="connsiteY0"/>
-                </a:cxn>
-                <a:cxn ang="0">
-                  <a:pos x="connsiteX1" y="connsiteY1"/>
-                </a:cxn>
-                <a:cxn ang="0">
-                  <a:pos x="connsiteX2" y="connsiteY2"/>
-                </a:cxn>
-                <a:cxn ang="0">
-                  <a:pos x="connsiteX3" y="connsiteY3"/>
-                </a:cxn>
-                <a:cxn ang="0">
-                  <a:pos x="connsiteX4" y="connsiteY4"/>
-                </a:cxn>
-              </a:cxnLst>
-              <a:rect l="l" t="t" r="r" b="b"/>
-              <a:pathLst>
-                <a:path w="656619" h="450585">
-                  <a:moveTo>
-                    <a:pt x="656620" y="224382"/>
-                  </a:moveTo>
-                  <a:cubicBezTo>
-                    <a:pt x="656620" y="348769"/>
-                    <a:pt x="509624" y="449631"/>
-                    <a:pt x="328310" y="449631"/>
-                  </a:cubicBezTo>
-                  <a:cubicBezTo>
-                    <a:pt x="146984" y="449631"/>
-                    <a:pt x="0" y="348769"/>
-                    <a:pt x="0" y="224382"/>
-                  </a:cubicBezTo>
-                  <a:cubicBezTo>
-                    <a:pt x="0" y="99909"/>
-                    <a:pt x="146984" y="-954"/>
-                    <a:pt x="328310" y="-954"/>
-                  </a:cubicBezTo>
-                  <a:cubicBezTo>
-                    <a:pt x="509624" y="-954"/>
-                    <a:pt x="656620" y="99909"/>
-                    <a:pt x="656620" y="224382"/>
-                  </a:cubicBezTo>
-                  <a:close/>
-                </a:path>
-              </a:pathLst>
-            </a:custGeom>
-            <a:solidFill>
-              <a:schemeClr val="bg1">
-                <a:lumMod val="95000"/>
-              </a:schemeClr>
-            </a:solidFill>
-            <a:ln w="12994" cap="flat">
-              <a:noFill/>
-              <a:prstDash val="solid"/>
-              <a:miter/>
-            </a:ln>
-          </p:spPr>
-          <p:txBody>
-            <a:bodyPr rtlCol="0" anchor="ctr"/>
-            <a:lstStyle/>
-            <a:p>
-              <a:endParaRPr lang="en-US"/>
-            </a:p>
-          </p:txBody>
-        </p:sp>
-        <p:sp>
-          <p:nvSpPr>
-            <p:cNvPr id="85" name="Freeform 84">
-              <a:extLst>
-                <a:ext uri="{FF2B5EF4-FFF2-40B4-BE49-F238E27FC236}">
-                  <a16:creationId xmlns:a16="http://schemas.microsoft.com/office/drawing/2014/main" id="{D1AAC9C9-662C-2F8E-BD74-DFBDD4538746}"/>
-                </a:ext>
-              </a:extLst>
-            </p:cNvPr>
-            <p:cNvSpPr/>
-            <p:nvPr/>
-          </p:nvSpPr>
-          <p:spPr>
-            <a:xfrm rot="478580">
-              <a:off x="6071155" y="2867215"/>
-              <a:ext cx="590943" cy="580054"/>
-            </a:xfrm>
-            <a:custGeom>
-              <a:avLst/>
-              <a:gdLst>
-                <a:gd name="connsiteX0" fmla="*/ 636624 w 636623"/>
-                <a:gd name="connsiteY0" fmla="*/ 232674 h 467364"/>
-                <a:gd name="connsiteX1" fmla="*/ 318313 w 636623"/>
-                <a:gd name="connsiteY1" fmla="*/ 466410 h 467364"/>
-                <a:gd name="connsiteX2" fmla="*/ 0 w 636623"/>
-                <a:gd name="connsiteY2" fmla="*/ 232674 h 467364"/>
-                <a:gd name="connsiteX3" fmla="*/ 318313 w 636623"/>
-                <a:gd name="connsiteY3" fmla="*/ -954 h 467364"/>
-                <a:gd name="connsiteX4" fmla="*/ 636624 w 636623"/>
-                <a:gd name="connsiteY4" fmla="*/ 232674 h 467364"/>
-              </a:gdLst>
-              <a:ahLst/>
-              <a:cxnLst>
-                <a:cxn ang="0">
-                  <a:pos x="connsiteX0" y="connsiteY0"/>
-                </a:cxn>
-                <a:cxn ang="0">
-                  <a:pos x="connsiteX1" y="connsiteY1"/>
-                </a:cxn>
-                <a:cxn ang="0">
-                  <a:pos x="connsiteX2" y="connsiteY2"/>
-                </a:cxn>
-                <a:cxn ang="0">
-                  <a:pos x="connsiteX3" y="connsiteY3"/>
-                </a:cxn>
-                <a:cxn ang="0">
-                  <a:pos x="connsiteX4" y="connsiteY4"/>
-                </a:cxn>
-              </a:cxnLst>
-              <a:rect l="l" t="t" r="r" b="b"/>
-              <a:pathLst>
-                <a:path w="636623" h="467364">
-                  <a:moveTo>
-                    <a:pt x="636624" y="232674"/>
-                  </a:moveTo>
-                  <a:cubicBezTo>
-                    <a:pt x="636624" y="361786"/>
-                    <a:pt x="494111" y="466410"/>
-                    <a:pt x="318313" y="466410"/>
-                  </a:cubicBezTo>
-                  <a:cubicBezTo>
-                    <a:pt x="142513" y="466410"/>
-                    <a:pt x="0" y="361786"/>
-                    <a:pt x="0" y="232674"/>
-                  </a:cubicBezTo>
-                  <a:cubicBezTo>
-                    <a:pt x="0" y="103668"/>
-                    <a:pt x="142513" y="-954"/>
-                    <a:pt x="318313" y="-954"/>
-                  </a:cubicBezTo>
-                  <a:cubicBezTo>
-                    <a:pt x="494111" y="-954"/>
-                    <a:pt x="636624" y="103668"/>
-                    <a:pt x="636624" y="232674"/>
-                  </a:cubicBezTo>
-                  <a:close/>
-                </a:path>
-              </a:pathLst>
-            </a:custGeom>
-            <a:solidFill>
-              <a:schemeClr val="bg1">
-                <a:lumMod val="95000"/>
-              </a:schemeClr>
-            </a:solidFill>
-            <a:ln w="12994" cap="flat">
-              <a:noFill/>
-              <a:prstDash val="solid"/>
-              <a:miter/>
-            </a:ln>
-          </p:spPr>
-          <p:txBody>
-            <a:bodyPr rtlCol="0" anchor="ctr"/>
-            <a:lstStyle/>
-            <a:p>
-              <a:endParaRPr lang="en-US"/>
-            </a:p>
-          </p:txBody>
-        </p:sp>
-        <p:sp>
-          <p:nvSpPr>
-            <p:cNvPr id="87" name="Freeform 86">
-              <a:extLst>
-                <a:ext uri="{FF2B5EF4-FFF2-40B4-BE49-F238E27FC236}">
-                  <a16:creationId xmlns:a16="http://schemas.microsoft.com/office/drawing/2014/main" id="{7EC25281-B872-0D15-890F-C1947CBC9008}"/>
-                </a:ext>
-              </a:extLst>
-            </p:cNvPr>
-            <p:cNvSpPr/>
-            <p:nvPr/>
-          </p:nvSpPr>
-          <p:spPr>
-            <a:xfrm rot="478580">
-              <a:off x="6716329" y="2831817"/>
-              <a:ext cx="606255" cy="569934"/>
-            </a:xfrm>
-            <a:custGeom>
-              <a:avLst/>
-              <a:gdLst>
-                <a:gd name="connsiteX0" fmla="*/ 653119 w 653118"/>
-                <a:gd name="connsiteY0" fmla="*/ 228602 h 459210"/>
-                <a:gd name="connsiteX1" fmla="*/ 326557 w 653118"/>
-                <a:gd name="connsiteY1" fmla="*/ 458256 h 459210"/>
-                <a:gd name="connsiteX2" fmla="*/ 0 w 653118"/>
-                <a:gd name="connsiteY2" fmla="*/ 228602 h 459210"/>
-                <a:gd name="connsiteX3" fmla="*/ 326557 w 653118"/>
-                <a:gd name="connsiteY3" fmla="*/ -954 h 459210"/>
-                <a:gd name="connsiteX4" fmla="*/ 653119 w 653118"/>
-                <a:gd name="connsiteY4" fmla="*/ 228602 h 459210"/>
-              </a:gdLst>
-              <a:ahLst/>
-              <a:cxnLst>
-                <a:cxn ang="0">
-                  <a:pos x="connsiteX0" y="connsiteY0"/>
-                </a:cxn>
-                <a:cxn ang="0">
-                  <a:pos x="connsiteX1" y="connsiteY1"/>
-                </a:cxn>
-                <a:cxn ang="0">
-                  <a:pos x="connsiteX2" y="connsiteY2"/>
-                </a:cxn>
-                <a:cxn ang="0">
-                  <a:pos x="connsiteX3" y="connsiteY3"/>
-                </a:cxn>
-                <a:cxn ang="0">
-                  <a:pos x="connsiteX4" y="connsiteY4"/>
-                </a:cxn>
-              </a:cxnLst>
-              <a:rect l="l" t="t" r="r" b="b"/>
-              <a:pathLst>
-                <a:path w="653118" h="459210">
-                  <a:moveTo>
-                    <a:pt x="653119" y="228602"/>
-                  </a:moveTo>
-                  <a:cubicBezTo>
-                    <a:pt x="653119" y="355460"/>
-                    <a:pt x="506918" y="458256"/>
-                    <a:pt x="326557" y="458256"/>
-                  </a:cubicBezTo>
-                  <a:cubicBezTo>
-                    <a:pt x="146206" y="458256"/>
-                    <a:pt x="0" y="355460"/>
-                    <a:pt x="0" y="228602"/>
-                  </a:cubicBezTo>
-                  <a:cubicBezTo>
-                    <a:pt x="0" y="101853"/>
-                    <a:pt x="146206" y="-954"/>
-                    <a:pt x="326557" y="-954"/>
-                  </a:cubicBezTo>
-                  <a:cubicBezTo>
-                    <a:pt x="506918" y="-954"/>
-                    <a:pt x="653119" y="101853"/>
-                    <a:pt x="653119" y="228602"/>
-                  </a:cubicBezTo>
-                  <a:close/>
-                </a:path>
-              </a:pathLst>
-            </a:custGeom>
-            <a:solidFill>
-              <a:schemeClr val="bg1">
-                <a:lumMod val="95000"/>
-              </a:schemeClr>
-            </a:solidFill>
-            <a:ln w="12994" cap="flat">
-              <a:noFill/>
-              <a:prstDash val="solid"/>
-              <a:miter/>
-            </a:ln>
-          </p:spPr>
-          <p:txBody>
-            <a:bodyPr rtlCol="0" anchor="ctr"/>
-            <a:lstStyle/>
-            <a:p>
-              <a:endParaRPr lang="en-US"/>
-            </a:p>
-          </p:txBody>
-        </p:sp>
-        <p:sp>
-          <p:nvSpPr>
-            <p:cNvPr id="62" name="Freeform 61">
-              <a:extLst>
-                <a:ext uri="{FF2B5EF4-FFF2-40B4-BE49-F238E27FC236}">
-                  <a16:creationId xmlns:a16="http://schemas.microsoft.com/office/drawing/2014/main" id="{C06B179E-917F-7415-01BC-F76B6ABEE669}"/>
-                </a:ext>
-              </a:extLst>
-            </p:cNvPr>
-            <p:cNvSpPr/>
-            <p:nvPr/>
-          </p:nvSpPr>
-          <p:spPr>
-            <a:xfrm rot="478580">
-              <a:off x="6351976" y="2637107"/>
-              <a:ext cx="605175" cy="592518"/>
-            </a:xfrm>
-            <a:custGeom>
-              <a:avLst/>
-              <a:gdLst>
-                <a:gd name="connsiteX0" fmla="*/ 651956 w 651955"/>
-                <a:gd name="connsiteY0" fmla="*/ 237776 h 477406"/>
-                <a:gd name="connsiteX1" fmla="*/ 325978 w 651955"/>
-                <a:gd name="connsiteY1" fmla="*/ 476453 h 477406"/>
-                <a:gd name="connsiteX2" fmla="*/ 0 w 651955"/>
-                <a:gd name="connsiteY2" fmla="*/ 237776 h 477406"/>
-                <a:gd name="connsiteX3" fmla="*/ 325978 w 651955"/>
-                <a:gd name="connsiteY3" fmla="*/ -954 h 477406"/>
-                <a:gd name="connsiteX4" fmla="*/ 651956 w 651955"/>
-                <a:gd name="connsiteY4" fmla="*/ 237776 h 477406"/>
-              </a:gdLst>
-              <a:ahLst/>
-              <a:cxnLst>
-                <a:cxn ang="0">
-                  <a:pos x="connsiteX0" y="connsiteY0"/>
-                </a:cxn>
-                <a:cxn ang="0">
-                  <a:pos x="connsiteX1" y="connsiteY1"/>
-                </a:cxn>
-                <a:cxn ang="0">
-                  <a:pos x="connsiteX2" y="connsiteY2"/>
-                </a:cxn>
-                <a:cxn ang="0">
-                  <a:pos x="connsiteX3" y="connsiteY3"/>
-                </a:cxn>
-                <a:cxn ang="0">
-                  <a:pos x="connsiteX4" y="connsiteY4"/>
-                </a:cxn>
-              </a:cxnLst>
-              <a:rect l="l" t="t" r="r" b="b"/>
-              <a:pathLst>
-                <a:path w="651955" h="477406">
-                  <a:moveTo>
-                    <a:pt x="651956" y="237776"/>
-                  </a:moveTo>
-                  <a:cubicBezTo>
-                    <a:pt x="651956" y="369574"/>
-                    <a:pt x="506012" y="476453"/>
-                    <a:pt x="325978" y="476453"/>
-                  </a:cubicBezTo>
-                  <a:cubicBezTo>
-                    <a:pt x="145945" y="476453"/>
-                    <a:pt x="0" y="369574"/>
-                    <a:pt x="0" y="237776"/>
-                  </a:cubicBezTo>
-                  <a:cubicBezTo>
-                    <a:pt x="0" y="105924"/>
-                    <a:pt x="145945" y="-954"/>
-                    <a:pt x="325978" y="-954"/>
-                  </a:cubicBezTo>
-                  <a:cubicBezTo>
-                    <a:pt x="506012" y="-954"/>
-                    <a:pt x="651956" y="105924"/>
-                    <a:pt x="651956" y="237776"/>
-                  </a:cubicBezTo>
-                  <a:close/>
-                </a:path>
-              </a:pathLst>
-            </a:custGeom>
-            <a:solidFill>
-              <a:schemeClr val="bg1">
-                <a:lumMod val="95000"/>
-              </a:schemeClr>
-            </a:solidFill>
-            <a:ln w="12994" cap="flat">
-              <a:noFill/>
-              <a:prstDash val="solid"/>
-              <a:miter/>
-            </a:ln>
-          </p:spPr>
-          <p:txBody>
-            <a:bodyPr rtlCol="0" anchor="ctr"/>
-            <a:lstStyle/>
-            <a:p>
-              <a:endParaRPr lang="en-US"/>
-            </a:p>
-          </p:txBody>
-        </p:sp>
-        <p:sp>
-          <p:nvSpPr>
-            <p:cNvPr id="4" name="Freeform 3">
-              <a:extLst>
-                <a:ext uri="{FF2B5EF4-FFF2-40B4-BE49-F238E27FC236}">
-                  <a16:creationId xmlns:a16="http://schemas.microsoft.com/office/drawing/2014/main" id="{E2F35D0A-54DB-41DD-3C3C-CBFCAA875FAC}"/>
-                </a:ext>
-              </a:extLst>
-            </p:cNvPr>
-            <p:cNvSpPr/>
-            <p:nvPr/>
-          </p:nvSpPr>
-          <p:spPr>
-            <a:xfrm rot="478580">
-              <a:off x="6236087" y="2326796"/>
-              <a:ext cx="500325" cy="362241"/>
-            </a:xfrm>
-            <a:custGeom>
-              <a:avLst/>
-              <a:gdLst>
-                <a:gd name="connsiteX0" fmla="*/ 663597 w 663596"/>
-                <a:gd name="connsiteY0" fmla="*/ 249259 h 500404"/>
-                <a:gd name="connsiteX1" fmla="*/ 331793 w 663596"/>
-                <a:gd name="connsiteY1" fmla="*/ 499450 h 500404"/>
-                <a:gd name="connsiteX2" fmla="*/ 0 w 663596"/>
-                <a:gd name="connsiteY2" fmla="*/ 249259 h 500404"/>
-                <a:gd name="connsiteX3" fmla="*/ 331793 w 663596"/>
-                <a:gd name="connsiteY3" fmla="*/ -954 h 500404"/>
-                <a:gd name="connsiteX4" fmla="*/ 663597 w 663596"/>
-                <a:gd name="connsiteY4" fmla="*/ 249259 h 500404"/>
-              </a:gdLst>
-              <a:ahLst/>
-              <a:cxnLst>
-                <a:cxn ang="0">
-                  <a:pos x="connsiteX0" y="connsiteY0"/>
-                </a:cxn>
-                <a:cxn ang="0">
-                  <a:pos x="connsiteX1" y="connsiteY1"/>
-                </a:cxn>
-                <a:cxn ang="0">
-                  <a:pos x="connsiteX2" y="connsiteY2"/>
-                </a:cxn>
-                <a:cxn ang="0">
-                  <a:pos x="connsiteX3" y="connsiteY3"/>
-                </a:cxn>
-                <a:cxn ang="0">
-                  <a:pos x="connsiteX4" y="connsiteY4"/>
-                </a:cxn>
-              </a:cxnLst>
-              <a:rect l="l" t="t" r="r" b="b"/>
-              <a:pathLst>
-                <a:path w="663596" h="500404">
-                  <a:moveTo>
-                    <a:pt x="663597" y="249259"/>
-                  </a:moveTo>
-                  <a:cubicBezTo>
-                    <a:pt x="663597" y="387416"/>
-                    <a:pt x="515049" y="499450"/>
-                    <a:pt x="331793" y="499450"/>
-                  </a:cubicBezTo>
-                  <a:cubicBezTo>
-                    <a:pt x="148551" y="499450"/>
-                    <a:pt x="0" y="387416"/>
-                    <a:pt x="0" y="249259"/>
-                  </a:cubicBezTo>
-                  <a:cubicBezTo>
-                    <a:pt x="0" y="111069"/>
-                    <a:pt x="148551" y="-954"/>
-                    <a:pt x="331793" y="-954"/>
-                  </a:cubicBezTo>
-                  <a:cubicBezTo>
-                    <a:pt x="515049" y="-954"/>
-                    <a:pt x="663597" y="111069"/>
-                    <a:pt x="663597" y="249259"/>
-                  </a:cubicBezTo>
-                  <a:close/>
-                </a:path>
-              </a:pathLst>
-            </a:custGeom>
-            <a:solidFill>
-              <a:schemeClr val="bg1">
-                <a:lumMod val="95000"/>
-              </a:schemeClr>
-            </a:solidFill>
-            <a:ln w="12994" cap="flat">
-              <a:noFill/>
-              <a:prstDash val="solid"/>
-              <a:miter/>
-            </a:ln>
-          </p:spPr>
-          <p:txBody>
-            <a:bodyPr rtlCol="0" anchor="ctr"/>
-            <a:lstStyle/>
-            <a:p>
-              <a:endParaRPr lang="en-US"/>
-            </a:p>
-          </p:txBody>
-        </p:sp>
-        <p:sp>
-          <p:nvSpPr>
-            <p:cNvPr id="12" name="Freeform 11">
-              <a:extLst>
-                <a:ext uri="{FF2B5EF4-FFF2-40B4-BE49-F238E27FC236}">
-                  <a16:creationId xmlns:a16="http://schemas.microsoft.com/office/drawing/2014/main" id="{480A6464-237D-1797-0F7D-ACF1EAA51E17}"/>
-                </a:ext>
-              </a:extLst>
-            </p:cNvPr>
-            <p:cNvSpPr/>
-            <p:nvPr/>
-          </p:nvSpPr>
-          <p:spPr>
-            <a:xfrm rot="478580">
-              <a:off x="6086718" y="2656130"/>
-              <a:ext cx="299385" cy="485703"/>
-            </a:xfrm>
-            <a:custGeom>
-              <a:avLst/>
-              <a:gdLst>
-                <a:gd name="connsiteX0" fmla="*/ 656620 w 656619"/>
-                <a:gd name="connsiteY0" fmla="*/ 224382 h 450585"/>
-                <a:gd name="connsiteX1" fmla="*/ 328310 w 656619"/>
-                <a:gd name="connsiteY1" fmla="*/ 449631 h 450585"/>
-                <a:gd name="connsiteX2" fmla="*/ 0 w 656619"/>
-                <a:gd name="connsiteY2" fmla="*/ 224382 h 450585"/>
-                <a:gd name="connsiteX3" fmla="*/ 328310 w 656619"/>
-                <a:gd name="connsiteY3" fmla="*/ -954 h 450585"/>
-                <a:gd name="connsiteX4" fmla="*/ 656620 w 656619"/>
-                <a:gd name="connsiteY4" fmla="*/ 224382 h 450585"/>
-              </a:gdLst>
-              <a:ahLst/>
-              <a:cxnLst>
-                <a:cxn ang="0">
-                  <a:pos x="connsiteX0" y="connsiteY0"/>
-                </a:cxn>
-                <a:cxn ang="0">
-                  <a:pos x="connsiteX1" y="connsiteY1"/>
-                </a:cxn>
-                <a:cxn ang="0">
-                  <a:pos x="connsiteX2" y="connsiteY2"/>
-                </a:cxn>
-                <a:cxn ang="0">
-                  <a:pos x="connsiteX3" y="connsiteY3"/>
-                </a:cxn>
-                <a:cxn ang="0">
-                  <a:pos x="connsiteX4" y="connsiteY4"/>
-                </a:cxn>
-              </a:cxnLst>
-              <a:rect l="l" t="t" r="r" b="b"/>
-              <a:pathLst>
-                <a:path w="656619" h="450585">
-                  <a:moveTo>
-                    <a:pt x="656620" y="224382"/>
-                  </a:moveTo>
-                  <a:cubicBezTo>
-                    <a:pt x="656620" y="348769"/>
-                    <a:pt x="509624" y="449631"/>
-                    <a:pt x="328310" y="449631"/>
-                  </a:cubicBezTo>
-                  <a:cubicBezTo>
-                    <a:pt x="146984" y="449631"/>
-                    <a:pt x="0" y="348769"/>
-                    <a:pt x="0" y="224382"/>
-                  </a:cubicBezTo>
-                  <a:cubicBezTo>
-                    <a:pt x="0" y="99909"/>
-                    <a:pt x="146984" y="-954"/>
-                    <a:pt x="328310" y="-954"/>
-                  </a:cubicBezTo>
-                  <a:cubicBezTo>
-                    <a:pt x="509624" y="-954"/>
-                    <a:pt x="656620" y="99909"/>
-                    <a:pt x="656620" y="224382"/>
-                  </a:cubicBezTo>
-                  <a:close/>
-                </a:path>
-              </a:pathLst>
-            </a:custGeom>
-            <a:solidFill>
-              <a:schemeClr val="bg1">
-                <a:lumMod val="95000"/>
-              </a:schemeClr>
-            </a:solidFill>
-            <a:ln w="12994" cap="flat">
-              <a:noFill/>
-              <a:prstDash val="solid"/>
-              <a:miter/>
-            </a:ln>
-          </p:spPr>
-          <p:txBody>
-            <a:bodyPr rtlCol="0" anchor="ctr"/>
-            <a:lstStyle/>
-            <a:p>
-              <a:endParaRPr lang="en-US"/>
-            </a:p>
-          </p:txBody>
-        </p:sp>
-        <p:sp>
-          <p:nvSpPr>
-            <p:cNvPr id="90" name="TextBox 89">
-              <a:extLst>
-                <a:ext uri="{FF2B5EF4-FFF2-40B4-BE49-F238E27FC236}">
-                  <a16:creationId xmlns:a16="http://schemas.microsoft.com/office/drawing/2014/main" id="{8751E41E-0B75-2A95-98A0-31BC040AA970}"/>
-                </a:ext>
-              </a:extLst>
-            </p:cNvPr>
-            <p:cNvSpPr txBox="1"/>
-            <p:nvPr/>
-          </p:nvSpPr>
-          <p:spPr>
-            <a:xfrm>
-              <a:off x="6180711" y="2558243"/>
-              <a:ext cx="891590" cy="916470"/>
-            </a:xfrm>
-            <a:prstGeom prst="rect">
-              <a:avLst/>
-            </a:prstGeom>
-            <a:noFill/>
-          </p:spPr>
-          <p:txBody>
-            <a:bodyPr wrap="none" rtlCol="0">
-              <a:spAutoFit/>
-            </a:bodyPr>
-            <a:lstStyle/>
-            <a:p>
-              <a:pPr algn="ctr"/>
-              <a:r>
-                <a:rPr lang="en-US" sz="1400" dirty="0">
-                  <a:latin typeface="Arial" panose="020B0604020202020204" pitchFamily="34" charset="0"/>
-                  <a:cs typeface="Arial" panose="020B0604020202020204" pitchFamily="34" charset="0"/>
-                </a:rPr>
-                <a:t>Payment</a:t>
-              </a:r>
-              <a:br>
-                <a:rPr lang="en-US" sz="1400" dirty="0">
-                  <a:latin typeface="Arial" panose="020B0604020202020204" pitchFamily="34" charset="0"/>
-                  <a:cs typeface="Arial" panose="020B0604020202020204" pitchFamily="34" charset="0"/>
-                </a:rPr>
-              </a:br>
-              <a:r>
-                <a:rPr lang="en-US" sz="1400" dirty="0">
-                  <a:latin typeface="Arial" panose="020B0604020202020204" pitchFamily="34" charset="0"/>
-                  <a:cs typeface="Arial" panose="020B0604020202020204" pitchFamily="34" charset="0"/>
-                </a:rPr>
-                <a:t>Network</a:t>
-              </a:r>
-            </a:p>
-          </p:txBody>
-        </p:sp>
-      </p:grpSp>
       <p:sp>
         <p:nvSpPr>
           <p:cNvPr id="91" name="Left-Right Arrow 90">
@@ -5644,7 +5644,7 @@
         </p:blipFill>
         <p:spPr>
           <a:xfrm>
-            <a:off x="1314032" y="2867087"/>
+            <a:off x="1239890" y="2867087"/>
             <a:ext cx="864096" cy="297309"/>
           </a:xfrm>
           <a:prstGeom prst="rect">
@@ -5788,8 +5788,8 @@
         </p:nvSpPr>
         <p:spPr>
           <a:xfrm>
-            <a:off x="4734262" y="3963161"/>
-            <a:ext cx="2867580" cy="249299"/>
+            <a:off x="4734262" y="3976204"/>
+            <a:ext cx="1551066" cy="398058"/>
           </a:xfrm>
           <a:prstGeom prst="rect">
             <a:avLst/>
@@ -5805,13 +5805,25 @@
           </a:bodyPr>
           <a:lstStyle/>
           <a:p>
+            <a:pPr>
+              <a:lnSpc>
+                <a:spcPts val="1340"/>
+              </a:lnSpc>
+            </a:pPr>
             <a:r>
               <a:rPr lang="en-US" sz="1200" i="1" dirty="0"/>
               <a:t>Optional</a:t>
             </a:r>
             <a:r>
               <a:rPr lang="en-US" sz="1200" dirty="0"/>
-              <a:t>: Non-direct Payment Operation(s)</a:t>
+              <a:t>: Non-direct</a:t>
+            </a:r>
+            <a:br>
+              <a:rPr lang="en-US" sz="1200" dirty="0"/>
+            </a:br>
+            <a:r>
+              <a:rPr lang="en-US" sz="1200" dirty="0"/>
+              <a:t>Payment Operation(s)</a:t>
             </a:r>
           </a:p>
         </p:txBody>

--- a/docgen/sequence-diagram.pptx
+++ b/docgen/sequence-diagram.pptx
@@ -197,7 +197,7 @@
           <a:p>
             <a:fld id="{9D12DC2B-A868-EB48-BC74-89BE29D1DE6E}" type="datetimeFigureOut">
               <a:rPr lang="en-US" smtClean="0"/>
-              <a:t>9/15/24</a:t>
+              <a:t>9/28/24</a:t>
             </a:fld>
             <a:endParaRPr lang="en-US" dirty="0"/>
           </a:p>
@@ -1334,6 +1334,410 @@
           <a:chExt cx="0" cy="0"/>
         </a:xfrm>
       </p:grpSpPr>
+      <p:sp>
+        <p:nvSpPr>
+          <p:cNvPr id="57" name="Right Arrow 56">
+            <a:extLst>
+              <a:ext uri="{FF2B5EF4-FFF2-40B4-BE49-F238E27FC236}">
+                <a16:creationId xmlns:a16="http://schemas.microsoft.com/office/drawing/2014/main" id="{4DBE2D08-7379-B6C8-2476-357A3FB90B4A}"/>
+              </a:ext>
+            </a:extLst>
+          </p:cNvPr>
+          <p:cNvSpPr/>
+          <p:nvPr/>
+        </p:nvSpPr>
+        <p:spPr>
+          <a:xfrm>
+            <a:off x="4649888" y="2867025"/>
+            <a:ext cx="726313" cy="119040"/>
+          </a:xfrm>
+          <a:custGeom>
+            <a:avLst/>
+            <a:gdLst>
+              <a:gd name="connsiteX0" fmla="*/ 0 w 704088"/>
+              <a:gd name="connsiteY0" fmla="*/ 29760 h 119040"/>
+              <a:gd name="connsiteX1" fmla="*/ 612090 w 704088"/>
+              <a:gd name="connsiteY1" fmla="*/ 29760 h 119040"/>
+              <a:gd name="connsiteX2" fmla="*/ 612090 w 704088"/>
+              <a:gd name="connsiteY2" fmla="*/ 0 h 119040"/>
+              <a:gd name="connsiteX3" fmla="*/ 704088 w 704088"/>
+              <a:gd name="connsiteY3" fmla="*/ 59520 h 119040"/>
+              <a:gd name="connsiteX4" fmla="*/ 612090 w 704088"/>
+              <a:gd name="connsiteY4" fmla="*/ 119040 h 119040"/>
+              <a:gd name="connsiteX5" fmla="*/ 612090 w 704088"/>
+              <a:gd name="connsiteY5" fmla="*/ 89280 h 119040"/>
+              <a:gd name="connsiteX6" fmla="*/ 0 w 704088"/>
+              <a:gd name="connsiteY6" fmla="*/ 89280 h 119040"/>
+              <a:gd name="connsiteX7" fmla="*/ 0 w 704088"/>
+              <a:gd name="connsiteY7" fmla="*/ 29760 h 119040"/>
+              <a:gd name="connsiteX0" fmla="*/ 22225 w 726313"/>
+              <a:gd name="connsiteY0" fmla="*/ 29760 h 119040"/>
+              <a:gd name="connsiteX1" fmla="*/ 634315 w 726313"/>
+              <a:gd name="connsiteY1" fmla="*/ 29760 h 119040"/>
+              <a:gd name="connsiteX2" fmla="*/ 634315 w 726313"/>
+              <a:gd name="connsiteY2" fmla="*/ 0 h 119040"/>
+              <a:gd name="connsiteX3" fmla="*/ 726313 w 726313"/>
+              <a:gd name="connsiteY3" fmla="*/ 59520 h 119040"/>
+              <a:gd name="connsiteX4" fmla="*/ 634315 w 726313"/>
+              <a:gd name="connsiteY4" fmla="*/ 119040 h 119040"/>
+              <a:gd name="connsiteX5" fmla="*/ 634315 w 726313"/>
+              <a:gd name="connsiteY5" fmla="*/ 89280 h 119040"/>
+              <a:gd name="connsiteX6" fmla="*/ 0 w 726313"/>
+              <a:gd name="connsiteY6" fmla="*/ 92455 h 119040"/>
+              <a:gd name="connsiteX7" fmla="*/ 22225 w 726313"/>
+              <a:gd name="connsiteY7" fmla="*/ 29760 h 119040"/>
+              <a:gd name="connsiteX0" fmla="*/ 0 w 726313"/>
+              <a:gd name="connsiteY0" fmla="*/ 29760 h 119040"/>
+              <a:gd name="connsiteX1" fmla="*/ 634315 w 726313"/>
+              <a:gd name="connsiteY1" fmla="*/ 29760 h 119040"/>
+              <a:gd name="connsiteX2" fmla="*/ 634315 w 726313"/>
+              <a:gd name="connsiteY2" fmla="*/ 0 h 119040"/>
+              <a:gd name="connsiteX3" fmla="*/ 726313 w 726313"/>
+              <a:gd name="connsiteY3" fmla="*/ 59520 h 119040"/>
+              <a:gd name="connsiteX4" fmla="*/ 634315 w 726313"/>
+              <a:gd name="connsiteY4" fmla="*/ 119040 h 119040"/>
+              <a:gd name="connsiteX5" fmla="*/ 634315 w 726313"/>
+              <a:gd name="connsiteY5" fmla="*/ 89280 h 119040"/>
+              <a:gd name="connsiteX6" fmla="*/ 0 w 726313"/>
+              <a:gd name="connsiteY6" fmla="*/ 92455 h 119040"/>
+              <a:gd name="connsiteX7" fmla="*/ 0 w 726313"/>
+              <a:gd name="connsiteY7" fmla="*/ 29760 h 119040"/>
+            </a:gdLst>
+            <a:ahLst/>
+            <a:cxnLst>
+              <a:cxn ang="0">
+                <a:pos x="connsiteX0" y="connsiteY0"/>
+              </a:cxn>
+              <a:cxn ang="0">
+                <a:pos x="connsiteX1" y="connsiteY1"/>
+              </a:cxn>
+              <a:cxn ang="0">
+                <a:pos x="connsiteX2" y="connsiteY2"/>
+              </a:cxn>
+              <a:cxn ang="0">
+                <a:pos x="connsiteX3" y="connsiteY3"/>
+              </a:cxn>
+              <a:cxn ang="0">
+                <a:pos x="connsiteX4" y="connsiteY4"/>
+              </a:cxn>
+              <a:cxn ang="0">
+                <a:pos x="connsiteX5" y="connsiteY5"/>
+              </a:cxn>
+              <a:cxn ang="0">
+                <a:pos x="connsiteX6" y="connsiteY6"/>
+              </a:cxn>
+              <a:cxn ang="0">
+                <a:pos x="connsiteX7" y="connsiteY7"/>
+              </a:cxn>
+            </a:cxnLst>
+            <a:rect l="l" t="t" r="r" b="b"/>
+            <a:pathLst>
+              <a:path w="726313" h="119040">
+                <a:moveTo>
+                  <a:pt x="0" y="29760"/>
+                </a:moveTo>
+                <a:lnTo>
+                  <a:pt x="634315" y="29760"/>
+                </a:lnTo>
+                <a:lnTo>
+                  <a:pt x="634315" y="0"/>
+                </a:lnTo>
+                <a:lnTo>
+                  <a:pt x="726313" y="59520"/>
+                </a:lnTo>
+                <a:lnTo>
+                  <a:pt x="634315" y="119040"/>
+                </a:lnTo>
+                <a:lnTo>
+                  <a:pt x="634315" y="89280"/>
+                </a:lnTo>
+                <a:lnTo>
+                  <a:pt x="0" y="92455"/>
+                </a:lnTo>
+                <a:lnTo>
+                  <a:pt x="0" y="29760"/>
+                </a:lnTo>
+                <a:close/>
+              </a:path>
+            </a:pathLst>
+          </a:custGeom>
+          <a:solidFill>
+            <a:schemeClr val="accent2">
+              <a:lumMod val="60000"/>
+              <a:lumOff val="40000"/>
+            </a:schemeClr>
+          </a:solidFill>
+          <a:ln w="9525">
+            <a:solidFill>
+              <a:schemeClr val="bg1">
+                <a:lumMod val="50000"/>
+              </a:schemeClr>
+            </a:solidFill>
+          </a:ln>
+        </p:spPr>
+        <p:style>
+          <a:lnRef idx="2">
+            <a:schemeClr val="accent1">
+              <a:shade val="15000"/>
+            </a:schemeClr>
+          </a:lnRef>
+          <a:fillRef idx="1">
+            <a:schemeClr val="accent1"/>
+          </a:fillRef>
+          <a:effectRef idx="0">
+            <a:schemeClr val="accent1"/>
+          </a:effectRef>
+          <a:fontRef idx="minor">
+            <a:schemeClr val="lt1"/>
+          </a:fontRef>
+        </p:style>
+        <p:txBody>
+          <a:bodyPr rtlCol="0" anchor="ctr"/>
+          <a:lstStyle/>
+          <a:p>
+            <a:pPr algn="ctr"/>
+            <a:endParaRPr lang="en-US"/>
+          </a:p>
+        </p:txBody>
+      </p:sp>
+      <p:sp>
+        <p:nvSpPr>
+          <p:cNvPr id="91" name="Left-Right Arrow 90">
+            <a:extLst>
+              <a:ext uri="{FF2B5EF4-FFF2-40B4-BE49-F238E27FC236}">
+                <a16:creationId xmlns:a16="http://schemas.microsoft.com/office/drawing/2014/main" id="{71C296C7-8544-C2BA-04FC-875648DCC3E6}"/>
+              </a:ext>
+            </a:extLst>
+          </p:cNvPr>
+          <p:cNvSpPr/>
+          <p:nvPr/>
+        </p:nvSpPr>
+        <p:spPr>
+          <a:xfrm>
+            <a:off x="4640263" y="2892054"/>
+            <a:ext cx="704774" cy="64008"/>
+          </a:xfrm>
+          <a:custGeom>
+            <a:avLst/>
+            <a:gdLst>
+              <a:gd name="connsiteX0" fmla="*/ 0 w 649224"/>
+              <a:gd name="connsiteY0" fmla="*/ 32004 h 64008"/>
+              <a:gd name="connsiteX1" fmla="*/ 42875 w 649224"/>
+              <a:gd name="connsiteY1" fmla="*/ 0 h 64008"/>
+              <a:gd name="connsiteX2" fmla="*/ 42875 w 649224"/>
+              <a:gd name="connsiteY2" fmla="*/ 17314 h 64008"/>
+              <a:gd name="connsiteX3" fmla="*/ 606349 w 649224"/>
+              <a:gd name="connsiteY3" fmla="*/ 17314 h 64008"/>
+              <a:gd name="connsiteX4" fmla="*/ 606349 w 649224"/>
+              <a:gd name="connsiteY4" fmla="*/ 0 h 64008"/>
+              <a:gd name="connsiteX5" fmla="*/ 649224 w 649224"/>
+              <a:gd name="connsiteY5" fmla="*/ 32004 h 64008"/>
+              <a:gd name="connsiteX6" fmla="*/ 606349 w 649224"/>
+              <a:gd name="connsiteY6" fmla="*/ 64008 h 64008"/>
+              <a:gd name="connsiteX7" fmla="*/ 606349 w 649224"/>
+              <a:gd name="connsiteY7" fmla="*/ 46694 h 64008"/>
+              <a:gd name="connsiteX8" fmla="*/ 42875 w 649224"/>
+              <a:gd name="connsiteY8" fmla="*/ 46694 h 64008"/>
+              <a:gd name="connsiteX9" fmla="*/ 42875 w 649224"/>
+              <a:gd name="connsiteY9" fmla="*/ 64008 h 64008"/>
+              <a:gd name="connsiteX10" fmla="*/ 0 w 649224"/>
+              <a:gd name="connsiteY10" fmla="*/ 32004 h 64008"/>
+              <a:gd name="connsiteX0" fmla="*/ 0 w 606349"/>
+              <a:gd name="connsiteY0" fmla="*/ 64008 h 64008"/>
+              <a:gd name="connsiteX1" fmla="*/ 0 w 606349"/>
+              <a:gd name="connsiteY1" fmla="*/ 0 h 64008"/>
+              <a:gd name="connsiteX2" fmla="*/ 0 w 606349"/>
+              <a:gd name="connsiteY2" fmla="*/ 17314 h 64008"/>
+              <a:gd name="connsiteX3" fmla="*/ 563474 w 606349"/>
+              <a:gd name="connsiteY3" fmla="*/ 17314 h 64008"/>
+              <a:gd name="connsiteX4" fmla="*/ 563474 w 606349"/>
+              <a:gd name="connsiteY4" fmla="*/ 0 h 64008"/>
+              <a:gd name="connsiteX5" fmla="*/ 606349 w 606349"/>
+              <a:gd name="connsiteY5" fmla="*/ 32004 h 64008"/>
+              <a:gd name="connsiteX6" fmla="*/ 563474 w 606349"/>
+              <a:gd name="connsiteY6" fmla="*/ 64008 h 64008"/>
+              <a:gd name="connsiteX7" fmla="*/ 563474 w 606349"/>
+              <a:gd name="connsiteY7" fmla="*/ 46694 h 64008"/>
+              <a:gd name="connsiteX8" fmla="*/ 0 w 606349"/>
+              <a:gd name="connsiteY8" fmla="*/ 46694 h 64008"/>
+              <a:gd name="connsiteX9" fmla="*/ 0 w 606349"/>
+              <a:gd name="connsiteY9" fmla="*/ 64008 h 64008"/>
+              <a:gd name="connsiteX0" fmla="*/ 0 w 606349"/>
+              <a:gd name="connsiteY0" fmla="*/ 64008 h 64008"/>
+              <a:gd name="connsiteX1" fmla="*/ 0 w 606349"/>
+              <a:gd name="connsiteY1" fmla="*/ 17314 h 64008"/>
+              <a:gd name="connsiteX2" fmla="*/ 563474 w 606349"/>
+              <a:gd name="connsiteY2" fmla="*/ 17314 h 64008"/>
+              <a:gd name="connsiteX3" fmla="*/ 563474 w 606349"/>
+              <a:gd name="connsiteY3" fmla="*/ 0 h 64008"/>
+              <a:gd name="connsiteX4" fmla="*/ 606349 w 606349"/>
+              <a:gd name="connsiteY4" fmla="*/ 32004 h 64008"/>
+              <a:gd name="connsiteX5" fmla="*/ 563474 w 606349"/>
+              <a:gd name="connsiteY5" fmla="*/ 64008 h 64008"/>
+              <a:gd name="connsiteX6" fmla="*/ 563474 w 606349"/>
+              <a:gd name="connsiteY6" fmla="*/ 46694 h 64008"/>
+              <a:gd name="connsiteX7" fmla="*/ 0 w 606349"/>
+              <a:gd name="connsiteY7" fmla="*/ 46694 h 64008"/>
+              <a:gd name="connsiteX8" fmla="*/ 0 w 606349"/>
+              <a:gd name="connsiteY8" fmla="*/ 64008 h 64008"/>
+              <a:gd name="connsiteX0" fmla="*/ 0 w 606349"/>
+              <a:gd name="connsiteY0" fmla="*/ 46694 h 64008"/>
+              <a:gd name="connsiteX1" fmla="*/ 0 w 606349"/>
+              <a:gd name="connsiteY1" fmla="*/ 17314 h 64008"/>
+              <a:gd name="connsiteX2" fmla="*/ 563474 w 606349"/>
+              <a:gd name="connsiteY2" fmla="*/ 17314 h 64008"/>
+              <a:gd name="connsiteX3" fmla="*/ 563474 w 606349"/>
+              <a:gd name="connsiteY3" fmla="*/ 0 h 64008"/>
+              <a:gd name="connsiteX4" fmla="*/ 606349 w 606349"/>
+              <a:gd name="connsiteY4" fmla="*/ 32004 h 64008"/>
+              <a:gd name="connsiteX5" fmla="*/ 563474 w 606349"/>
+              <a:gd name="connsiteY5" fmla="*/ 64008 h 64008"/>
+              <a:gd name="connsiteX6" fmla="*/ 563474 w 606349"/>
+              <a:gd name="connsiteY6" fmla="*/ 46694 h 64008"/>
+              <a:gd name="connsiteX7" fmla="*/ 0 w 606349"/>
+              <a:gd name="connsiteY7" fmla="*/ 46694 h 64008"/>
+              <a:gd name="connsiteX0" fmla="*/ 76200 w 682549"/>
+              <a:gd name="connsiteY0" fmla="*/ 46694 h 64008"/>
+              <a:gd name="connsiteX1" fmla="*/ 0 w 682549"/>
+              <a:gd name="connsiteY1" fmla="*/ 20489 h 64008"/>
+              <a:gd name="connsiteX2" fmla="*/ 639674 w 682549"/>
+              <a:gd name="connsiteY2" fmla="*/ 17314 h 64008"/>
+              <a:gd name="connsiteX3" fmla="*/ 639674 w 682549"/>
+              <a:gd name="connsiteY3" fmla="*/ 0 h 64008"/>
+              <a:gd name="connsiteX4" fmla="*/ 682549 w 682549"/>
+              <a:gd name="connsiteY4" fmla="*/ 32004 h 64008"/>
+              <a:gd name="connsiteX5" fmla="*/ 639674 w 682549"/>
+              <a:gd name="connsiteY5" fmla="*/ 64008 h 64008"/>
+              <a:gd name="connsiteX6" fmla="*/ 639674 w 682549"/>
+              <a:gd name="connsiteY6" fmla="*/ 46694 h 64008"/>
+              <a:gd name="connsiteX7" fmla="*/ 76200 w 682549"/>
+              <a:gd name="connsiteY7" fmla="*/ 46694 h 64008"/>
+              <a:gd name="connsiteX0" fmla="*/ 0 w 698424"/>
+              <a:gd name="connsiteY0" fmla="*/ 46694 h 64008"/>
+              <a:gd name="connsiteX1" fmla="*/ 15875 w 698424"/>
+              <a:gd name="connsiteY1" fmla="*/ 20489 h 64008"/>
+              <a:gd name="connsiteX2" fmla="*/ 655549 w 698424"/>
+              <a:gd name="connsiteY2" fmla="*/ 17314 h 64008"/>
+              <a:gd name="connsiteX3" fmla="*/ 655549 w 698424"/>
+              <a:gd name="connsiteY3" fmla="*/ 0 h 64008"/>
+              <a:gd name="connsiteX4" fmla="*/ 698424 w 698424"/>
+              <a:gd name="connsiteY4" fmla="*/ 32004 h 64008"/>
+              <a:gd name="connsiteX5" fmla="*/ 655549 w 698424"/>
+              <a:gd name="connsiteY5" fmla="*/ 64008 h 64008"/>
+              <a:gd name="connsiteX6" fmla="*/ 655549 w 698424"/>
+              <a:gd name="connsiteY6" fmla="*/ 46694 h 64008"/>
+              <a:gd name="connsiteX7" fmla="*/ 0 w 698424"/>
+              <a:gd name="connsiteY7" fmla="*/ 46694 h 64008"/>
+              <a:gd name="connsiteX0" fmla="*/ 6350 w 704774"/>
+              <a:gd name="connsiteY0" fmla="*/ 46694 h 64008"/>
+              <a:gd name="connsiteX1" fmla="*/ 0 w 704774"/>
+              <a:gd name="connsiteY1" fmla="*/ 20489 h 64008"/>
+              <a:gd name="connsiteX2" fmla="*/ 661899 w 704774"/>
+              <a:gd name="connsiteY2" fmla="*/ 17314 h 64008"/>
+              <a:gd name="connsiteX3" fmla="*/ 661899 w 704774"/>
+              <a:gd name="connsiteY3" fmla="*/ 0 h 64008"/>
+              <a:gd name="connsiteX4" fmla="*/ 704774 w 704774"/>
+              <a:gd name="connsiteY4" fmla="*/ 32004 h 64008"/>
+              <a:gd name="connsiteX5" fmla="*/ 661899 w 704774"/>
+              <a:gd name="connsiteY5" fmla="*/ 64008 h 64008"/>
+              <a:gd name="connsiteX6" fmla="*/ 661899 w 704774"/>
+              <a:gd name="connsiteY6" fmla="*/ 46694 h 64008"/>
+              <a:gd name="connsiteX7" fmla="*/ 6350 w 704774"/>
+              <a:gd name="connsiteY7" fmla="*/ 46694 h 64008"/>
+            </a:gdLst>
+            <a:ahLst/>
+            <a:cxnLst>
+              <a:cxn ang="0">
+                <a:pos x="connsiteX0" y="connsiteY0"/>
+              </a:cxn>
+              <a:cxn ang="0">
+                <a:pos x="connsiteX1" y="connsiteY1"/>
+              </a:cxn>
+              <a:cxn ang="0">
+                <a:pos x="connsiteX2" y="connsiteY2"/>
+              </a:cxn>
+              <a:cxn ang="0">
+                <a:pos x="connsiteX3" y="connsiteY3"/>
+              </a:cxn>
+              <a:cxn ang="0">
+                <a:pos x="connsiteX4" y="connsiteY4"/>
+              </a:cxn>
+              <a:cxn ang="0">
+                <a:pos x="connsiteX5" y="connsiteY5"/>
+              </a:cxn>
+              <a:cxn ang="0">
+                <a:pos x="connsiteX6" y="connsiteY6"/>
+              </a:cxn>
+              <a:cxn ang="0">
+                <a:pos x="connsiteX7" y="connsiteY7"/>
+              </a:cxn>
+            </a:cxnLst>
+            <a:rect l="l" t="t" r="r" b="b"/>
+            <a:pathLst>
+              <a:path w="704774" h="64008">
+                <a:moveTo>
+                  <a:pt x="6350" y="46694"/>
+                </a:moveTo>
+                <a:lnTo>
+                  <a:pt x="0" y="20489"/>
+                </a:lnTo>
+                <a:lnTo>
+                  <a:pt x="661899" y="17314"/>
+                </a:lnTo>
+                <a:lnTo>
+                  <a:pt x="661899" y="0"/>
+                </a:lnTo>
+                <a:lnTo>
+                  <a:pt x="704774" y="32004"/>
+                </a:lnTo>
+                <a:lnTo>
+                  <a:pt x="661899" y="64008"/>
+                </a:lnTo>
+                <a:lnTo>
+                  <a:pt x="661899" y="46694"/>
+                </a:lnTo>
+                <a:lnTo>
+                  <a:pt x="6350" y="46694"/>
+                </a:lnTo>
+                <a:close/>
+              </a:path>
+            </a:pathLst>
+          </a:custGeom>
+          <a:solidFill>
+            <a:schemeClr val="accent4">
+              <a:lumMod val="40000"/>
+              <a:lumOff val="60000"/>
+            </a:schemeClr>
+          </a:solidFill>
+          <a:ln w="9525">
+            <a:noFill/>
+          </a:ln>
+        </p:spPr>
+        <p:style>
+          <a:lnRef idx="2">
+            <a:schemeClr val="accent1">
+              <a:shade val="15000"/>
+            </a:schemeClr>
+          </a:lnRef>
+          <a:fillRef idx="1">
+            <a:schemeClr val="accent1"/>
+          </a:fillRef>
+          <a:effectRef idx="0">
+            <a:schemeClr val="accent1"/>
+          </a:effectRef>
+          <a:fontRef idx="minor">
+            <a:schemeClr val="lt1"/>
+          </a:fontRef>
+        </p:style>
+        <p:txBody>
+          <a:bodyPr rtlCol="0" anchor="ctr"/>
+          <a:lstStyle/>
+          <a:p>
+            <a:pPr algn="ctr"/>
+            <a:endParaRPr lang="en-US"/>
+          </a:p>
+        </p:txBody>
+      </p:sp>
       <p:grpSp>
         <p:nvGrpSpPr>
           <p:cNvPr id="10" name="Group 9">
@@ -3372,6 +3776,626 @@
           </p:txBody>
         </p:sp>
       </p:grpSp>
+      <p:sp>
+        <p:nvSpPr>
+          <p:cNvPr id="13" name="Left-Up Arrow 12">
+            <a:extLst>
+              <a:ext uri="{FF2B5EF4-FFF2-40B4-BE49-F238E27FC236}">
+                <a16:creationId xmlns:a16="http://schemas.microsoft.com/office/drawing/2014/main" id="{E87F2305-149C-E411-DBB8-86A10B395456}"/>
+              </a:ext>
+            </a:extLst>
+          </p:cNvPr>
+          <p:cNvSpPr/>
+          <p:nvPr/>
+        </p:nvSpPr>
+        <p:spPr>
+          <a:xfrm>
+            <a:off x="4649532" y="3277812"/>
+            <a:ext cx="1363841" cy="675896"/>
+          </a:xfrm>
+          <a:custGeom>
+            <a:avLst/>
+            <a:gdLst>
+              <a:gd name="connsiteX0" fmla="*/ 0 w 1341260"/>
+              <a:gd name="connsiteY0" fmla="*/ 643296 h 706321"/>
+              <a:gd name="connsiteX1" fmla="*/ 94894 w 1341260"/>
+              <a:gd name="connsiteY1" fmla="*/ 580271 h 706321"/>
+              <a:gd name="connsiteX2" fmla="*/ 94894 w 1341260"/>
+              <a:gd name="connsiteY2" fmla="*/ 613871 h 706321"/>
+              <a:gd name="connsiteX3" fmla="*/ 1248810 w 1341260"/>
+              <a:gd name="connsiteY3" fmla="*/ 613871 h 706321"/>
+              <a:gd name="connsiteX4" fmla="*/ 1248810 w 1341260"/>
+              <a:gd name="connsiteY4" fmla="*/ 94894 h 706321"/>
+              <a:gd name="connsiteX5" fmla="*/ 1215210 w 1341260"/>
+              <a:gd name="connsiteY5" fmla="*/ 94894 h 706321"/>
+              <a:gd name="connsiteX6" fmla="*/ 1278235 w 1341260"/>
+              <a:gd name="connsiteY6" fmla="*/ 0 h 706321"/>
+              <a:gd name="connsiteX7" fmla="*/ 1341260 w 1341260"/>
+              <a:gd name="connsiteY7" fmla="*/ 94894 h 706321"/>
+              <a:gd name="connsiteX8" fmla="*/ 1307660 w 1341260"/>
+              <a:gd name="connsiteY8" fmla="*/ 94894 h 706321"/>
+              <a:gd name="connsiteX9" fmla="*/ 1307660 w 1341260"/>
+              <a:gd name="connsiteY9" fmla="*/ 672721 h 706321"/>
+              <a:gd name="connsiteX10" fmla="*/ 94894 w 1341260"/>
+              <a:gd name="connsiteY10" fmla="*/ 672721 h 706321"/>
+              <a:gd name="connsiteX11" fmla="*/ 94894 w 1341260"/>
+              <a:gd name="connsiteY11" fmla="*/ 706321 h 706321"/>
+              <a:gd name="connsiteX12" fmla="*/ 0 w 1341260"/>
+              <a:gd name="connsiteY12" fmla="*/ 643296 h 706321"/>
+              <a:gd name="connsiteX0" fmla="*/ 0 w 1246366"/>
+              <a:gd name="connsiteY0" fmla="*/ 706321 h 706321"/>
+              <a:gd name="connsiteX1" fmla="*/ 0 w 1246366"/>
+              <a:gd name="connsiteY1" fmla="*/ 580271 h 706321"/>
+              <a:gd name="connsiteX2" fmla="*/ 0 w 1246366"/>
+              <a:gd name="connsiteY2" fmla="*/ 613871 h 706321"/>
+              <a:gd name="connsiteX3" fmla="*/ 1153916 w 1246366"/>
+              <a:gd name="connsiteY3" fmla="*/ 613871 h 706321"/>
+              <a:gd name="connsiteX4" fmla="*/ 1153916 w 1246366"/>
+              <a:gd name="connsiteY4" fmla="*/ 94894 h 706321"/>
+              <a:gd name="connsiteX5" fmla="*/ 1120316 w 1246366"/>
+              <a:gd name="connsiteY5" fmla="*/ 94894 h 706321"/>
+              <a:gd name="connsiteX6" fmla="*/ 1183341 w 1246366"/>
+              <a:gd name="connsiteY6" fmla="*/ 0 h 706321"/>
+              <a:gd name="connsiteX7" fmla="*/ 1246366 w 1246366"/>
+              <a:gd name="connsiteY7" fmla="*/ 94894 h 706321"/>
+              <a:gd name="connsiteX8" fmla="*/ 1212766 w 1246366"/>
+              <a:gd name="connsiteY8" fmla="*/ 94894 h 706321"/>
+              <a:gd name="connsiteX9" fmla="*/ 1212766 w 1246366"/>
+              <a:gd name="connsiteY9" fmla="*/ 672721 h 706321"/>
+              <a:gd name="connsiteX10" fmla="*/ 0 w 1246366"/>
+              <a:gd name="connsiteY10" fmla="*/ 672721 h 706321"/>
+              <a:gd name="connsiteX11" fmla="*/ 0 w 1246366"/>
+              <a:gd name="connsiteY11" fmla="*/ 706321 h 706321"/>
+              <a:gd name="connsiteX0" fmla="*/ 0 w 1246366"/>
+              <a:gd name="connsiteY0" fmla="*/ 706321 h 706321"/>
+              <a:gd name="connsiteX1" fmla="*/ 0 w 1246366"/>
+              <a:gd name="connsiteY1" fmla="*/ 613871 h 706321"/>
+              <a:gd name="connsiteX2" fmla="*/ 1153916 w 1246366"/>
+              <a:gd name="connsiteY2" fmla="*/ 613871 h 706321"/>
+              <a:gd name="connsiteX3" fmla="*/ 1153916 w 1246366"/>
+              <a:gd name="connsiteY3" fmla="*/ 94894 h 706321"/>
+              <a:gd name="connsiteX4" fmla="*/ 1120316 w 1246366"/>
+              <a:gd name="connsiteY4" fmla="*/ 94894 h 706321"/>
+              <a:gd name="connsiteX5" fmla="*/ 1183341 w 1246366"/>
+              <a:gd name="connsiteY5" fmla="*/ 0 h 706321"/>
+              <a:gd name="connsiteX6" fmla="*/ 1246366 w 1246366"/>
+              <a:gd name="connsiteY6" fmla="*/ 94894 h 706321"/>
+              <a:gd name="connsiteX7" fmla="*/ 1212766 w 1246366"/>
+              <a:gd name="connsiteY7" fmla="*/ 94894 h 706321"/>
+              <a:gd name="connsiteX8" fmla="*/ 1212766 w 1246366"/>
+              <a:gd name="connsiteY8" fmla="*/ 672721 h 706321"/>
+              <a:gd name="connsiteX9" fmla="*/ 0 w 1246366"/>
+              <a:gd name="connsiteY9" fmla="*/ 672721 h 706321"/>
+              <a:gd name="connsiteX10" fmla="*/ 0 w 1246366"/>
+              <a:gd name="connsiteY10" fmla="*/ 706321 h 706321"/>
+              <a:gd name="connsiteX0" fmla="*/ 0 w 1246366"/>
+              <a:gd name="connsiteY0" fmla="*/ 672721 h 672721"/>
+              <a:gd name="connsiteX1" fmla="*/ 0 w 1246366"/>
+              <a:gd name="connsiteY1" fmla="*/ 613871 h 672721"/>
+              <a:gd name="connsiteX2" fmla="*/ 1153916 w 1246366"/>
+              <a:gd name="connsiteY2" fmla="*/ 613871 h 672721"/>
+              <a:gd name="connsiteX3" fmla="*/ 1153916 w 1246366"/>
+              <a:gd name="connsiteY3" fmla="*/ 94894 h 672721"/>
+              <a:gd name="connsiteX4" fmla="*/ 1120316 w 1246366"/>
+              <a:gd name="connsiteY4" fmla="*/ 94894 h 672721"/>
+              <a:gd name="connsiteX5" fmla="*/ 1183341 w 1246366"/>
+              <a:gd name="connsiteY5" fmla="*/ 0 h 672721"/>
+              <a:gd name="connsiteX6" fmla="*/ 1246366 w 1246366"/>
+              <a:gd name="connsiteY6" fmla="*/ 94894 h 672721"/>
+              <a:gd name="connsiteX7" fmla="*/ 1212766 w 1246366"/>
+              <a:gd name="connsiteY7" fmla="*/ 94894 h 672721"/>
+              <a:gd name="connsiteX8" fmla="*/ 1212766 w 1246366"/>
+              <a:gd name="connsiteY8" fmla="*/ 672721 h 672721"/>
+              <a:gd name="connsiteX9" fmla="*/ 0 w 1246366"/>
+              <a:gd name="connsiteY9" fmla="*/ 672721 h 672721"/>
+              <a:gd name="connsiteX0" fmla="*/ 127000 w 1373366"/>
+              <a:gd name="connsiteY0" fmla="*/ 672721 h 672721"/>
+              <a:gd name="connsiteX1" fmla="*/ 0 w 1373366"/>
+              <a:gd name="connsiteY1" fmla="*/ 613871 h 672721"/>
+              <a:gd name="connsiteX2" fmla="*/ 1280916 w 1373366"/>
+              <a:gd name="connsiteY2" fmla="*/ 613871 h 672721"/>
+              <a:gd name="connsiteX3" fmla="*/ 1280916 w 1373366"/>
+              <a:gd name="connsiteY3" fmla="*/ 94894 h 672721"/>
+              <a:gd name="connsiteX4" fmla="*/ 1247316 w 1373366"/>
+              <a:gd name="connsiteY4" fmla="*/ 94894 h 672721"/>
+              <a:gd name="connsiteX5" fmla="*/ 1310341 w 1373366"/>
+              <a:gd name="connsiteY5" fmla="*/ 0 h 672721"/>
+              <a:gd name="connsiteX6" fmla="*/ 1373366 w 1373366"/>
+              <a:gd name="connsiteY6" fmla="*/ 94894 h 672721"/>
+              <a:gd name="connsiteX7" fmla="*/ 1339766 w 1373366"/>
+              <a:gd name="connsiteY7" fmla="*/ 94894 h 672721"/>
+              <a:gd name="connsiteX8" fmla="*/ 1339766 w 1373366"/>
+              <a:gd name="connsiteY8" fmla="*/ 672721 h 672721"/>
+              <a:gd name="connsiteX9" fmla="*/ 127000 w 1373366"/>
+              <a:gd name="connsiteY9" fmla="*/ 672721 h 672721"/>
+              <a:gd name="connsiteX0" fmla="*/ 107950 w 1354316"/>
+              <a:gd name="connsiteY0" fmla="*/ 672721 h 672721"/>
+              <a:gd name="connsiteX1" fmla="*/ 0 w 1354316"/>
+              <a:gd name="connsiteY1" fmla="*/ 617046 h 672721"/>
+              <a:gd name="connsiteX2" fmla="*/ 1261866 w 1354316"/>
+              <a:gd name="connsiteY2" fmla="*/ 613871 h 672721"/>
+              <a:gd name="connsiteX3" fmla="*/ 1261866 w 1354316"/>
+              <a:gd name="connsiteY3" fmla="*/ 94894 h 672721"/>
+              <a:gd name="connsiteX4" fmla="*/ 1228266 w 1354316"/>
+              <a:gd name="connsiteY4" fmla="*/ 94894 h 672721"/>
+              <a:gd name="connsiteX5" fmla="*/ 1291291 w 1354316"/>
+              <a:gd name="connsiteY5" fmla="*/ 0 h 672721"/>
+              <a:gd name="connsiteX6" fmla="*/ 1354316 w 1354316"/>
+              <a:gd name="connsiteY6" fmla="*/ 94894 h 672721"/>
+              <a:gd name="connsiteX7" fmla="*/ 1320716 w 1354316"/>
+              <a:gd name="connsiteY7" fmla="*/ 94894 h 672721"/>
+              <a:gd name="connsiteX8" fmla="*/ 1320716 w 1354316"/>
+              <a:gd name="connsiteY8" fmla="*/ 672721 h 672721"/>
+              <a:gd name="connsiteX9" fmla="*/ 107950 w 1354316"/>
+              <a:gd name="connsiteY9" fmla="*/ 672721 h 672721"/>
+              <a:gd name="connsiteX0" fmla="*/ 0 w 1360666"/>
+              <a:gd name="connsiteY0" fmla="*/ 675896 h 675896"/>
+              <a:gd name="connsiteX1" fmla="*/ 6350 w 1360666"/>
+              <a:gd name="connsiteY1" fmla="*/ 617046 h 675896"/>
+              <a:gd name="connsiteX2" fmla="*/ 1268216 w 1360666"/>
+              <a:gd name="connsiteY2" fmla="*/ 613871 h 675896"/>
+              <a:gd name="connsiteX3" fmla="*/ 1268216 w 1360666"/>
+              <a:gd name="connsiteY3" fmla="*/ 94894 h 675896"/>
+              <a:gd name="connsiteX4" fmla="*/ 1234616 w 1360666"/>
+              <a:gd name="connsiteY4" fmla="*/ 94894 h 675896"/>
+              <a:gd name="connsiteX5" fmla="*/ 1297641 w 1360666"/>
+              <a:gd name="connsiteY5" fmla="*/ 0 h 675896"/>
+              <a:gd name="connsiteX6" fmla="*/ 1360666 w 1360666"/>
+              <a:gd name="connsiteY6" fmla="*/ 94894 h 675896"/>
+              <a:gd name="connsiteX7" fmla="*/ 1327066 w 1360666"/>
+              <a:gd name="connsiteY7" fmla="*/ 94894 h 675896"/>
+              <a:gd name="connsiteX8" fmla="*/ 1327066 w 1360666"/>
+              <a:gd name="connsiteY8" fmla="*/ 672721 h 675896"/>
+              <a:gd name="connsiteX9" fmla="*/ 0 w 1360666"/>
+              <a:gd name="connsiteY9" fmla="*/ 675896 h 675896"/>
+              <a:gd name="connsiteX0" fmla="*/ 9525 w 1370191"/>
+              <a:gd name="connsiteY0" fmla="*/ 675896 h 675896"/>
+              <a:gd name="connsiteX1" fmla="*/ 0 w 1370191"/>
+              <a:gd name="connsiteY1" fmla="*/ 617046 h 675896"/>
+              <a:gd name="connsiteX2" fmla="*/ 1277741 w 1370191"/>
+              <a:gd name="connsiteY2" fmla="*/ 613871 h 675896"/>
+              <a:gd name="connsiteX3" fmla="*/ 1277741 w 1370191"/>
+              <a:gd name="connsiteY3" fmla="*/ 94894 h 675896"/>
+              <a:gd name="connsiteX4" fmla="*/ 1244141 w 1370191"/>
+              <a:gd name="connsiteY4" fmla="*/ 94894 h 675896"/>
+              <a:gd name="connsiteX5" fmla="*/ 1307166 w 1370191"/>
+              <a:gd name="connsiteY5" fmla="*/ 0 h 675896"/>
+              <a:gd name="connsiteX6" fmla="*/ 1370191 w 1370191"/>
+              <a:gd name="connsiteY6" fmla="*/ 94894 h 675896"/>
+              <a:gd name="connsiteX7" fmla="*/ 1336591 w 1370191"/>
+              <a:gd name="connsiteY7" fmla="*/ 94894 h 675896"/>
+              <a:gd name="connsiteX8" fmla="*/ 1336591 w 1370191"/>
+              <a:gd name="connsiteY8" fmla="*/ 672721 h 675896"/>
+              <a:gd name="connsiteX9" fmla="*/ 9525 w 1370191"/>
+              <a:gd name="connsiteY9" fmla="*/ 675896 h 675896"/>
+              <a:gd name="connsiteX0" fmla="*/ 3175 w 1363841"/>
+              <a:gd name="connsiteY0" fmla="*/ 675896 h 675896"/>
+              <a:gd name="connsiteX1" fmla="*/ 0 w 1363841"/>
+              <a:gd name="connsiteY1" fmla="*/ 617046 h 675896"/>
+              <a:gd name="connsiteX2" fmla="*/ 1271391 w 1363841"/>
+              <a:gd name="connsiteY2" fmla="*/ 613871 h 675896"/>
+              <a:gd name="connsiteX3" fmla="*/ 1271391 w 1363841"/>
+              <a:gd name="connsiteY3" fmla="*/ 94894 h 675896"/>
+              <a:gd name="connsiteX4" fmla="*/ 1237791 w 1363841"/>
+              <a:gd name="connsiteY4" fmla="*/ 94894 h 675896"/>
+              <a:gd name="connsiteX5" fmla="*/ 1300816 w 1363841"/>
+              <a:gd name="connsiteY5" fmla="*/ 0 h 675896"/>
+              <a:gd name="connsiteX6" fmla="*/ 1363841 w 1363841"/>
+              <a:gd name="connsiteY6" fmla="*/ 94894 h 675896"/>
+              <a:gd name="connsiteX7" fmla="*/ 1330241 w 1363841"/>
+              <a:gd name="connsiteY7" fmla="*/ 94894 h 675896"/>
+              <a:gd name="connsiteX8" fmla="*/ 1330241 w 1363841"/>
+              <a:gd name="connsiteY8" fmla="*/ 672721 h 675896"/>
+              <a:gd name="connsiteX9" fmla="*/ 3175 w 1363841"/>
+              <a:gd name="connsiteY9" fmla="*/ 675896 h 675896"/>
+            </a:gdLst>
+            <a:ahLst/>
+            <a:cxnLst>
+              <a:cxn ang="0">
+                <a:pos x="connsiteX0" y="connsiteY0"/>
+              </a:cxn>
+              <a:cxn ang="0">
+                <a:pos x="connsiteX1" y="connsiteY1"/>
+              </a:cxn>
+              <a:cxn ang="0">
+                <a:pos x="connsiteX2" y="connsiteY2"/>
+              </a:cxn>
+              <a:cxn ang="0">
+                <a:pos x="connsiteX3" y="connsiteY3"/>
+              </a:cxn>
+              <a:cxn ang="0">
+                <a:pos x="connsiteX4" y="connsiteY4"/>
+              </a:cxn>
+              <a:cxn ang="0">
+                <a:pos x="connsiteX5" y="connsiteY5"/>
+              </a:cxn>
+              <a:cxn ang="0">
+                <a:pos x="connsiteX6" y="connsiteY6"/>
+              </a:cxn>
+              <a:cxn ang="0">
+                <a:pos x="connsiteX7" y="connsiteY7"/>
+              </a:cxn>
+              <a:cxn ang="0">
+                <a:pos x="connsiteX8" y="connsiteY8"/>
+              </a:cxn>
+              <a:cxn ang="0">
+                <a:pos x="connsiteX9" y="connsiteY9"/>
+              </a:cxn>
+            </a:cxnLst>
+            <a:rect l="l" t="t" r="r" b="b"/>
+            <a:pathLst>
+              <a:path w="1363841" h="675896">
+                <a:moveTo>
+                  <a:pt x="3175" y="675896"/>
+                </a:moveTo>
+                <a:lnTo>
+                  <a:pt x="0" y="617046"/>
+                </a:lnTo>
+                <a:lnTo>
+                  <a:pt x="1271391" y="613871"/>
+                </a:lnTo>
+                <a:lnTo>
+                  <a:pt x="1271391" y="94894"/>
+                </a:lnTo>
+                <a:lnTo>
+                  <a:pt x="1237791" y="94894"/>
+                </a:lnTo>
+                <a:lnTo>
+                  <a:pt x="1300816" y="0"/>
+                </a:lnTo>
+                <a:lnTo>
+                  <a:pt x="1363841" y="94894"/>
+                </a:lnTo>
+                <a:lnTo>
+                  <a:pt x="1330241" y="94894"/>
+                </a:lnTo>
+                <a:lnTo>
+                  <a:pt x="1330241" y="672721"/>
+                </a:lnTo>
+                <a:lnTo>
+                  <a:pt x="3175" y="675896"/>
+                </a:lnTo>
+                <a:close/>
+              </a:path>
+            </a:pathLst>
+          </a:custGeom>
+          <a:solidFill>
+            <a:schemeClr val="accent2">
+              <a:lumMod val="60000"/>
+              <a:lumOff val="40000"/>
+            </a:schemeClr>
+          </a:solidFill>
+          <a:ln w="9525">
+            <a:solidFill>
+              <a:schemeClr val="bg1">
+                <a:lumMod val="50000"/>
+              </a:schemeClr>
+            </a:solidFill>
+          </a:ln>
+        </p:spPr>
+        <p:style>
+          <a:lnRef idx="2">
+            <a:schemeClr val="accent1">
+              <a:shade val="15000"/>
+            </a:schemeClr>
+          </a:lnRef>
+          <a:fillRef idx="1">
+            <a:schemeClr val="accent1"/>
+          </a:fillRef>
+          <a:effectRef idx="0">
+            <a:schemeClr val="accent1"/>
+          </a:effectRef>
+          <a:fontRef idx="minor">
+            <a:schemeClr val="lt1"/>
+          </a:fontRef>
+        </p:style>
+        <p:txBody>
+          <a:bodyPr rtlCol="0" anchor="ctr"/>
+          <a:lstStyle/>
+          <a:p>
+            <a:pPr algn="ctr"/>
+            <a:endParaRPr lang="en-US"/>
+          </a:p>
+        </p:txBody>
+      </p:sp>
+      <p:sp>
+        <p:nvSpPr>
+          <p:cNvPr id="14" name="Left-Up Arrow 13">
+            <a:extLst>
+              <a:ext uri="{FF2B5EF4-FFF2-40B4-BE49-F238E27FC236}">
+                <a16:creationId xmlns:a16="http://schemas.microsoft.com/office/drawing/2014/main" id="{49BD4246-CE54-9B59-BFA4-985CA198E4A6}"/>
+              </a:ext>
+            </a:extLst>
+          </p:cNvPr>
+          <p:cNvSpPr/>
+          <p:nvPr/>
+        </p:nvSpPr>
+        <p:spPr>
+          <a:xfrm>
+            <a:off x="4651947" y="3307478"/>
+            <a:ext cx="1326577" cy="627443"/>
+          </a:xfrm>
+          <a:custGeom>
+            <a:avLst/>
+            <a:gdLst>
+              <a:gd name="connsiteX0" fmla="*/ 0 w 1274421"/>
+              <a:gd name="connsiteY0" fmla="*/ 613449 h 644596"/>
+              <a:gd name="connsiteX1" fmla="*/ 46269 w 1274421"/>
+              <a:gd name="connsiteY1" fmla="*/ 582302 h 644596"/>
+              <a:gd name="connsiteX2" fmla="*/ 46269 w 1274421"/>
+              <a:gd name="connsiteY2" fmla="*/ 599455 h 644596"/>
+              <a:gd name="connsiteX3" fmla="*/ 1229280 w 1274421"/>
+              <a:gd name="connsiteY3" fmla="*/ 599455 h 644596"/>
+              <a:gd name="connsiteX4" fmla="*/ 1229280 w 1274421"/>
+              <a:gd name="connsiteY4" fmla="*/ 46269 h 644596"/>
+              <a:gd name="connsiteX5" fmla="*/ 1212127 w 1274421"/>
+              <a:gd name="connsiteY5" fmla="*/ 46269 h 644596"/>
+              <a:gd name="connsiteX6" fmla="*/ 1243274 w 1274421"/>
+              <a:gd name="connsiteY6" fmla="*/ 0 h 644596"/>
+              <a:gd name="connsiteX7" fmla="*/ 1274421 w 1274421"/>
+              <a:gd name="connsiteY7" fmla="*/ 46269 h 644596"/>
+              <a:gd name="connsiteX8" fmla="*/ 1257268 w 1274421"/>
+              <a:gd name="connsiteY8" fmla="*/ 46269 h 644596"/>
+              <a:gd name="connsiteX9" fmla="*/ 1257268 w 1274421"/>
+              <a:gd name="connsiteY9" fmla="*/ 627443 h 644596"/>
+              <a:gd name="connsiteX10" fmla="*/ 46269 w 1274421"/>
+              <a:gd name="connsiteY10" fmla="*/ 627443 h 644596"/>
+              <a:gd name="connsiteX11" fmla="*/ 46269 w 1274421"/>
+              <a:gd name="connsiteY11" fmla="*/ 644596 h 644596"/>
+              <a:gd name="connsiteX12" fmla="*/ 0 w 1274421"/>
+              <a:gd name="connsiteY12" fmla="*/ 613449 h 644596"/>
+              <a:gd name="connsiteX0" fmla="*/ 0 w 1228152"/>
+              <a:gd name="connsiteY0" fmla="*/ 644596 h 644596"/>
+              <a:gd name="connsiteX1" fmla="*/ 0 w 1228152"/>
+              <a:gd name="connsiteY1" fmla="*/ 582302 h 644596"/>
+              <a:gd name="connsiteX2" fmla="*/ 0 w 1228152"/>
+              <a:gd name="connsiteY2" fmla="*/ 599455 h 644596"/>
+              <a:gd name="connsiteX3" fmla="*/ 1183011 w 1228152"/>
+              <a:gd name="connsiteY3" fmla="*/ 599455 h 644596"/>
+              <a:gd name="connsiteX4" fmla="*/ 1183011 w 1228152"/>
+              <a:gd name="connsiteY4" fmla="*/ 46269 h 644596"/>
+              <a:gd name="connsiteX5" fmla="*/ 1165858 w 1228152"/>
+              <a:gd name="connsiteY5" fmla="*/ 46269 h 644596"/>
+              <a:gd name="connsiteX6" fmla="*/ 1197005 w 1228152"/>
+              <a:gd name="connsiteY6" fmla="*/ 0 h 644596"/>
+              <a:gd name="connsiteX7" fmla="*/ 1228152 w 1228152"/>
+              <a:gd name="connsiteY7" fmla="*/ 46269 h 644596"/>
+              <a:gd name="connsiteX8" fmla="*/ 1210999 w 1228152"/>
+              <a:gd name="connsiteY8" fmla="*/ 46269 h 644596"/>
+              <a:gd name="connsiteX9" fmla="*/ 1210999 w 1228152"/>
+              <a:gd name="connsiteY9" fmla="*/ 627443 h 644596"/>
+              <a:gd name="connsiteX10" fmla="*/ 0 w 1228152"/>
+              <a:gd name="connsiteY10" fmla="*/ 627443 h 644596"/>
+              <a:gd name="connsiteX11" fmla="*/ 0 w 1228152"/>
+              <a:gd name="connsiteY11" fmla="*/ 644596 h 644596"/>
+              <a:gd name="connsiteX0" fmla="*/ 0 w 1228152"/>
+              <a:gd name="connsiteY0" fmla="*/ 644596 h 644596"/>
+              <a:gd name="connsiteX1" fmla="*/ 0 w 1228152"/>
+              <a:gd name="connsiteY1" fmla="*/ 599455 h 644596"/>
+              <a:gd name="connsiteX2" fmla="*/ 1183011 w 1228152"/>
+              <a:gd name="connsiteY2" fmla="*/ 599455 h 644596"/>
+              <a:gd name="connsiteX3" fmla="*/ 1183011 w 1228152"/>
+              <a:gd name="connsiteY3" fmla="*/ 46269 h 644596"/>
+              <a:gd name="connsiteX4" fmla="*/ 1165858 w 1228152"/>
+              <a:gd name="connsiteY4" fmla="*/ 46269 h 644596"/>
+              <a:gd name="connsiteX5" fmla="*/ 1197005 w 1228152"/>
+              <a:gd name="connsiteY5" fmla="*/ 0 h 644596"/>
+              <a:gd name="connsiteX6" fmla="*/ 1228152 w 1228152"/>
+              <a:gd name="connsiteY6" fmla="*/ 46269 h 644596"/>
+              <a:gd name="connsiteX7" fmla="*/ 1210999 w 1228152"/>
+              <a:gd name="connsiteY7" fmla="*/ 46269 h 644596"/>
+              <a:gd name="connsiteX8" fmla="*/ 1210999 w 1228152"/>
+              <a:gd name="connsiteY8" fmla="*/ 627443 h 644596"/>
+              <a:gd name="connsiteX9" fmla="*/ 0 w 1228152"/>
+              <a:gd name="connsiteY9" fmla="*/ 627443 h 644596"/>
+              <a:gd name="connsiteX10" fmla="*/ 0 w 1228152"/>
+              <a:gd name="connsiteY10" fmla="*/ 644596 h 644596"/>
+              <a:gd name="connsiteX0" fmla="*/ 0 w 1228152"/>
+              <a:gd name="connsiteY0" fmla="*/ 627443 h 627443"/>
+              <a:gd name="connsiteX1" fmla="*/ 0 w 1228152"/>
+              <a:gd name="connsiteY1" fmla="*/ 599455 h 627443"/>
+              <a:gd name="connsiteX2" fmla="*/ 1183011 w 1228152"/>
+              <a:gd name="connsiteY2" fmla="*/ 599455 h 627443"/>
+              <a:gd name="connsiteX3" fmla="*/ 1183011 w 1228152"/>
+              <a:gd name="connsiteY3" fmla="*/ 46269 h 627443"/>
+              <a:gd name="connsiteX4" fmla="*/ 1165858 w 1228152"/>
+              <a:gd name="connsiteY4" fmla="*/ 46269 h 627443"/>
+              <a:gd name="connsiteX5" fmla="*/ 1197005 w 1228152"/>
+              <a:gd name="connsiteY5" fmla="*/ 0 h 627443"/>
+              <a:gd name="connsiteX6" fmla="*/ 1228152 w 1228152"/>
+              <a:gd name="connsiteY6" fmla="*/ 46269 h 627443"/>
+              <a:gd name="connsiteX7" fmla="*/ 1210999 w 1228152"/>
+              <a:gd name="connsiteY7" fmla="*/ 46269 h 627443"/>
+              <a:gd name="connsiteX8" fmla="*/ 1210999 w 1228152"/>
+              <a:gd name="connsiteY8" fmla="*/ 627443 h 627443"/>
+              <a:gd name="connsiteX9" fmla="*/ 0 w 1228152"/>
+              <a:gd name="connsiteY9" fmla="*/ 627443 h 627443"/>
+              <a:gd name="connsiteX0" fmla="*/ 98425 w 1326577"/>
+              <a:gd name="connsiteY0" fmla="*/ 627443 h 627443"/>
+              <a:gd name="connsiteX1" fmla="*/ 0 w 1326577"/>
+              <a:gd name="connsiteY1" fmla="*/ 599455 h 627443"/>
+              <a:gd name="connsiteX2" fmla="*/ 1281436 w 1326577"/>
+              <a:gd name="connsiteY2" fmla="*/ 599455 h 627443"/>
+              <a:gd name="connsiteX3" fmla="*/ 1281436 w 1326577"/>
+              <a:gd name="connsiteY3" fmla="*/ 46269 h 627443"/>
+              <a:gd name="connsiteX4" fmla="*/ 1264283 w 1326577"/>
+              <a:gd name="connsiteY4" fmla="*/ 46269 h 627443"/>
+              <a:gd name="connsiteX5" fmla="*/ 1295430 w 1326577"/>
+              <a:gd name="connsiteY5" fmla="*/ 0 h 627443"/>
+              <a:gd name="connsiteX6" fmla="*/ 1326577 w 1326577"/>
+              <a:gd name="connsiteY6" fmla="*/ 46269 h 627443"/>
+              <a:gd name="connsiteX7" fmla="*/ 1309424 w 1326577"/>
+              <a:gd name="connsiteY7" fmla="*/ 46269 h 627443"/>
+              <a:gd name="connsiteX8" fmla="*/ 1309424 w 1326577"/>
+              <a:gd name="connsiteY8" fmla="*/ 627443 h 627443"/>
+              <a:gd name="connsiteX9" fmla="*/ 98425 w 1326577"/>
+              <a:gd name="connsiteY9" fmla="*/ 627443 h 627443"/>
+              <a:gd name="connsiteX0" fmla="*/ 12700 w 1326577"/>
+              <a:gd name="connsiteY0" fmla="*/ 624268 h 627443"/>
+              <a:gd name="connsiteX1" fmla="*/ 0 w 1326577"/>
+              <a:gd name="connsiteY1" fmla="*/ 599455 h 627443"/>
+              <a:gd name="connsiteX2" fmla="*/ 1281436 w 1326577"/>
+              <a:gd name="connsiteY2" fmla="*/ 599455 h 627443"/>
+              <a:gd name="connsiteX3" fmla="*/ 1281436 w 1326577"/>
+              <a:gd name="connsiteY3" fmla="*/ 46269 h 627443"/>
+              <a:gd name="connsiteX4" fmla="*/ 1264283 w 1326577"/>
+              <a:gd name="connsiteY4" fmla="*/ 46269 h 627443"/>
+              <a:gd name="connsiteX5" fmla="*/ 1295430 w 1326577"/>
+              <a:gd name="connsiteY5" fmla="*/ 0 h 627443"/>
+              <a:gd name="connsiteX6" fmla="*/ 1326577 w 1326577"/>
+              <a:gd name="connsiteY6" fmla="*/ 46269 h 627443"/>
+              <a:gd name="connsiteX7" fmla="*/ 1309424 w 1326577"/>
+              <a:gd name="connsiteY7" fmla="*/ 46269 h 627443"/>
+              <a:gd name="connsiteX8" fmla="*/ 1309424 w 1326577"/>
+              <a:gd name="connsiteY8" fmla="*/ 627443 h 627443"/>
+              <a:gd name="connsiteX9" fmla="*/ 12700 w 1326577"/>
+              <a:gd name="connsiteY9" fmla="*/ 624268 h 627443"/>
+              <a:gd name="connsiteX0" fmla="*/ 0 w 1336102"/>
+              <a:gd name="connsiteY0" fmla="*/ 627443 h 627443"/>
+              <a:gd name="connsiteX1" fmla="*/ 9525 w 1336102"/>
+              <a:gd name="connsiteY1" fmla="*/ 599455 h 627443"/>
+              <a:gd name="connsiteX2" fmla="*/ 1290961 w 1336102"/>
+              <a:gd name="connsiteY2" fmla="*/ 599455 h 627443"/>
+              <a:gd name="connsiteX3" fmla="*/ 1290961 w 1336102"/>
+              <a:gd name="connsiteY3" fmla="*/ 46269 h 627443"/>
+              <a:gd name="connsiteX4" fmla="*/ 1273808 w 1336102"/>
+              <a:gd name="connsiteY4" fmla="*/ 46269 h 627443"/>
+              <a:gd name="connsiteX5" fmla="*/ 1304955 w 1336102"/>
+              <a:gd name="connsiteY5" fmla="*/ 0 h 627443"/>
+              <a:gd name="connsiteX6" fmla="*/ 1336102 w 1336102"/>
+              <a:gd name="connsiteY6" fmla="*/ 46269 h 627443"/>
+              <a:gd name="connsiteX7" fmla="*/ 1318949 w 1336102"/>
+              <a:gd name="connsiteY7" fmla="*/ 46269 h 627443"/>
+              <a:gd name="connsiteX8" fmla="*/ 1318949 w 1336102"/>
+              <a:gd name="connsiteY8" fmla="*/ 627443 h 627443"/>
+              <a:gd name="connsiteX9" fmla="*/ 0 w 1336102"/>
+              <a:gd name="connsiteY9" fmla="*/ 627443 h 627443"/>
+              <a:gd name="connsiteX0" fmla="*/ 0 w 1326577"/>
+              <a:gd name="connsiteY0" fmla="*/ 627443 h 627443"/>
+              <a:gd name="connsiteX1" fmla="*/ 0 w 1326577"/>
+              <a:gd name="connsiteY1" fmla="*/ 599455 h 627443"/>
+              <a:gd name="connsiteX2" fmla="*/ 1281436 w 1326577"/>
+              <a:gd name="connsiteY2" fmla="*/ 599455 h 627443"/>
+              <a:gd name="connsiteX3" fmla="*/ 1281436 w 1326577"/>
+              <a:gd name="connsiteY3" fmla="*/ 46269 h 627443"/>
+              <a:gd name="connsiteX4" fmla="*/ 1264283 w 1326577"/>
+              <a:gd name="connsiteY4" fmla="*/ 46269 h 627443"/>
+              <a:gd name="connsiteX5" fmla="*/ 1295430 w 1326577"/>
+              <a:gd name="connsiteY5" fmla="*/ 0 h 627443"/>
+              <a:gd name="connsiteX6" fmla="*/ 1326577 w 1326577"/>
+              <a:gd name="connsiteY6" fmla="*/ 46269 h 627443"/>
+              <a:gd name="connsiteX7" fmla="*/ 1309424 w 1326577"/>
+              <a:gd name="connsiteY7" fmla="*/ 46269 h 627443"/>
+              <a:gd name="connsiteX8" fmla="*/ 1309424 w 1326577"/>
+              <a:gd name="connsiteY8" fmla="*/ 627443 h 627443"/>
+              <a:gd name="connsiteX9" fmla="*/ 0 w 1326577"/>
+              <a:gd name="connsiteY9" fmla="*/ 627443 h 627443"/>
+            </a:gdLst>
+            <a:ahLst/>
+            <a:cxnLst>
+              <a:cxn ang="0">
+                <a:pos x="connsiteX0" y="connsiteY0"/>
+              </a:cxn>
+              <a:cxn ang="0">
+                <a:pos x="connsiteX1" y="connsiteY1"/>
+              </a:cxn>
+              <a:cxn ang="0">
+                <a:pos x="connsiteX2" y="connsiteY2"/>
+              </a:cxn>
+              <a:cxn ang="0">
+                <a:pos x="connsiteX3" y="connsiteY3"/>
+              </a:cxn>
+              <a:cxn ang="0">
+                <a:pos x="connsiteX4" y="connsiteY4"/>
+              </a:cxn>
+              <a:cxn ang="0">
+                <a:pos x="connsiteX5" y="connsiteY5"/>
+              </a:cxn>
+              <a:cxn ang="0">
+                <a:pos x="connsiteX6" y="connsiteY6"/>
+              </a:cxn>
+              <a:cxn ang="0">
+                <a:pos x="connsiteX7" y="connsiteY7"/>
+              </a:cxn>
+              <a:cxn ang="0">
+                <a:pos x="connsiteX8" y="connsiteY8"/>
+              </a:cxn>
+              <a:cxn ang="0">
+                <a:pos x="connsiteX9" y="connsiteY9"/>
+              </a:cxn>
+            </a:cxnLst>
+            <a:rect l="l" t="t" r="r" b="b"/>
+            <a:pathLst>
+              <a:path w="1326577" h="627443">
+                <a:moveTo>
+                  <a:pt x="0" y="627443"/>
+                </a:moveTo>
+                <a:lnTo>
+                  <a:pt x="0" y="599455"/>
+                </a:lnTo>
+                <a:lnTo>
+                  <a:pt x="1281436" y="599455"/>
+                </a:lnTo>
+                <a:lnTo>
+                  <a:pt x="1281436" y="46269"/>
+                </a:lnTo>
+                <a:lnTo>
+                  <a:pt x="1264283" y="46269"/>
+                </a:lnTo>
+                <a:lnTo>
+                  <a:pt x="1295430" y="0"/>
+                </a:lnTo>
+                <a:lnTo>
+                  <a:pt x="1326577" y="46269"/>
+                </a:lnTo>
+                <a:lnTo>
+                  <a:pt x="1309424" y="46269"/>
+                </a:lnTo>
+                <a:lnTo>
+                  <a:pt x="1309424" y="627443"/>
+                </a:lnTo>
+                <a:lnTo>
+                  <a:pt x="0" y="627443"/>
+                </a:lnTo>
+                <a:close/>
+              </a:path>
+            </a:pathLst>
+          </a:custGeom>
+          <a:solidFill>
+            <a:schemeClr val="accent4">
+              <a:lumMod val="40000"/>
+              <a:lumOff val="60000"/>
+            </a:schemeClr>
+          </a:solidFill>
+          <a:ln w="9525">
+            <a:noFill/>
+          </a:ln>
+        </p:spPr>
+        <p:style>
+          <a:lnRef idx="2">
+            <a:schemeClr val="accent1">
+              <a:shade val="15000"/>
+            </a:schemeClr>
+          </a:lnRef>
+          <a:fillRef idx="1">
+            <a:schemeClr val="accent1"/>
+          </a:fillRef>
+          <a:effectRef idx="0">
+            <a:schemeClr val="accent1"/>
+          </a:effectRef>
+          <a:fontRef idx="minor">
+            <a:schemeClr val="lt1"/>
+          </a:fontRef>
+        </p:style>
+        <p:txBody>
+          <a:bodyPr rtlCol="0" anchor="ctr"/>
+          <a:lstStyle/>
+          <a:p>
+            <a:pPr algn="ctr"/>
+            <a:endParaRPr lang="en-US"/>
+          </a:p>
+        </p:txBody>
+      </p:sp>
       <p:cxnSp>
         <p:nvCxnSpPr>
           <p:cNvPr id="92" name="Straight Arrow Connector 91">
@@ -5495,126 +6519,6 @@
           </a:p>
         </p:txBody>
       </p:sp>
-      <p:sp>
-        <p:nvSpPr>
-          <p:cNvPr id="57" name="Left-Right Arrow 56">
-            <a:extLst>
-              <a:ext uri="{FF2B5EF4-FFF2-40B4-BE49-F238E27FC236}">
-                <a16:creationId xmlns:a16="http://schemas.microsoft.com/office/drawing/2014/main" id="{4DBE2D08-7379-B6C8-2476-357A3FB90B4A}"/>
-              </a:ext>
-            </a:extLst>
-          </p:cNvPr>
-          <p:cNvSpPr/>
-          <p:nvPr/>
-        </p:nvSpPr>
-        <p:spPr>
-          <a:xfrm>
-            <a:off x="4672114" y="2867574"/>
-            <a:ext cx="704088" cy="128016"/>
-          </a:xfrm>
-          <a:prstGeom prst="leftRightArrow">
-            <a:avLst>
-              <a:gd name="adj1" fmla="val 45899"/>
-              <a:gd name="adj2" fmla="val 66984"/>
-            </a:avLst>
-          </a:prstGeom>
-          <a:solidFill>
-            <a:schemeClr val="accent2">
-              <a:lumMod val="60000"/>
-              <a:lumOff val="40000"/>
-            </a:schemeClr>
-          </a:solidFill>
-          <a:ln w="9525">
-            <a:solidFill>
-              <a:schemeClr val="bg1">
-                <a:lumMod val="50000"/>
-              </a:schemeClr>
-            </a:solidFill>
-          </a:ln>
-        </p:spPr>
-        <p:style>
-          <a:lnRef idx="2">
-            <a:schemeClr val="accent1">
-              <a:shade val="15000"/>
-            </a:schemeClr>
-          </a:lnRef>
-          <a:fillRef idx="1">
-            <a:schemeClr val="accent1"/>
-          </a:fillRef>
-          <a:effectRef idx="0">
-            <a:schemeClr val="accent1"/>
-          </a:effectRef>
-          <a:fontRef idx="minor">
-            <a:schemeClr val="lt1"/>
-          </a:fontRef>
-        </p:style>
-        <p:txBody>
-          <a:bodyPr rtlCol="0" anchor="ctr"/>
-          <a:lstStyle/>
-          <a:p>
-            <a:pPr algn="ctr"/>
-            <a:endParaRPr lang="en-US"/>
-          </a:p>
-        </p:txBody>
-      </p:sp>
-      <p:sp>
-        <p:nvSpPr>
-          <p:cNvPr id="91" name="Left-Right Arrow 90">
-            <a:extLst>
-              <a:ext uri="{FF2B5EF4-FFF2-40B4-BE49-F238E27FC236}">
-                <a16:creationId xmlns:a16="http://schemas.microsoft.com/office/drawing/2014/main" id="{71C296C7-8544-C2BA-04FC-875648DCC3E6}"/>
-              </a:ext>
-            </a:extLst>
-          </p:cNvPr>
-          <p:cNvSpPr/>
-          <p:nvPr/>
-        </p:nvSpPr>
-        <p:spPr>
-          <a:xfrm>
-            <a:off x="4698988" y="2898404"/>
-            <a:ext cx="649224" cy="64008"/>
-          </a:xfrm>
-          <a:prstGeom prst="leftRightArrow">
-            <a:avLst>
-              <a:gd name="adj1" fmla="val 45899"/>
-              <a:gd name="adj2" fmla="val 66984"/>
-            </a:avLst>
-          </a:prstGeom>
-          <a:solidFill>
-            <a:schemeClr val="accent4">
-              <a:lumMod val="40000"/>
-              <a:lumOff val="60000"/>
-            </a:schemeClr>
-          </a:solidFill>
-          <a:ln w="9525">
-            <a:noFill/>
-          </a:ln>
-        </p:spPr>
-        <p:style>
-          <a:lnRef idx="2">
-            <a:schemeClr val="accent1">
-              <a:shade val="15000"/>
-            </a:schemeClr>
-          </a:lnRef>
-          <a:fillRef idx="1">
-            <a:schemeClr val="accent1"/>
-          </a:fillRef>
-          <a:effectRef idx="0">
-            <a:schemeClr val="accent1"/>
-          </a:effectRef>
-          <a:fontRef idx="minor">
-            <a:schemeClr val="lt1"/>
-          </a:fontRef>
-        </p:style>
-        <p:txBody>
-          <a:bodyPr rtlCol="0" anchor="ctr"/>
-          <a:lstStyle/>
-          <a:p>
-            <a:pPr algn="ctr"/>
-            <a:endParaRPr lang="en-US"/>
-          </a:p>
-        </p:txBody>
-      </p:sp>
       <p:pic>
         <p:nvPicPr>
           <p:cNvPr id="5" name="Picture 4">
@@ -5652,128 +6556,6 @@
           </a:prstGeom>
         </p:spPr>
       </p:pic>
-      <p:sp>
-        <p:nvSpPr>
-          <p:cNvPr id="13" name="Left-Up Arrow 12">
-            <a:extLst>
-              <a:ext uri="{FF2B5EF4-FFF2-40B4-BE49-F238E27FC236}">
-                <a16:creationId xmlns:a16="http://schemas.microsoft.com/office/drawing/2014/main" id="{E87F2305-149C-E411-DBB8-86A10B395456}"/>
-              </a:ext>
-            </a:extLst>
-          </p:cNvPr>
-          <p:cNvSpPr/>
-          <p:nvPr/>
-        </p:nvSpPr>
-        <p:spPr>
-          <a:xfrm>
-            <a:off x="4672114" y="3277811"/>
-            <a:ext cx="1341260" cy="706321"/>
-          </a:xfrm>
-          <a:prstGeom prst="leftUpArrow">
-            <a:avLst>
-              <a:gd name="adj1" fmla="val 8332"/>
-              <a:gd name="adj2" fmla="val 8923"/>
-              <a:gd name="adj3" fmla="val 13435"/>
-            </a:avLst>
-          </a:prstGeom>
-          <a:solidFill>
-            <a:schemeClr val="accent2">
-              <a:lumMod val="60000"/>
-              <a:lumOff val="40000"/>
-            </a:schemeClr>
-          </a:solidFill>
-          <a:ln w="9525">
-            <a:solidFill>
-              <a:schemeClr val="bg1">
-                <a:lumMod val="50000"/>
-              </a:schemeClr>
-            </a:solidFill>
-          </a:ln>
-        </p:spPr>
-        <p:style>
-          <a:lnRef idx="2">
-            <a:schemeClr val="accent1">
-              <a:shade val="15000"/>
-            </a:schemeClr>
-          </a:lnRef>
-          <a:fillRef idx="1">
-            <a:schemeClr val="accent1"/>
-          </a:fillRef>
-          <a:effectRef idx="0">
-            <a:schemeClr val="accent1"/>
-          </a:effectRef>
-          <a:fontRef idx="minor">
-            <a:schemeClr val="lt1"/>
-          </a:fontRef>
-        </p:style>
-        <p:txBody>
-          <a:bodyPr rtlCol="0" anchor="ctr"/>
-          <a:lstStyle/>
-          <a:p>
-            <a:pPr algn="ctr"/>
-            <a:endParaRPr lang="en-US"/>
-          </a:p>
-        </p:txBody>
-      </p:sp>
-      <p:sp>
-        <p:nvSpPr>
-          <p:cNvPr id="14" name="Left-Up Arrow 13">
-            <a:extLst>
-              <a:ext uri="{FF2B5EF4-FFF2-40B4-BE49-F238E27FC236}">
-                <a16:creationId xmlns:a16="http://schemas.microsoft.com/office/drawing/2014/main" id="{49BD4246-CE54-9B59-BFA4-985CA198E4A6}"/>
-              </a:ext>
-            </a:extLst>
-          </p:cNvPr>
-          <p:cNvSpPr/>
-          <p:nvPr/>
-        </p:nvSpPr>
-        <p:spPr>
-          <a:xfrm>
-            <a:off x="4704103" y="3310654"/>
-            <a:ext cx="1274421" cy="644596"/>
-          </a:xfrm>
-          <a:prstGeom prst="leftUpArrow">
-            <a:avLst>
-              <a:gd name="adj1" fmla="val 4342"/>
-              <a:gd name="adj2" fmla="val 4832"/>
-              <a:gd name="adj3" fmla="val 7178"/>
-            </a:avLst>
-          </a:prstGeom>
-          <a:solidFill>
-            <a:schemeClr val="accent4">
-              <a:lumMod val="40000"/>
-              <a:lumOff val="60000"/>
-            </a:schemeClr>
-          </a:solidFill>
-          <a:ln w="9525">
-            <a:noFill/>
-          </a:ln>
-        </p:spPr>
-        <p:style>
-          <a:lnRef idx="2">
-            <a:schemeClr val="accent1">
-              <a:shade val="15000"/>
-            </a:schemeClr>
-          </a:lnRef>
-          <a:fillRef idx="1">
-            <a:schemeClr val="accent1"/>
-          </a:fillRef>
-          <a:effectRef idx="0">
-            <a:schemeClr val="accent1"/>
-          </a:effectRef>
-          <a:fontRef idx="minor">
-            <a:schemeClr val="lt1"/>
-          </a:fontRef>
-        </p:style>
-        <p:txBody>
-          <a:bodyPr rtlCol="0" anchor="ctr"/>
-          <a:lstStyle/>
-          <a:p>
-            <a:pPr algn="ctr"/>
-            <a:endParaRPr lang="en-US"/>
-          </a:p>
-        </p:txBody>
-      </p:sp>
       <p:sp>
         <p:nvSpPr>
           <p:cNvPr id="19" name="TextBox 18">

--- a/docgen/sequence-diagram.pptx
+++ b/docgen/sequence-diagram.pptx
@@ -197,7 +197,7 @@
           <a:p>
             <a:fld id="{9D12DC2B-A868-EB48-BC74-89BE29D1DE6E}" type="datetimeFigureOut">
               <a:rPr lang="en-US" smtClean="0"/>
-              <a:t>9/28/24</a:t>
+              <a:t>12/22/24</a:t>
             </a:fld>
             <a:endParaRPr lang="en-US" dirty="0"/>
           </a:p>
@@ -6519,43 +6519,6 @@
           </a:p>
         </p:txBody>
       </p:sp>
-      <p:pic>
-        <p:nvPicPr>
-          <p:cNvPr id="5" name="Picture 4">
-            <a:hlinkClick r:id="rId7" tooltip="Saturn"/>
-            <a:extLst>
-              <a:ext uri="{FF2B5EF4-FFF2-40B4-BE49-F238E27FC236}">
-                <a16:creationId xmlns:a16="http://schemas.microsoft.com/office/drawing/2014/main" id="{8C5F1117-38C7-05E2-E927-15B8C2745600}"/>
-              </a:ext>
-            </a:extLst>
-          </p:cNvPr>
-          <p:cNvPicPr>
-            <a:picLocks noChangeAspect="1"/>
-          </p:cNvPicPr>
-          <p:nvPr/>
-        </p:nvPicPr>
-        <p:blipFill>
-          <a:blip r:embed="rId8" cstate="print">
-            <a:extLst>
-              <a:ext uri="{28A0092B-C50C-407E-A947-70E740481C1C}">
-                <a14:useLocalDpi xmlns:a14="http://schemas.microsoft.com/office/drawing/2010/main" val="0"/>
-              </a:ext>
-            </a:extLst>
-          </a:blip>
-          <a:stretch>
-            <a:fillRect/>
-          </a:stretch>
-        </p:blipFill>
-        <p:spPr>
-          <a:xfrm>
-            <a:off x="1239890" y="2867087"/>
-            <a:ext cx="864096" cy="297309"/>
-          </a:xfrm>
-          <a:prstGeom prst="rect">
-            <a:avLst/>
-          </a:prstGeom>
-        </p:spPr>
-      </p:pic>
       <p:sp>
         <p:nvSpPr>
           <p:cNvPr id="19" name="TextBox 18">
@@ -6610,6 +6573,42 @@
           </a:p>
         </p:txBody>
       </p:sp>
+      <p:pic>
+        <p:nvPicPr>
+          <p:cNvPr id="16" name="Graphic 15">
+            <a:extLst>
+              <a:ext uri="{FF2B5EF4-FFF2-40B4-BE49-F238E27FC236}">
+                <a16:creationId xmlns:a16="http://schemas.microsoft.com/office/drawing/2014/main" id="{1AE965EE-F296-9545-1AB6-1411A9D6C2CA}"/>
+              </a:ext>
+            </a:extLst>
+          </p:cNvPr>
+          <p:cNvPicPr>
+            <a:picLocks noChangeAspect="1"/>
+          </p:cNvPicPr>
+          <p:nvPr/>
+        </p:nvPicPr>
+        <p:blipFill>
+          <a:blip r:embed="rId7">
+            <a:extLst>
+              <a:ext uri="{96DAC541-7B7A-43D3-8B79-37D633B846F1}">
+                <asvg:svgBlip xmlns:asvg="http://schemas.microsoft.com/office/drawing/2016/SVG/main" r:embed="rId8"/>
+              </a:ext>
+            </a:extLst>
+          </a:blip>
+          <a:stretch>
+            <a:fillRect/>
+          </a:stretch>
+        </p:blipFill>
+        <p:spPr>
+          <a:xfrm>
+            <a:off x="1120135" y="2924374"/>
+            <a:ext cx="879136" cy="317188"/>
+          </a:xfrm>
+          <a:prstGeom prst="rect">
+            <a:avLst/>
+          </a:prstGeom>
+        </p:spPr>
+      </p:pic>
     </p:spTree>
     <p:extLst>
       <p:ext uri="{BB962C8B-B14F-4D97-AF65-F5344CB8AC3E}">
